--- a/Presentation-Documentation/Final Presentation.pptx
+++ b/Presentation-Documentation/Final Presentation.pptx
@@ -106,15 +106,28 @@
       </a:defRPr>
     </a:lvl9pPr>
   </p:defaultTextStyle>
+  <p:extLst>
+    <p:ext uri="{EFAFB233-063F-42B5-8137-9DF3F51BA10A}">
+      <p15:sldGuideLst xmlns:p15="http://schemas.microsoft.com/office/powerpoint/2012/main"/>
+    </p:ext>
+  </p:extLst>
 </p:presentation>
+</file>
+
+<file path=ppt/revisionInfo.xml><?xml version="1.0" encoding="utf-8"?>
+<p1510:revInfo xmlns:a="http://schemas.openxmlformats.org/drawingml/2006/main" xmlns:r="http://schemas.openxmlformats.org/officeDocument/2006/relationships" xmlns:p1510="http://schemas.microsoft.com/office/powerpoint/2015/10/main">
+  <p1510:revLst>
+    <p1510:client id="{C60F3985-66A4-49E4-B3F8-50E15964F0A7}" v="13" dt="2022-03-14T17:26:19.340"/>
+  </p1510:revLst>
+</p1510:revInfo>
 </file>
 
 <file path=ppt/changesInfos/changesInfo1.xml><?xml version="1.0" encoding="utf-8"?>
 <pc:chgInfo xmlns:a="http://schemas.openxmlformats.org/drawingml/2006/main" xmlns:r="http://schemas.openxmlformats.org/officeDocument/2006/relationships" xmlns:ac="http://schemas.microsoft.com/office/drawing/2013/main/command" xmlns:pc="http://schemas.microsoft.com/office/powerpoint/2013/main/command">
   <pc:docChgLst>
     <pc:chgData name="Worden, Eamon" userId="bf885459-75af-4c0c-b722-ef8a7b44cae9" providerId="ADAL" clId="{C60F3985-66A4-49E4-B3F8-50E15964F0A7}"/>
-    <pc:docChg chg="custSel addSld delSld modSld">
-      <pc:chgData name="Worden, Eamon" userId="bf885459-75af-4c0c-b722-ef8a7b44cae9" providerId="ADAL" clId="{C60F3985-66A4-49E4-B3F8-50E15964F0A7}" dt="2022-03-14T13:38:03.442" v="242" actId="20577"/>
+    <pc:docChg chg="undo custSel addSld delSld modSld">
+      <pc:chgData name="Worden, Eamon" userId="bf885459-75af-4c0c-b722-ef8a7b44cae9" providerId="ADAL" clId="{C60F3985-66A4-49E4-B3F8-50E15964F0A7}" dt="2022-03-14T17:26:32.472" v="955" actId="1076"/>
       <pc:docMkLst>
         <pc:docMk/>
       </pc:docMkLst>
@@ -125,8 +138,8 @@
           <pc:sldMk cId="2681431498" sldId="256"/>
         </pc:sldMkLst>
       </pc:sldChg>
-      <pc:sldChg chg="modSp new mod">
-        <pc:chgData name="Worden, Eamon" userId="bf885459-75af-4c0c-b722-ef8a7b44cae9" providerId="ADAL" clId="{C60F3985-66A4-49E4-B3F8-50E15964F0A7}" dt="2022-03-14T13:34:55.123" v="17" actId="20577"/>
+      <pc:sldChg chg="addSp delSp modSp new mod">
+        <pc:chgData name="Worden, Eamon" userId="bf885459-75af-4c0c-b722-ef8a7b44cae9" providerId="ADAL" clId="{C60F3985-66A4-49E4-B3F8-50E15964F0A7}" dt="2022-03-14T17:11:05.803" v="493" actId="1076"/>
         <pc:sldMkLst>
           <pc:docMk/>
           <pc:sldMk cId="1695095999" sldId="257"/>
@@ -139,9 +152,41 @@
             <ac:spMk id="2" creationId="{CD44FC7D-350E-4B19-B47C-5DEAE9604C03}"/>
           </ac:spMkLst>
         </pc:spChg>
+        <pc:spChg chg="del">
+          <ac:chgData name="Worden, Eamon" userId="bf885459-75af-4c0c-b722-ef8a7b44cae9" providerId="ADAL" clId="{C60F3985-66A4-49E4-B3F8-50E15964F0A7}" dt="2022-03-14T17:10:45.582" v="483"/>
+          <ac:spMkLst>
+            <pc:docMk/>
+            <pc:sldMk cId="1695095999" sldId="257"/>
+            <ac:spMk id="3" creationId="{ADA67869-24FC-429F-BBEC-9FE6A1D74039}"/>
+          </ac:spMkLst>
+        </pc:spChg>
+        <pc:spChg chg="mod">
+          <ac:chgData name="Worden, Eamon" userId="bf885459-75af-4c0c-b722-ef8a7b44cae9" providerId="ADAL" clId="{C60F3985-66A4-49E4-B3F8-50E15964F0A7}" dt="2022-03-14T17:09:10.212" v="482" actId="20577"/>
+          <ac:spMkLst>
+            <pc:docMk/>
+            <pc:sldMk cId="1695095999" sldId="257"/>
+            <ac:spMk id="4" creationId="{4A3C3558-932C-4DBC-AA02-1F139C38EC0B}"/>
+          </ac:spMkLst>
+        </pc:spChg>
+        <pc:picChg chg="add mod">
+          <ac:chgData name="Worden, Eamon" userId="bf885459-75af-4c0c-b722-ef8a7b44cae9" providerId="ADAL" clId="{C60F3985-66A4-49E4-B3F8-50E15964F0A7}" dt="2022-03-14T17:11:05.803" v="493" actId="1076"/>
+          <ac:picMkLst>
+            <pc:docMk/>
+            <pc:sldMk cId="1695095999" sldId="257"/>
+            <ac:picMk id="6" creationId="{5ACD7868-1246-415A-8FE1-A758EB4B40B9}"/>
+          </ac:picMkLst>
+        </pc:picChg>
+        <pc:picChg chg="add mod">
+          <ac:chgData name="Worden, Eamon" userId="bf885459-75af-4c0c-b722-ef8a7b44cae9" providerId="ADAL" clId="{C60F3985-66A4-49E4-B3F8-50E15964F0A7}" dt="2022-03-14T17:10:55.085" v="490" actId="14100"/>
+          <ac:picMkLst>
+            <pc:docMk/>
+            <pc:sldMk cId="1695095999" sldId="257"/>
+            <ac:picMk id="8" creationId="{0AC394A1-7EB2-4A12-803F-141D8576ED45}"/>
+          </ac:picMkLst>
+        </pc:picChg>
       </pc:sldChg>
-      <pc:sldChg chg="modSp new mod">
-        <pc:chgData name="Worden, Eamon" userId="bf885459-75af-4c0c-b722-ef8a7b44cae9" providerId="ADAL" clId="{C60F3985-66A4-49E4-B3F8-50E15964F0A7}" dt="2022-03-14T13:38:03.442" v="242" actId="20577"/>
+      <pc:sldChg chg="addSp delSp modSp new mod">
+        <pc:chgData name="Worden, Eamon" userId="bf885459-75af-4c0c-b722-ef8a7b44cae9" providerId="ADAL" clId="{C60F3985-66A4-49E4-B3F8-50E15964F0A7}" dt="2022-03-14T17:23:26.399" v="889" actId="14100"/>
         <pc:sldMkLst>
           <pc:docMk/>
           <pc:sldMk cId="2488888671" sldId="258"/>
@@ -154,6 +199,14 @@
             <ac:spMk id="2" creationId="{8EB66A26-7726-4951-99EA-1796A3BBB97A}"/>
           </ac:spMkLst>
         </pc:spChg>
+        <pc:spChg chg="del">
+          <ac:chgData name="Worden, Eamon" userId="bf885459-75af-4c0c-b722-ef8a7b44cae9" providerId="ADAL" clId="{C60F3985-66A4-49E4-B3F8-50E15964F0A7}" dt="2022-03-14T17:19:14.989" v="852"/>
+          <ac:spMkLst>
+            <pc:docMk/>
+            <pc:sldMk cId="2488888671" sldId="258"/>
+            <ac:spMk id="3" creationId="{733FC0CC-DE1A-4BCC-AEA1-0420494D1859}"/>
+          </ac:spMkLst>
+        </pc:spChg>
         <pc:spChg chg="mod">
           <ac:chgData name="Worden, Eamon" userId="bf885459-75af-4c0c-b722-ef8a7b44cae9" providerId="ADAL" clId="{C60F3985-66A4-49E4-B3F8-50E15964F0A7}" dt="2022-03-14T13:38:03.442" v="242" actId="20577"/>
           <ac:spMkLst>
@@ -162,9 +215,49 @@
             <ac:spMk id="4" creationId="{9EAD2BB3-0191-45C5-83BE-DC0648C8239A}"/>
           </ac:spMkLst>
         </pc:spChg>
+        <pc:spChg chg="add del mod">
+          <ac:chgData name="Worden, Eamon" userId="bf885459-75af-4c0c-b722-ef8a7b44cae9" providerId="ADAL" clId="{C60F3985-66A4-49E4-B3F8-50E15964F0A7}" dt="2022-03-14T17:19:52.396" v="858"/>
+          <ac:spMkLst>
+            <pc:docMk/>
+            <pc:sldMk cId="2488888671" sldId="258"/>
+            <ac:spMk id="8" creationId="{A85E4C63-CC9F-40CC-A213-2BC58F0492B3}"/>
+          </ac:spMkLst>
+        </pc:spChg>
+        <pc:picChg chg="add del mod">
+          <ac:chgData name="Worden, Eamon" userId="bf885459-75af-4c0c-b722-ef8a7b44cae9" providerId="ADAL" clId="{C60F3985-66A4-49E4-B3F8-50E15964F0A7}" dt="2022-03-14T17:19:26.677" v="857" actId="478"/>
+          <ac:picMkLst>
+            <pc:docMk/>
+            <pc:sldMk cId="2488888671" sldId="258"/>
+            <ac:picMk id="6" creationId="{68B859B1-0A4E-4B9E-9426-82438BD9FBA2}"/>
+          </ac:picMkLst>
+        </pc:picChg>
+        <pc:picChg chg="add mod">
+          <ac:chgData name="Worden, Eamon" userId="bf885459-75af-4c0c-b722-ef8a7b44cae9" providerId="ADAL" clId="{C60F3985-66A4-49E4-B3F8-50E15964F0A7}" dt="2022-03-14T17:20:11.740" v="864" actId="1076"/>
+          <ac:picMkLst>
+            <pc:docMk/>
+            <pc:sldMk cId="2488888671" sldId="258"/>
+            <ac:picMk id="10" creationId="{35BE9688-D442-43DC-8859-A25242E8D058}"/>
+          </ac:picMkLst>
+        </pc:picChg>
+        <pc:picChg chg="add mod">
+          <ac:chgData name="Worden, Eamon" userId="bf885459-75af-4c0c-b722-ef8a7b44cae9" providerId="ADAL" clId="{C60F3985-66A4-49E4-B3F8-50E15964F0A7}" dt="2022-03-14T17:22:00.549" v="873" actId="14100"/>
+          <ac:picMkLst>
+            <pc:docMk/>
+            <pc:sldMk cId="2488888671" sldId="258"/>
+            <ac:picMk id="12" creationId="{1EDDD49A-D501-491B-8098-29CA0D99E981}"/>
+          </ac:picMkLst>
+        </pc:picChg>
+        <pc:picChg chg="add mod">
+          <ac:chgData name="Worden, Eamon" userId="bf885459-75af-4c0c-b722-ef8a7b44cae9" providerId="ADAL" clId="{C60F3985-66A4-49E4-B3F8-50E15964F0A7}" dt="2022-03-14T17:23:26.399" v="889" actId="14100"/>
+          <ac:picMkLst>
+            <pc:docMk/>
+            <pc:sldMk cId="2488888671" sldId="258"/>
+            <ac:picMk id="14" creationId="{D96B156A-8A4A-49C8-BFBA-1DDF2E98670A}"/>
+          </ac:picMkLst>
+        </pc:picChg>
       </pc:sldChg>
-      <pc:sldChg chg="modSp new mod">
-        <pc:chgData name="Worden, Eamon" userId="bf885459-75af-4c0c-b722-ef8a7b44cae9" providerId="ADAL" clId="{C60F3985-66A4-49E4-B3F8-50E15964F0A7}" dt="2022-03-14T13:35:18.625" v="36" actId="20577"/>
+      <pc:sldChg chg="addSp delSp modSp new mod">
+        <pc:chgData name="Worden, Eamon" userId="bf885459-75af-4c0c-b722-ef8a7b44cae9" providerId="ADAL" clId="{C60F3985-66A4-49E4-B3F8-50E15964F0A7}" dt="2022-03-14T17:26:32.472" v="955" actId="1076"/>
         <pc:sldMkLst>
           <pc:docMk/>
           <pc:sldMk cId="2523577335" sldId="259"/>
@@ -177,6 +270,61 @@
             <ac:spMk id="2" creationId="{473E7F40-C21A-442E-BB18-6B3D9F7D2DC4}"/>
           </ac:spMkLst>
         </pc:spChg>
+        <pc:spChg chg="del">
+          <ac:chgData name="Worden, Eamon" userId="bf885459-75af-4c0c-b722-ef8a7b44cae9" providerId="ADAL" clId="{C60F3985-66A4-49E4-B3F8-50E15964F0A7}" dt="2022-03-14T17:24:07.403" v="890"/>
+          <ac:spMkLst>
+            <pc:docMk/>
+            <pc:sldMk cId="2523577335" sldId="259"/>
+            <ac:spMk id="3" creationId="{088CB14B-733B-4777-9497-4F1344FA441E}"/>
+          </ac:spMkLst>
+        </pc:spChg>
+        <pc:spChg chg="mod">
+          <ac:chgData name="Worden, Eamon" userId="bf885459-75af-4c0c-b722-ef8a7b44cae9" providerId="ADAL" clId="{C60F3985-66A4-49E4-B3F8-50E15964F0A7}" dt="2022-03-14T17:26:07.185" v="948" actId="20577"/>
+          <ac:spMkLst>
+            <pc:docMk/>
+            <pc:sldMk cId="2523577335" sldId="259"/>
+            <ac:spMk id="4" creationId="{EF2D8B3C-E779-4AAA-94B7-87BC50315211}"/>
+          </ac:spMkLst>
+        </pc:spChg>
+        <pc:spChg chg="add del mod">
+          <ac:chgData name="Worden, Eamon" userId="bf885459-75af-4c0c-b722-ef8a7b44cae9" providerId="ADAL" clId="{C60F3985-66A4-49E4-B3F8-50E15964F0A7}" dt="2022-03-14T17:24:35.026" v="902" actId="478"/>
+          <ac:spMkLst>
+            <pc:docMk/>
+            <pc:sldMk cId="2523577335" sldId="259"/>
+            <ac:spMk id="10" creationId="{9626F0C7-7F20-43C4-976D-10FF67E58EA0}"/>
+          </ac:spMkLst>
+        </pc:spChg>
+        <pc:picChg chg="add del mod">
+          <ac:chgData name="Worden, Eamon" userId="bf885459-75af-4c0c-b722-ef8a7b44cae9" providerId="ADAL" clId="{C60F3985-66A4-49E4-B3F8-50E15964F0A7}" dt="2022-03-14T17:24:32.450" v="901" actId="478"/>
+          <ac:picMkLst>
+            <pc:docMk/>
+            <pc:sldMk cId="2523577335" sldId="259"/>
+            <ac:picMk id="6" creationId="{16FE0728-8AB7-4B9D-AB99-43C2A1654294}"/>
+          </ac:picMkLst>
+        </pc:picChg>
+        <pc:picChg chg="add mod">
+          <ac:chgData name="Worden, Eamon" userId="bf885459-75af-4c0c-b722-ef8a7b44cae9" providerId="ADAL" clId="{C60F3985-66A4-49E4-B3F8-50E15964F0A7}" dt="2022-03-14T17:24:37.248" v="903" actId="1076"/>
+          <ac:picMkLst>
+            <pc:docMk/>
+            <pc:sldMk cId="2523577335" sldId="259"/>
+            <ac:picMk id="8" creationId="{A9A5DF71-DEC7-480B-AED3-83472ED19C7D}"/>
+          </ac:picMkLst>
+        </pc:picChg>
+        <pc:picChg chg="add mod">
+          <ac:chgData name="Worden, Eamon" userId="bf885459-75af-4c0c-b722-ef8a7b44cae9" providerId="ADAL" clId="{C60F3985-66A4-49E4-B3F8-50E15964F0A7}" dt="2022-03-14T17:26:32.472" v="955" actId="1076"/>
+          <ac:picMkLst>
+            <pc:docMk/>
+            <pc:sldMk cId="2523577335" sldId="259"/>
+            <ac:picMk id="12" creationId="{D77474F6-2FC9-4541-8B07-CC5A16B0E634}"/>
+          </ac:picMkLst>
+        </pc:picChg>
+      </pc:sldChg>
+      <pc:sldChg chg="new del">
+        <pc:chgData name="Worden, Eamon" userId="bf885459-75af-4c0c-b722-ef8a7b44cae9" providerId="ADAL" clId="{C60F3985-66A4-49E4-B3F8-50E15964F0A7}" dt="2022-03-14T17:07:35.907" v="322" actId="47"/>
+        <pc:sldMkLst>
+          <pc:docMk/>
+          <pc:sldMk cId="384268511" sldId="260"/>
+        </pc:sldMkLst>
       </pc:sldChg>
     </pc:docChg>
   </pc:docChgLst>
@@ -3425,49 +3573,184 @@
           </a:p>
         </p:txBody>
       </p:sp>
-      <p:sp>
-        <p:nvSpPr>
-          <p:cNvPr id="3" name="Picture Placeholder 2">
-            <a:extLst>
-              <a:ext uri="{FF2B5EF4-FFF2-40B4-BE49-F238E27FC236}">
-                <a16:creationId xmlns:a16="http://schemas.microsoft.com/office/drawing/2014/main" id="{ADA67869-24FC-429F-BBEC-9FE6A1D74039}"/>
-              </a:ext>
-            </a:extLst>
-          </p:cNvPr>
-          <p:cNvSpPr>
-            <a:spLocks noGrp="1"/>
-          </p:cNvSpPr>
+      <p:pic>
+        <p:nvPicPr>
+          <p:cNvPr id="6" name="Picture Placeholder 5" descr="Table&#10;&#10;Description automatically generated">
+            <a:extLst>
+              <a:ext uri="{FF2B5EF4-FFF2-40B4-BE49-F238E27FC236}">
+                <a16:creationId xmlns:a16="http://schemas.microsoft.com/office/drawing/2014/main" id="{5ACD7868-1246-415A-8FE1-A758EB4B40B9}"/>
+              </a:ext>
+            </a:extLst>
+          </p:cNvPr>
+          <p:cNvPicPr>
+            <a:picLocks noGrp="1" noChangeAspect="1"/>
+          </p:cNvPicPr>
           <p:nvPr>
             <p:ph type="pic" idx="1"/>
           </p:nvPr>
+        </p:nvPicPr>
+        <p:blipFill>
+          <a:blip r:embed="rId2">
+            <a:extLst>
+              <a:ext uri="{28A0092B-C50C-407E-A947-70E740481C1C}">
+                <a14:useLocalDpi xmlns:a14="http://schemas.microsoft.com/office/drawing/2010/main" val="0"/>
+              </a:ext>
+            </a:extLst>
+          </a:blip>
+          <a:srcRect l="16278" r="16278"/>
+          <a:stretch>
+            <a:fillRect/>
+          </a:stretch>
+        </p:blipFill>
+        <p:spPr>
+          <a:xfrm>
+            <a:off x="5238377" y="782315"/>
+            <a:ext cx="6442015" cy="5086673"/>
+          </a:xfrm>
+        </p:spPr>
+      </p:pic>
+      <p:sp>
+        <p:nvSpPr>
+          <p:cNvPr id="4" name="Text Placeholder 3">
+            <a:extLst>
+              <a:ext uri="{FF2B5EF4-FFF2-40B4-BE49-F238E27FC236}">
+                <a16:creationId xmlns:a16="http://schemas.microsoft.com/office/drawing/2014/main" id="{4A3C3558-932C-4DBC-AA02-1F139C38EC0B}"/>
+              </a:ext>
+            </a:extLst>
+          </p:cNvPr>
+          <p:cNvSpPr>
+            <a:spLocks noGrp="1"/>
+          </p:cNvSpPr>
+          <p:nvPr>
+            <p:ph type="body" sz="half" idx="2"/>
+          </p:nvPr>
         </p:nvSpPr>
         <p:spPr/>
-      </p:sp>
-      <p:sp>
-        <p:nvSpPr>
-          <p:cNvPr id="4" name="Text Placeholder 3">
-            <a:extLst>
-              <a:ext uri="{FF2B5EF4-FFF2-40B4-BE49-F238E27FC236}">
-                <a16:creationId xmlns:a16="http://schemas.microsoft.com/office/drawing/2014/main" id="{4A3C3558-932C-4DBC-AA02-1F139C38EC0B}"/>
-              </a:ext>
-            </a:extLst>
-          </p:cNvPr>
-          <p:cNvSpPr>
-            <a:spLocks noGrp="1"/>
-          </p:cNvSpPr>
-          <p:nvPr>
-            <p:ph type="body" sz="half" idx="2"/>
-          </p:nvPr>
-        </p:nvSpPr>
-        <p:spPr/>
-        <p:txBody>
-          <a:bodyPr/>
-          <a:lstStyle/>
-          <a:p>
-            <a:endParaRPr lang="en-US"/>
-          </a:p>
-        </p:txBody>
-      </p:sp>
+        <p:txBody>
+          <a:bodyPr/>
+          <a:lstStyle/>
+          <a:p>
+            <a:pPr marL="285750" indent="-285750">
+              <a:buFont typeface="Arial" panose="020B0604020202020204" pitchFamily="34" charset="0"/>
+              <a:buChar char="•"/>
+            </a:pPr>
+            <a:r>
+              <a:rPr lang="en-US" dirty="0"/>
+              <a:t>Understand Covid</a:t>
+            </a:r>
+          </a:p>
+          <a:p>
+            <a:pPr marL="742950" lvl="1" indent="-285750">
+              <a:buFont typeface="Arial" panose="020B0604020202020204" pitchFamily="34" charset="0"/>
+              <a:buChar char="•"/>
+            </a:pPr>
+            <a:r>
+              <a:rPr lang="en-US" dirty="0"/>
+              <a:t>Trends across region</a:t>
+            </a:r>
+          </a:p>
+          <a:p>
+            <a:pPr marL="742950" lvl="1" indent="-285750">
+              <a:buFont typeface="Arial" panose="020B0604020202020204" pitchFamily="34" charset="0"/>
+              <a:buChar char="•"/>
+            </a:pPr>
+            <a:r>
+              <a:rPr lang="en-US" dirty="0"/>
+              <a:t>Trends over time</a:t>
+            </a:r>
+          </a:p>
+          <a:p>
+            <a:pPr marL="742950" lvl="1" indent="-285750">
+              <a:buFont typeface="Arial" panose="020B0604020202020204" pitchFamily="34" charset="0"/>
+              <a:buChar char="•"/>
+            </a:pPr>
+            <a:r>
+              <a:rPr lang="en-US" dirty="0"/>
+              <a:t>Effect of various events</a:t>
+            </a:r>
+          </a:p>
+          <a:p>
+            <a:pPr marL="285750" indent="-285750">
+              <a:buFont typeface="Arial" panose="020B0604020202020204" pitchFamily="34" charset="0"/>
+              <a:buChar char="•"/>
+            </a:pPr>
+            <a:r>
+              <a:rPr lang="en-US" dirty="0"/>
+              <a:t>Understand government measures</a:t>
+            </a:r>
+          </a:p>
+          <a:p>
+            <a:pPr marL="742950" lvl="1" indent="-285750">
+              <a:buFont typeface="Arial" panose="020B0604020202020204" pitchFamily="34" charset="0"/>
+              <a:buChar char="•"/>
+            </a:pPr>
+            <a:r>
+              <a:rPr lang="en-US" dirty="0"/>
+              <a:t>Effectiveness</a:t>
+            </a:r>
+          </a:p>
+          <a:p>
+            <a:pPr marL="742950" lvl="1" indent="-285750">
+              <a:buFont typeface="Arial" panose="020B0604020202020204" pitchFamily="34" charset="0"/>
+              <a:buChar char="•"/>
+            </a:pPr>
+            <a:r>
+              <a:rPr lang="en-US" dirty="0"/>
+              <a:t>When they were used</a:t>
+            </a:r>
+          </a:p>
+          <a:p>
+            <a:pPr marL="285750" indent="-285750">
+              <a:buFont typeface="Arial" panose="020B0604020202020204" pitchFamily="34" charset="0"/>
+              <a:buChar char="•"/>
+            </a:pPr>
+            <a:endParaRPr lang="en-US" dirty="0"/>
+          </a:p>
+          <a:p>
+            <a:pPr marL="285750" indent="-285750">
+              <a:buFont typeface="Arial" panose="020B0604020202020204" pitchFamily="34" charset="0"/>
+              <a:buChar char="•"/>
+            </a:pPr>
+            <a:endParaRPr lang="en-US" dirty="0"/>
+          </a:p>
+        </p:txBody>
+      </p:sp>
+      <p:pic>
+        <p:nvPicPr>
+          <p:cNvPr id="8" name="Picture 7" descr="A screenshot of a computer&#10;&#10;Description automatically generated with medium confidence">
+            <a:extLst>
+              <a:ext uri="{FF2B5EF4-FFF2-40B4-BE49-F238E27FC236}">
+                <a16:creationId xmlns:a16="http://schemas.microsoft.com/office/drawing/2014/main" id="{0AC394A1-7EB2-4A12-803F-141D8576ED45}"/>
+              </a:ext>
+            </a:extLst>
+          </p:cNvPr>
+          <p:cNvPicPr>
+            <a:picLocks noChangeAspect="1"/>
+          </p:cNvPicPr>
+          <p:nvPr/>
+        </p:nvPicPr>
+        <p:blipFill>
+          <a:blip r:embed="rId3">
+            <a:extLst>
+              <a:ext uri="{28A0092B-C50C-407E-A947-70E740481C1C}">
+                <a14:useLocalDpi xmlns:a14="http://schemas.microsoft.com/office/drawing/2010/main" val="0"/>
+              </a:ext>
+            </a:extLst>
+          </a:blip>
+          <a:stretch>
+            <a:fillRect/>
+          </a:stretch>
+        </p:blipFill>
+        <p:spPr>
+          <a:xfrm>
+            <a:off x="191542" y="4118737"/>
+            <a:ext cx="4876570" cy="2590839"/>
+          </a:xfrm>
+          <a:prstGeom prst="rect">
+            <a:avLst/>
+          </a:prstGeom>
+        </p:spPr>
+      </p:pic>
     </p:spTree>
     <p:extLst>
       <p:ext uri="{BB962C8B-B14F-4D97-AF65-F5344CB8AC3E}">
@@ -3528,24 +3811,6 @@
       </p:sp>
       <p:sp>
         <p:nvSpPr>
-          <p:cNvPr id="3" name="Picture Placeholder 2">
-            <a:extLst>
-              <a:ext uri="{FF2B5EF4-FFF2-40B4-BE49-F238E27FC236}">
-                <a16:creationId xmlns:a16="http://schemas.microsoft.com/office/drawing/2014/main" id="{733FC0CC-DE1A-4BCC-AEA1-0420494D1859}"/>
-              </a:ext>
-            </a:extLst>
-          </p:cNvPr>
-          <p:cNvSpPr>
-            <a:spLocks noGrp="1"/>
-          </p:cNvSpPr>
-          <p:nvPr>
-            <p:ph type="pic" idx="1"/>
-          </p:nvPr>
-        </p:nvSpPr>
-        <p:spPr/>
-      </p:sp>
-      <p:sp>
-        <p:nvSpPr>
           <p:cNvPr id="4" name="Text Placeholder 3">
             <a:extLst>
               <a:ext uri="{FF2B5EF4-FFF2-40B4-BE49-F238E27FC236}">
@@ -3611,6 +3876,113 @@
           </a:p>
         </p:txBody>
       </p:sp>
+      <p:pic>
+        <p:nvPicPr>
+          <p:cNvPr id="10" name="Picture Placeholder 9" descr="Graphical user interface, application&#10;&#10;Description automatically generated">
+            <a:extLst>
+              <a:ext uri="{FF2B5EF4-FFF2-40B4-BE49-F238E27FC236}">
+                <a16:creationId xmlns:a16="http://schemas.microsoft.com/office/drawing/2014/main" id="{35BE9688-D442-43DC-8859-A25242E8D058}"/>
+              </a:ext>
+            </a:extLst>
+          </p:cNvPr>
+          <p:cNvPicPr>
+            <a:picLocks noGrp="1" noChangeAspect="1"/>
+          </p:cNvPicPr>
+          <p:nvPr>
+            <p:ph type="pic" idx="1"/>
+          </p:nvPr>
+        </p:nvPicPr>
+        <p:blipFill>
+          <a:blip r:embed="rId2">
+            <a:extLst>
+              <a:ext uri="{28A0092B-C50C-407E-A947-70E740481C1C}">
+                <a14:useLocalDpi xmlns:a14="http://schemas.microsoft.com/office/drawing/2010/main" val="0"/>
+              </a:ext>
+            </a:extLst>
+          </a:blip>
+          <a:stretch>
+            <a:fillRect/>
+          </a:stretch>
+        </p:blipFill>
+        <p:spPr>
+          <a:xfrm>
+            <a:off x="4997931" y="207688"/>
+            <a:ext cx="7015015" cy="3699424"/>
+          </a:xfrm>
+        </p:spPr>
+      </p:pic>
+      <p:pic>
+        <p:nvPicPr>
+          <p:cNvPr id="12" name="Picture 11" descr="Graphical user interface, application&#10;&#10;Description automatically generated">
+            <a:extLst>
+              <a:ext uri="{FF2B5EF4-FFF2-40B4-BE49-F238E27FC236}">
+                <a16:creationId xmlns:a16="http://schemas.microsoft.com/office/drawing/2014/main" id="{1EDDD49A-D501-491B-8098-29CA0D99E981}"/>
+              </a:ext>
+            </a:extLst>
+          </p:cNvPr>
+          <p:cNvPicPr>
+            <a:picLocks noChangeAspect="1"/>
+          </p:cNvPicPr>
+          <p:nvPr/>
+        </p:nvPicPr>
+        <p:blipFill>
+          <a:blip r:embed="rId3">
+            <a:extLst>
+              <a:ext uri="{28A0092B-C50C-407E-A947-70E740481C1C}">
+                <a14:useLocalDpi xmlns:a14="http://schemas.microsoft.com/office/drawing/2010/main" val="0"/>
+              </a:ext>
+            </a:extLst>
+          </a:blip>
+          <a:stretch>
+            <a:fillRect/>
+          </a:stretch>
+        </p:blipFill>
+        <p:spPr>
+          <a:xfrm>
+            <a:off x="0" y="4079631"/>
+            <a:ext cx="5114593" cy="2681230"/>
+          </a:xfrm>
+          <a:prstGeom prst="rect">
+            <a:avLst/>
+          </a:prstGeom>
+        </p:spPr>
+      </p:pic>
+      <p:pic>
+        <p:nvPicPr>
+          <p:cNvPr id="14" name="Picture 13" descr="Graphical user interface, chart&#10;&#10;Description automatically generated">
+            <a:extLst>
+              <a:ext uri="{FF2B5EF4-FFF2-40B4-BE49-F238E27FC236}">
+                <a16:creationId xmlns:a16="http://schemas.microsoft.com/office/drawing/2014/main" id="{D96B156A-8A4A-49C8-BFBA-1DDF2E98670A}"/>
+              </a:ext>
+            </a:extLst>
+          </p:cNvPr>
+          <p:cNvPicPr>
+            <a:picLocks noChangeAspect="1"/>
+          </p:cNvPicPr>
+          <p:nvPr/>
+        </p:nvPicPr>
+        <p:blipFill>
+          <a:blip r:embed="rId4">
+            <a:extLst>
+              <a:ext uri="{28A0092B-C50C-407E-A947-70E740481C1C}">
+                <a14:useLocalDpi xmlns:a14="http://schemas.microsoft.com/office/drawing/2010/main" val="0"/>
+              </a:ext>
+            </a:extLst>
+          </a:blip>
+          <a:stretch>
+            <a:fillRect/>
+          </a:stretch>
+        </p:blipFill>
+        <p:spPr>
+          <a:xfrm>
+            <a:off x="6374745" y="3907112"/>
+            <a:ext cx="4977468" cy="2853749"/>
+          </a:xfrm>
+          <a:prstGeom prst="rect">
+            <a:avLst/>
+          </a:prstGeom>
+        </p:spPr>
+      </p:pic>
     </p:spTree>
     <p:extLst>
       <p:ext uri="{BB962C8B-B14F-4D97-AF65-F5344CB8AC3E}">
@@ -3671,47 +4043,213 @@
       </p:sp>
       <p:sp>
         <p:nvSpPr>
-          <p:cNvPr id="3" name="Picture Placeholder 2">
-            <a:extLst>
-              <a:ext uri="{FF2B5EF4-FFF2-40B4-BE49-F238E27FC236}">
-                <a16:creationId xmlns:a16="http://schemas.microsoft.com/office/drawing/2014/main" id="{088CB14B-733B-4777-9497-4F1344FA441E}"/>
-              </a:ext>
-            </a:extLst>
-          </p:cNvPr>
-          <p:cNvSpPr>
-            <a:spLocks noGrp="1"/>
-          </p:cNvSpPr>
-          <p:nvPr>
-            <p:ph type="pic" idx="1"/>
+          <p:cNvPr id="4" name="Text Placeholder 3">
+            <a:extLst>
+              <a:ext uri="{FF2B5EF4-FFF2-40B4-BE49-F238E27FC236}">
+                <a16:creationId xmlns:a16="http://schemas.microsoft.com/office/drawing/2014/main" id="{EF2D8B3C-E779-4AAA-94B7-87BC50315211}"/>
+              </a:ext>
+            </a:extLst>
+          </p:cNvPr>
+          <p:cNvSpPr>
+            <a:spLocks noGrp="1"/>
+          </p:cNvSpPr>
+          <p:nvPr>
+            <p:ph type="body" sz="half" idx="2"/>
           </p:nvPr>
         </p:nvSpPr>
         <p:spPr/>
-      </p:sp>
-      <p:sp>
-        <p:nvSpPr>
-          <p:cNvPr id="4" name="Text Placeholder 3">
-            <a:extLst>
-              <a:ext uri="{FF2B5EF4-FFF2-40B4-BE49-F238E27FC236}">
-                <a16:creationId xmlns:a16="http://schemas.microsoft.com/office/drawing/2014/main" id="{EF2D8B3C-E779-4AAA-94B7-87BC50315211}"/>
-              </a:ext>
-            </a:extLst>
-          </p:cNvPr>
-          <p:cNvSpPr>
-            <a:spLocks noGrp="1"/>
-          </p:cNvSpPr>
-          <p:nvPr>
-            <p:ph type="body" sz="half" idx="2"/>
-          </p:nvPr>
-        </p:nvSpPr>
-        <p:spPr/>
-        <p:txBody>
-          <a:bodyPr/>
-          <a:lstStyle/>
-          <a:p>
-            <a:endParaRPr lang="en-US"/>
-          </a:p>
-        </p:txBody>
-      </p:sp>
+        <p:txBody>
+          <a:bodyPr/>
+          <a:lstStyle/>
+          <a:p>
+            <a:pPr marL="285750" indent="-285750">
+              <a:buFont typeface="Arial" panose="020B0604020202020204" pitchFamily="34" charset="0"/>
+              <a:buChar char="•"/>
+            </a:pPr>
+            <a:r>
+              <a:rPr lang="en-US" dirty="0"/>
+              <a:t>Covid was sinusoidal in most areas</a:t>
+            </a:r>
+          </a:p>
+          <a:p>
+            <a:pPr marL="742950" lvl="1" indent="-285750">
+              <a:buFont typeface="Arial" panose="020B0604020202020204" pitchFamily="34" charset="0"/>
+              <a:buChar char="•"/>
+            </a:pPr>
+            <a:r>
+              <a:rPr lang="en-US" dirty="0"/>
+              <a:t>Super spreader events were noticeable</a:t>
+            </a:r>
+          </a:p>
+          <a:p>
+            <a:pPr marL="1200150" lvl="2" indent="-285750">
+              <a:buFont typeface="Arial" panose="020B0604020202020204" pitchFamily="34" charset="0"/>
+              <a:buChar char="•"/>
+            </a:pPr>
+            <a:r>
+              <a:rPr lang="en-US" dirty="0"/>
+              <a:t>August 14</a:t>
+            </a:r>
+            <a:r>
+              <a:rPr lang="en-US" baseline="30000" dirty="0"/>
+              <a:t>th</a:t>
+            </a:r>
+            <a:r>
+              <a:rPr lang="en-US" dirty="0"/>
+              <a:t> concert in UK</a:t>
+            </a:r>
+          </a:p>
+          <a:p>
+            <a:pPr marL="742950" lvl="1" indent="-285750">
+              <a:buFont typeface="Arial" panose="020B0604020202020204" pitchFamily="34" charset="0"/>
+              <a:buChar char="•"/>
+            </a:pPr>
+            <a:r>
+              <a:rPr lang="en-US" dirty="0"/>
+              <a:t>Countries and continents varied a lot</a:t>
+            </a:r>
+          </a:p>
+          <a:p>
+            <a:pPr marL="285750" indent="-285750">
+              <a:buFont typeface="Arial" panose="020B0604020202020204" pitchFamily="34" charset="0"/>
+              <a:buChar char="•"/>
+            </a:pPr>
+            <a:r>
+              <a:rPr lang="en-US" dirty="0"/>
+              <a:t>Government measures were sparse</a:t>
+            </a:r>
+          </a:p>
+          <a:p>
+            <a:pPr marL="742950" lvl="1" indent="-285750">
+              <a:buFont typeface="Arial" panose="020B0604020202020204" pitchFamily="34" charset="0"/>
+              <a:buChar char="•"/>
+            </a:pPr>
+            <a:r>
+              <a:rPr lang="en-US" dirty="0"/>
+              <a:t>Typically employed in first wave</a:t>
+            </a:r>
+          </a:p>
+          <a:p>
+            <a:pPr marL="742950" lvl="1" indent="-285750">
+              <a:buFont typeface="Arial" panose="020B0604020202020204" pitchFamily="34" charset="0"/>
+              <a:buChar char="•"/>
+            </a:pPr>
+            <a:r>
+              <a:rPr lang="en-US" dirty="0"/>
+              <a:t>Rarely employed during other waves</a:t>
+            </a:r>
+          </a:p>
+          <a:p>
+            <a:pPr marL="1200150" lvl="2" indent="-285750">
+              <a:buFont typeface="Arial" panose="020B0604020202020204" pitchFamily="34" charset="0"/>
+              <a:buChar char="•"/>
+            </a:pPr>
+            <a:r>
+              <a:rPr lang="en-US" dirty="0"/>
+              <a:t>Vaccines? Pandemic fatigue? Unrest?</a:t>
+            </a:r>
+          </a:p>
+          <a:p>
+            <a:pPr marL="742950" lvl="1" indent="-285750">
+              <a:buFont typeface="Arial" panose="020B0604020202020204" pitchFamily="34" charset="0"/>
+              <a:buChar char="•"/>
+            </a:pPr>
+            <a:r>
+              <a:rPr lang="en-US" dirty="0"/>
+              <a:t>Typically effective</a:t>
+            </a:r>
+          </a:p>
+          <a:p>
+            <a:pPr marL="1200150" lvl="2" indent="-285750">
+              <a:buFont typeface="Arial" panose="020B0604020202020204" pitchFamily="34" charset="0"/>
+              <a:buChar char="•"/>
+            </a:pPr>
+            <a:r>
+              <a:rPr lang="en-US" dirty="0"/>
+              <a:t>Difficult to determine real effectiveness</a:t>
+            </a:r>
+          </a:p>
+          <a:p>
+            <a:pPr marL="285750" indent="-285750">
+              <a:buFont typeface="Arial" panose="020B0604020202020204" pitchFamily="34" charset="0"/>
+              <a:buChar char="•"/>
+            </a:pPr>
+            <a:endParaRPr lang="en-US" dirty="0"/>
+          </a:p>
+        </p:txBody>
+      </p:sp>
+      <p:pic>
+        <p:nvPicPr>
+          <p:cNvPr id="8" name="Picture 7" descr="Graphical user interface, application&#10;&#10;Description automatically generated">
+            <a:extLst>
+              <a:ext uri="{FF2B5EF4-FFF2-40B4-BE49-F238E27FC236}">
+                <a16:creationId xmlns:a16="http://schemas.microsoft.com/office/drawing/2014/main" id="{A9A5DF71-DEC7-480B-AED3-83472ED19C7D}"/>
+              </a:ext>
+            </a:extLst>
+          </p:cNvPr>
+          <p:cNvPicPr>
+            <a:picLocks noChangeAspect="1"/>
+          </p:cNvPicPr>
+          <p:nvPr/>
+        </p:nvPicPr>
+        <p:blipFill>
+          <a:blip r:embed="rId2">
+            <a:extLst>
+              <a:ext uri="{28A0092B-C50C-407E-A947-70E740481C1C}">
+                <a14:useLocalDpi xmlns:a14="http://schemas.microsoft.com/office/drawing/2010/main" val="0"/>
+              </a:ext>
+            </a:extLst>
+          </a:blip>
+          <a:stretch>
+            <a:fillRect/>
+          </a:stretch>
+        </p:blipFill>
+        <p:spPr>
+          <a:xfrm>
+            <a:off x="4673600" y="-1695"/>
+            <a:ext cx="7518400" cy="3964889"/>
+          </a:xfrm>
+          <a:prstGeom prst="rect">
+            <a:avLst/>
+          </a:prstGeom>
+        </p:spPr>
+      </p:pic>
+      <p:pic>
+        <p:nvPicPr>
+          <p:cNvPr id="12" name="Picture 11" descr="Graphical user interface, chart&#10;&#10;Description automatically generated">
+            <a:extLst>
+              <a:ext uri="{FF2B5EF4-FFF2-40B4-BE49-F238E27FC236}">
+                <a16:creationId xmlns:a16="http://schemas.microsoft.com/office/drawing/2014/main" id="{D77474F6-2FC9-4541-8B07-CC5A16B0E634}"/>
+              </a:ext>
+            </a:extLst>
+          </p:cNvPr>
+          <p:cNvPicPr>
+            <a:picLocks noChangeAspect="1"/>
+          </p:cNvPicPr>
+          <p:nvPr/>
+        </p:nvPicPr>
+        <p:blipFill>
+          <a:blip r:embed="rId3">
+            <a:extLst>
+              <a:ext uri="{28A0092B-C50C-407E-A947-70E740481C1C}">
+                <a14:useLocalDpi xmlns:a14="http://schemas.microsoft.com/office/drawing/2010/main" val="0"/>
+              </a:ext>
+            </a:extLst>
+          </a:blip>
+          <a:stretch>
+            <a:fillRect/>
+          </a:stretch>
+        </p:blipFill>
+        <p:spPr>
+          <a:xfrm>
+            <a:off x="5588000" y="3963194"/>
+            <a:ext cx="4937760" cy="2830983"/>
+          </a:xfrm>
+          <a:prstGeom prst="rect">
+            <a:avLst/>
+          </a:prstGeom>
+        </p:spPr>
+      </p:pic>
     </p:spTree>
     <p:extLst>
       <p:ext uri="{BB962C8B-B14F-4D97-AF65-F5344CB8AC3E}">

--- a/Presentation-Documentation/Final Presentation.pptx
+++ b/Presentation-Documentation/Final Presentation.pptx
@@ -2,12 +2,13 @@
 <file path=ppt/presentation.xml><?xml version="1.0" encoding="utf-8"?>
 <p:presentation xmlns:a="http://schemas.openxmlformats.org/drawingml/2006/main" xmlns:r="http://schemas.openxmlformats.org/officeDocument/2006/relationships" xmlns:p="http://schemas.openxmlformats.org/presentationml/2006/main" saveSubsetFonts="1">
   <p:sldMasterIdLst>
-    <p:sldMasterId id="2147483648" r:id="rId1"/>
+    <p:sldMasterId id="2147483660" r:id="rId1"/>
   </p:sldMasterIdLst>
   <p:sldIdLst>
-    <p:sldId id="257" r:id="rId2"/>
-    <p:sldId id="258" r:id="rId3"/>
-    <p:sldId id="259" r:id="rId4"/>
+    <p:sldId id="260" r:id="rId2"/>
+    <p:sldId id="257" r:id="rId3"/>
+    <p:sldId id="258" r:id="rId4"/>
+    <p:sldId id="259" r:id="rId5"/>
   </p:sldIdLst>
   <p:sldSz cx="12192000" cy="6858000"/>
   <p:notesSz cx="6858000" cy="9144000"/>
@@ -15,7 +16,7 @@
     <a:defPPr>
       <a:defRPr lang="en-US"/>
     </a:defPPr>
-    <a:lvl1pPr marL="0" algn="l" defTabSz="914400" rtl="0" eaLnBrk="1" latinLnBrk="0" hangingPunct="1">
+    <a:lvl1pPr marL="0" algn="l" defTabSz="457200" rtl="0" eaLnBrk="1" latinLnBrk="0" hangingPunct="1">
       <a:defRPr sz="1800" kern="1200">
         <a:solidFill>
           <a:schemeClr val="tx1"/>
@@ -25,7 +26,7 @@
         <a:cs typeface="+mn-cs"/>
       </a:defRPr>
     </a:lvl1pPr>
-    <a:lvl2pPr marL="457200" algn="l" defTabSz="914400" rtl="0" eaLnBrk="1" latinLnBrk="0" hangingPunct="1">
+    <a:lvl2pPr marL="457200" algn="l" defTabSz="457200" rtl="0" eaLnBrk="1" latinLnBrk="0" hangingPunct="1">
       <a:defRPr sz="1800" kern="1200">
         <a:solidFill>
           <a:schemeClr val="tx1"/>
@@ -35,7 +36,7 @@
         <a:cs typeface="+mn-cs"/>
       </a:defRPr>
     </a:lvl2pPr>
-    <a:lvl3pPr marL="914400" algn="l" defTabSz="914400" rtl="0" eaLnBrk="1" latinLnBrk="0" hangingPunct="1">
+    <a:lvl3pPr marL="914400" algn="l" defTabSz="457200" rtl="0" eaLnBrk="1" latinLnBrk="0" hangingPunct="1">
       <a:defRPr sz="1800" kern="1200">
         <a:solidFill>
           <a:schemeClr val="tx1"/>
@@ -45,7 +46,7 @@
         <a:cs typeface="+mn-cs"/>
       </a:defRPr>
     </a:lvl3pPr>
-    <a:lvl4pPr marL="1371600" algn="l" defTabSz="914400" rtl="0" eaLnBrk="1" latinLnBrk="0" hangingPunct="1">
+    <a:lvl4pPr marL="1371600" algn="l" defTabSz="457200" rtl="0" eaLnBrk="1" latinLnBrk="0" hangingPunct="1">
       <a:defRPr sz="1800" kern="1200">
         <a:solidFill>
           <a:schemeClr val="tx1"/>
@@ -55,7 +56,7 @@
         <a:cs typeface="+mn-cs"/>
       </a:defRPr>
     </a:lvl4pPr>
-    <a:lvl5pPr marL="1828800" algn="l" defTabSz="914400" rtl="0" eaLnBrk="1" latinLnBrk="0" hangingPunct="1">
+    <a:lvl5pPr marL="1828800" algn="l" defTabSz="457200" rtl="0" eaLnBrk="1" latinLnBrk="0" hangingPunct="1">
       <a:defRPr sz="1800" kern="1200">
         <a:solidFill>
           <a:schemeClr val="tx1"/>
@@ -65,7 +66,7 @@
         <a:cs typeface="+mn-cs"/>
       </a:defRPr>
     </a:lvl5pPr>
-    <a:lvl6pPr marL="2286000" algn="l" defTabSz="914400" rtl="0" eaLnBrk="1" latinLnBrk="0" hangingPunct="1">
+    <a:lvl6pPr marL="2286000" algn="l" defTabSz="457200" rtl="0" eaLnBrk="1" latinLnBrk="0" hangingPunct="1">
       <a:defRPr sz="1800" kern="1200">
         <a:solidFill>
           <a:schemeClr val="tx1"/>
@@ -75,7 +76,7 @@
         <a:cs typeface="+mn-cs"/>
       </a:defRPr>
     </a:lvl6pPr>
-    <a:lvl7pPr marL="2743200" algn="l" defTabSz="914400" rtl="0" eaLnBrk="1" latinLnBrk="0" hangingPunct="1">
+    <a:lvl7pPr marL="2743200" algn="l" defTabSz="457200" rtl="0" eaLnBrk="1" latinLnBrk="0" hangingPunct="1">
       <a:defRPr sz="1800" kern="1200">
         <a:solidFill>
           <a:schemeClr val="tx1"/>
@@ -85,7 +86,7 @@
         <a:cs typeface="+mn-cs"/>
       </a:defRPr>
     </a:lvl7pPr>
-    <a:lvl8pPr marL="3200400" algn="l" defTabSz="914400" rtl="0" eaLnBrk="1" latinLnBrk="0" hangingPunct="1">
+    <a:lvl8pPr marL="3200400" algn="l" defTabSz="457200" rtl="0" eaLnBrk="1" latinLnBrk="0" hangingPunct="1">
       <a:defRPr sz="1800" kern="1200">
         <a:solidFill>
           <a:schemeClr val="tx1"/>
@@ -95,7 +96,7 @@
         <a:cs typeface="+mn-cs"/>
       </a:defRPr>
     </a:lvl8pPr>
-    <a:lvl9pPr marL="3657600" algn="l" defTabSz="914400" rtl="0" eaLnBrk="1" latinLnBrk="0" hangingPunct="1">
+    <a:lvl9pPr marL="3657600" algn="l" defTabSz="457200" rtl="0" eaLnBrk="1" latinLnBrk="0" hangingPunct="1">
       <a:defRPr sz="1800" kern="1200">
         <a:solidFill>
           <a:schemeClr val="tx1"/>
@@ -350,13 +351,7 @@
       </p:grpSpPr>
       <p:sp>
         <p:nvSpPr>
-          <p:cNvPr id="2" name="Title 1">
-            <a:extLst>
-              <a:ext uri="{FF2B5EF4-FFF2-40B4-BE49-F238E27FC236}">
-                <a16:creationId xmlns:a16="http://schemas.microsoft.com/office/drawing/2014/main" id="{0C99AB18-3CE9-4CCE-AA4F-B0B9500951A4}"/>
-              </a:ext>
-            </a:extLst>
-          </p:cNvPr>
+          <p:cNvPr id="2" name="Title 1"/>
           <p:cNvSpPr>
             <a:spLocks noGrp="1"/>
           </p:cNvSpPr>
@@ -366,15 +361,17 @@
         </p:nvSpPr>
         <p:spPr>
           <a:xfrm>
-            <a:off x="1524000" y="1122363"/>
-            <a:ext cx="9144000" cy="2387600"/>
+            <a:off x="1595269" y="1122363"/>
+            <a:ext cx="9001462" cy="2387600"/>
           </a:xfrm>
         </p:spPr>
         <p:txBody>
-          <a:bodyPr anchor="b"/>
+          <a:bodyPr anchor="b">
+            <a:normAutofit/>
+          </a:bodyPr>
           <a:lstStyle>
             <a:lvl1pPr algn="ctr">
-              <a:defRPr sz="6000"/>
+              <a:defRPr sz="4800"/>
             </a:lvl1pPr>
           </a:lstStyle>
           <a:p>
@@ -382,18 +379,13 @@
               <a:rPr lang="en-US"/>
               <a:t>Click to edit Master title style</a:t>
             </a:r>
-          </a:p>
-        </p:txBody>
-      </p:sp>
-      <p:sp>
-        <p:nvSpPr>
-          <p:cNvPr id="3" name="Subtitle 2">
-            <a:extLst>
-              <a:ext uri="{FF2B5EF4-FFF2-40B4-BE49-F238E27FC236}">
-                <a16:creationId xmlns:a16="http://schemas.microsoft.com/office/drawing/2014/main" id="{302ADAFE-20EC-45D3-A821-EC22869203B8}"/>
-              </a:ext>
-            </a:extLst>
-          </p:cNvPr>
+            <a:endParaRPr lang="en-US" dirty="0"/>
+          </a:p>
+        </p:txBody>
+      </p:sp>
+      <p:sp>
+        <p:nvSpPr>
+          <p:cNvPr id="3" name="Subtitle 2"/>
           <p:cNvSpPr>
             <a:spLocks noGrp="1"/>
           </p:cNvSpPr>
@@ -403,8 +395,8 @@
         </p:nvSpPr>
         <p:spPr>
           <a:xfrm>
-            <a:off x="1524000" y="3602038"/>
-            <a:ext cx="9144000" cy="1655762"/>
+            <a:off x="1595269" y="3602038"/>
+            <a:ext cx="9001462" cy="1655762"/>
           </a:xfrm>
         </p:spPr>
         <p:txBody>
@@ -452,18 +444,13 @@
               <a:rPr lang="en-US"/>
               <a:t>Click to edit Master subtitle style</a:t>
             </a:r>
-          </a:p>
-        </p:txBody>
-      </p:sp>
-      <p:sp>
-        <p:nvSpPr>
-          <p:cNvPr id="4" name="Date Placeholder 3">
-            <a:extLst>
-              <a:ext uri="{FF2B5EF4-FFF2-40B4-BE49-F238E27FC236}">
-                <a16:creationId xmlns:a16="http://schemas.microsoft.com/office/drawing/2014/main" id="{B9A2C26B-5B16-4CBC-90BC-D273BC51D10E}"/>
-              </a:ext>
-            </a:extLst>
-          </p:cNvPr>
+            <a:endParaRPr lang="en-US" dirty="0"/>
+          </a:p>
+        </p:txBody>
+      </p:sp>
+      <p:sp>
+        <p:nvSpPr>
+          <p:cNvPr id="4" name="Date Placeholder 3"/>
           <p:cNvSpPr>
             <a:spLocks noGrp="1"/>
           </p:cNvSpPr>
@@ -486,13 +473,7 @@
       </p:sp>
       <p:sp>
         <p:nvSpPr>
-          <p:cNvPr id="5" name="Footer Placeholder 4">
-            <a:extLst>
-              <a:ext uri="{FF2B5EF4-FFF2-40B4-BE49-F238E27FC236}">
-                <a16:creationId xmlns:a16="http://schemas.microsoft.com/office/drawing/2014/main" id="{A6860A31-EF4B-4FD5-BCA0-F7B6ED61D53A}"/>
-              </a:ext>
-            </a:extLst>
-          </p:cNvPr>
+          <p:cNvPr id="5" name="Footer Placeholder 4"/>
           <p:cNvSpPr>
             <a:spLocks noGrp="1"/>
           </p:cNvSpPr>
@@ -511,13 +492,7 @@
       </p:sp>
       <p:sp>
         <p:nvSpPr>
-          <p:cNvPr id="6" name="Slide Number Placeholder 5">
-            <a:extLst>
-              <a:ext uri="{FF2B5EF4-FFF2-40B4-BE49-F238E27FC236}">
-                <a16:creationId xmlns:a16="http://schemas.microsoft.com/office/drawing/2014/main" id="{4753383B-ABA1-4731-8E0E-8A5BC3E0210B}"/>
-              </a:ext>
-            </a:extLst>
-          </p:cNvPr>
+          <p:cNvPr id="6" name="Slide Number Placeholder 5"/>
           <p:cNvSpPr>
             <a:spLocks noGrp="1"/>
           </p:cNvSpPr>
@@ -541,7 +516,7 @@
     </p:spTree>
     <p:extLst>
       <p:ext uri="{BB962C8B-B14F-4D97-AF65-F5344CB8AC3E}">
-        <p14:creationId xmlns:p14="http://schemas.microsoft.com/office/powerpoint/2010/main" val="2710714513"/>
+        <p14:creationId xmlns:p14="http://schemas.microsoft.com/office/powerpoint/2010/main" val="2546233137"/>
       </p:ext>
     </p:extLst>
   </p:cSld>
@@ -552,6 +527,2556 @@
 </file>
 
 <file path=ppt/slideLayouts/slideLayout10.xml><?xml version="1.0" encoding="utf-8"?>
+<p:sldLayout xmlns:a="http://schemas.openxmlformats.org/drawingml/2006/main" xmlns:r="http://schemas.openxmlformats.org/officeDocument/2006/relationships" xmlns:p="http://schemas.openxmlformats.org/presentationml/2006/main" preserve="1">
+  <p:cSld name="Panoramic Picture with Caption">
+    <p:spTree>
+      <p:nvGrpSpPr>
+        <p:cNvPr id="1" name=""/>
+        <p:cNvGrpSpPr/>
+        <p:nvPr/>
+      </p:nvGrpSpPr>
+      <p:grpSpPr>
+        <a:xfrm>
+          <a:off x="0" y="0"/>
+          <a:ext cx="0" cy="0"/>
+          <a:chOff x="0" y="0"/>
+          <a:chExt cx="0" cy="0"/>
+        </a:xfrm>
+      </p:grpSpPr>
+      <p:sp>
+        <p:nvSpPr>
+          <p:cNvPr id="2" name="Title 1"/>
+          <p:cNvSpPr>
+            <a:spLocks noGrp="1"/>
+          </p:cNvSpPr>
+          <p:nvPr>
+            <p:ph type="title"/>
+          </p:nvPr>
+        </p:nvSpPr>
+        <p:spPr>
+          <a:xfrm>
+            <a:off x="913806" y="4289372"/>
+            <a:ext cx="10367564" cy="819355"/>
+          </a:xfrm>
+        </p:spPr>
+        <p:txBody>
+          <a:bodyPr anchor="b">
+            <a:normAutofit/>
+          </a:bodyPr>
+          <a:lstStyle>
+            <a:lvl1pPr>
+              <a:defRPr sz="2800"/>
+            </a:lvl1pPr>
+          </a:lstStyle>
+          <a:p>
+            <a:r>
+              <a:rPr lang="en-US"/>
+              <a:t>Click to edit Master title style</a:t>
+            </a:r>
+            <a:endParaRPr lang="en-US" dirty="0"/>
+          </a:p>
+        </p:txBody>
+      </p:sp>
+      <p:sp>
+        <p:nvSpPr>
+          <p:cNvPr id="3" name="Picture Placeholder 2"/>
+          <p:cNvSpPr>
+            <a:spLocks noGrp="1" noChangeAspect="1"/>
+          </p:cNvSpPr>
+          <p:nvPr>
+            <p:ph type="pic" idx="1"/>
+          </p:nvPr>
+        </p:nvSpPr>
+        <p:spPr>
+          <a:xfrm>
+            <a:off x="913806" y="621321"/>
+            <a:ext cx="10367564" cy="3379735"/>
+          </a:xfrm>
+          <a:noFill/>
+          <a:ln w="190500" cap="sq">
+            <a:solidFill>
+              <a:srgbClr val="FFFFFF"/>
+            </a:solidFill>
+            <a:miter lim="800000"/>
+          </a:ln>
+          <a:effectLst>
+            <a:outerShdw blurRad="55000" dist="18000" dir="5400000" algn="tl" rotWithShape="0">
+              <a:srgbClr val="000000">
+                <a:alpha val="40000"/>
+              </a:srgbClr>
+            </a:outerShdw>
+          </a:effectLst>
+          <a:scene3d>
+            <a:camera prst="orthographicFront"/>
+            <a:lightRig rig="twoPt" dir="t">
+              <a:rot lat="0" lon="0" rev="7200000"/>
+            </a:lightRig>
+          </a:scene3d>
+          <a:sp3d>
+            <a:bevelT w="25400" h="19050"/>
+            <a:contourClr>
+              <a:srgbClr val="FFFFFF"/>
+            </a:contourClr>
+          </a:sp3d>
+        </p:spPr>
+        <p:txBody>
+          <a:bodyPr anchor="t"/>
+          <a:lstStyle>
+            <a:lvl1pPr marL="0" indent="0" algn="ctr">
+              <a:buNone/>
+              <a:defRPr sz="3200"/>
+            </a:lvl1pPr>
+            <a:lvl2pPr marL="457200" indent="0">
+              <a:buNone/>
+              <a:defRPr sz="2800"/>
+            </a:lvl2pPr>
+            <a:lvl3pPr marL="914400" indent="0">
+              <a:buNone/>
+              <a:defRPr sz="2400"/>
+            </a:lvl3pPr>
+            <a:lvl4pPr marL="1371600" indent="0">
+              <a:buNone/>
+              <a:defRPr sz="2000"/>
+            </a:lvl4pPr>
+            <a:lvl5pPr marL="1828800" indent="0">
+              <a:buNone/>
+              <a:defRPr sz="2000"/>
+            </a:lvl5pPr>
+            <a:lvl6pPr marL="2286000" indent="0">
+              <a:buNone/>
+              <a:defRPr sz="2000"/>
+            </a:lvl6pPr>
+            <a:lvl7pPr marL="2743200" indent="0">
+              <a:buNone/>
+              <a:defRPr sz="2000"/>
+            </a:lvl7pPr>
+            <a:lvl8pPr marL="3200400" indent="0">
+              <a:buNone/>
+              <a:defRPr sz="2000"/>
+            </a:lvl8pPr>
+            <a:lvl9pPr marL="3657600" indent="0">
+              <a:buNone/>
+              <a:defRPr sz="2000"/>
+            </a:lvl9pPr>
+          </a:lstStyle>
+          <a:p>
+            <a:r>
+              <a:rPr lang="en-US"/>
+              <a:t>Click icon to add picture</a:t>
+            </a:r>
+            <a:endParaRPr lang="en-US" dirty="0"/>
+          </a:p>
+        </p:txBody>
+      </p:sp>
+      <p:sp>
+        <p:nvSpPr>
+          <p:cNvPr id="4" name="Text Placeholder 3"/>
+          <p:cNvSpPr>
+            <a:spLocks noGrp="1"/>
+          </p:cNvSpPr>
+          <p:nvPr>
+            <p:ph type="body" sz="half" idx="2"/>
+          </p:nvPr>
+        </p:nvSpPr>
+        <p:spPr>
+          <a:xfrm>
+            <a:off x="913795" y="5108728"/>
+            <a:ext cx="10365998" cy="682472"/>
+          </a:xfrm>
+        </p:spPr>
+        <p:txBody>
+          <a:bodyPr>
+            <a:normAutofit/>
+          </a:bodyPr>
+          <a:lstStyle>
+            <a:lvl1pPr marL="0" indent="0" algn="ctr">
+              <a:buNone/>
+              <a:defRPr sz="1800"/>
+            </a:lvl1pPr>
+            <a:lvl2pPr marL="457200" indent="0">
+              <a:buNone/>
+              <a:defRPr sz="1400"/>
+            </a:lvl2pPr>
+            <a:lvl3pPr marL="914400" indent="0">
+              <a:buNone/>
+              <a:defRPr sz="1200"/>
+            </a:lvl3pPr>
+            <a:lvl4pPr marL="1371600" indent="0">
+              <a:buNone/>
+              <a:defRPr sz="1000"/>
+            </a:lvl4pPr>
+            <a:lvl5pPr marL="1828800" indent="0">
+              <a:buNone/>
+              <a:defRPr sz="1000"/>
+            </a:lvl5pPr>
+            <a:lvl6pPr marL="2286000" indent="0">
+              <a:buNone/>
+              <a:defRPr sz="1000"/>
+            </a:lvl6pPr>
+            <a:lvl7pPr marL="2743200" indent="0">
+              <a:buNone/>
+              <a:defRPr sz="1000"/>
+            </a:lvl7pPr>
+            <a:lvl8pPr marL="3200400" indent="0">
+              <a:buNone/>
+              <a:defRPr sz="1000"/>
+            </a:lvl8pPr>
+            <a:lvl9pPr marL="3657600" indent="0">
+              <a:buNone/>
+              <a:defRPr sz="1000"/>
+            </a:lvl9pPr>
+          </a:lstStyle>
+          <a:p>
+            <a:pPr lvl="0"/>
+            <a:r>
+              <a:rPr lang="en-US"/>
+              <a:t>Click to edit Master text styles</a:t>
+            </a:r>
+          </a:p>
+        </p:txBody>
+      </p:sp>
+      <p:sp>
+        <p:nvSpPr>
+          <p:cNvPr id="5" name="Date Placeholder 4"/>
+          <p:cNvSpPr>
+            <a:spLocks noGrp="1"/>
+          </p:cNvSpPr>
+          <p:nvPr>
+            <p:ph type="dt" sz="half" idx="10"/>
+          </p:nvPr>
+        </p:nvSpPr>
+        <p:spPr/>
+        <p:txBody>
+          <a:bodyPr/>
+          <a:lstStyle/>
+          <a:p>
+            <a:fld id="{D3BECD33-38F4-4E83-8EA9-8E9296CD97D4}" type="datetimeFigureOut">
+              <a:rPr lang="en-US" smtClean="0"/>
+              <a:t>3/14/2022</a:t>
+            </a:fld>
+            <a:endParaRPr lang="en-US"/>
+          </a:p>
+        </p:txBody>
+      </p:sp>
+      <p:sp>
+        <p:nvSpPr>
+          <p:cNvPr id="6" name="Footer Placeholder 5"/>
+          <p:cNvSpPr>
+            <a:spLocks noGrp="1"/>
+          </p:cNvSpPr>
+          <p:nvPr>
+            <p:ph type="ftr" sz="quarter" idx="11"/>
+          </p:nvPr>
+        </p:nvSpPr>
+        <p:spPr/>
+        <p:txBody>
+          <a:bodyPr/>
+          <a:lstStyle/>
+          <a:p>
+            <a:endParaRPr lang="en-US"/>
+          </a:p>
+        </p:txBody>
+      </p:sp>
+      <p:sp>
+        <p:nvSpPr>
+          <p:cNvPr id="7" name="Slide Number Placeholder 6"/>
+          <p:cNvSpPr>
+            <a:spLocks noGrp="1"/>
+          </p:cNvSpPr>
+          <p:nvPr>
+            <p:ph type="sldNum" sz="quarter" idx="12"/>
+          </p:nvPr>
+        </p:nvSpPr>
+        <p:spPr/>
+        <p:txBody>
+          <a:bodyPr/>
+          <a:lstStyle/>
+          <a:p>
+            <a:fld id="{C87C900B-3962-49E0-AF3C-E1E75AA9900B}" type="slidenum">
+              <a:rPr lang="en-US" smtClean="0"/>
+              <a:t>‹#›</a:t>
+            </a:fld>
+            <a:endParaRPr lang="en-US"/>
+          </a:p>
+        </p:txBody>
+      </p:sp>
+    </p:spTree>
+    <p:extLst>
+      <p:ext uri="{BB962C8B-B14F-4D97-AF65-F5344CB8AC3E}">
+        <p14:creationId xmlns:p14="http://schemas.microsoft.com/office/powerpoint/2010/main" val="1942949223"/>
+      </p:ext>
+    </p:extLst>
+  </p:cSld>
+  <p:clrMapOvr>
+    <a:masterClrMapping/>
+  </p:clrMapOvr>
+</p:sldLayout>
+</file>
+
+<file path=ppt/slideLayouts/slideLayout11.xml><?xml version="1.0" encoding="utf-8"?>
+<p:sldLayout xmlns:a="http://schemas.openxmlformats.org/drawingml/2006/main" xmlns:r="http://schemas.openxmlformats.org/officeDocument/2006/relationships" xmlns:p="http://schemas.openxmlformats.org/presentationml/2006/main" preserve="1">
+  <p:cSld name="Title and Caption">
+    <p:spTree>
+      <p:nvGrpSpPr>
+        <p:cNvPr id="1" name=""/>
+        <p:cNvGrpSpPr/>
+        <p:nvPr/>
+      </p:nvGrpSpPr>
+      <p:grpSpPr>
+        <a:xfrm>
+          <a:off x="0" y="0"/>
+          <a:ext cx="0" cy="0"/>
+          <a:chOff x="0" y="0"/>
+          <a:chExt cx="0" cy="0"/>
+        </a:xfrm>
+      </p:grpSpPr>
+      <p:sp>
+        <p:nvSpPr>
+          <p:cNvPr id="2" name="Title 1"/>
+          <p:cNvSpPr>
+            <a:spLocks noGrp="1"/>
+          </p:cNvSpPr>
+          <p:nvPr>
+            <p:ph type="title"/>
+          </p:nvPr>
+        </p:nvSpPr>
+        <p:spPr>
+          <a:xfrm>
+            <a:off x="913795" y="609600"/>
+            <a:ext cx="10353762" cy="3424859"/>
+          </a:xfrm>
+        </p:spPr>
+        <p:txBody>
+          <a:bodyPr anchor="ctr"/>
+          <a:lstStyle>
+            <a:lvl1pPr>
+              <a:defRPr sz="3200"/>
+            </a:lvl1pPr>
+          </a:lstStyle>
+          <a:p>
+            <a:r>
+              <a:rPr lang="en-US"/>
+              <a:t>Click to edit Master title style</a:t>
+            </a:r>
+            <a:endParaRPr lang="en-US" dirty="0"/>
+          </a:p>
+        </p:txBody>
+      </p:sp>
+      <p:sp>
+        <p:nvSpPr>
+          <p:cNvPr id="4" name="Text Placeholder 3"/>
+          <p:cNvSpPr>
+            <a:spLocks noGrp="1"/>
+          </p:cNvSpPr>
+          <p:nvPr>
+            <p:ph type="body" sz="half" idx="2"/>
+          </p:nvPr>
+        </p:nvSpPr>
+        <p:spPr>
+          <a:xfrm>
+            <a:off x="913795" y="4204820"/>
+            <a:ext cx="10353761" cy="1592186"/>
+          </a:xfrm>
+        </p:spPr>
+        <p:txBody>
+          <a:bodyPr anchor="ctr"/>
+          <a:lstStyle>
+            <a:lvl1pPr marL="0" indent="0" algn="ctr">
+              <a:buNone/>
+              <a:defRPr sz="1600"/>
+            </a:lvl1pPr>
+            <a:lvl2pPr marL="457200" indent="0">
+              <a:buNone/>
+              <a:defRPr sz="1400"/>
+            </a:lvl2pPr>
+            <a:lvl3pPr marL="914400" indent="0">
+              <a:buNone/>
+              <a:defRPr sz="1200"/>
+            </a:lvl3pPr>
+            <a:lvl4pPr marL="1371600" indent="0">
+              <a:buNone/>
+              <a:defRPr sz="1000"/>
+            </a:lvl4pPr>
+            <a:lvl5pPr marL="1828800" indent="0">
+              <a:buNone/>
+              <a:defRPr sz="1000"/>
+            </a:lvl5pPr>
+            <a:lvl6pPr marL="2286000" indent="0">
+              <a:buNone/>
+              <a:defRPr sz="1000"/>
+            </a:lvl6pPr>
+            <a:lvl7pPr marL="2743200" indent="0">
+              <a:buNone/>
+              <a:defRPr sz="1000"/>
+            </a:lvl7pPr>
+            <a:lvl8pPr marL="3200400" indent="0">
+              <a:buNone/>
+              <a:defRPr sz="1000"/>
+            </a:lvl8pPr>
+            <a:lvl9pPr marL="3657600" indent="0">
+              <a:buNone/>
+              <a:defRPr sz="1000"/>
+            </a:lvl9pPr>
+          </a:lstStyle>
+          <a:p>
+            <a:pPr lvl="0"/>
+            <a:r>
+              <a:rPr lang="en-US"/>
+              <a:t>Click to edit Master text styles</a:t>
+            </a:r>
+          </a:p>
+        </p:txBody>
+      </p:sp>
+      <p:sp>
+        <p:nvSpPr>
+          <p:cNvPr id="5" name="Date Placeholder 4"/>
+          <p:cNvSpPr>
+            <a:spLocks noGrp="1"/>
+          </p:cNvSpPr>
+          <p:nvPr>
+            <p:ph type="dt" sz="half" idx="10"/>
+          </p:nvPr>
+        </p:nvSpPr>
+        <p:spPr/>
+        <p:txBody>
+          <a:bodyPr/>
+          <a:lstStyle/>
+          <a:p>
+            <a:fld id="{D3BECD33-38F4-4E83-8EA9-8E9296CD97D4}" type="datetimeFigureOut">
+              <a:rPr lang="en-US" smtClean="0"/>
+              <a:t>3/14/2022</a:t>
+            </a:fld>
+            <a:endParaRPr lang="en-US"/>
+          </a:p>
+        </p:txBody>
+      </p:sp>
+      <p:sp>
+        <p:nvSpPr>
+          <p:cNvPr id="6" name="Footer Placeholder 5"/>
+          <p:cNvSpPr>
+            <a:spLocks noGrp="1"/>
+          </p:cNvSpPr>
+          <p:nvPr>
+            <p:ph type="ftr" sz="quarter" idx="11"/>
+          </p:nvPr>
+        </p:nvSpPr>
+        <p:spPr/>
+        <p:txBody>
+          <a:bodyPr/>
+          <a:lstStyle/>
+          <a:p>
+            <a:endParaRPr lang="en-US"/>
+          </a:p>
+        </p:txBody>
+      </p:sp>
+      <p:sp>
+        <p:nvSpPr>
+          <p:cNvPr id="7" name="Slide Number Placeholder 6"/>
+          <p:cNvSpPr>
+            <a:spLocks noGrp="1"/>
+          </p:cNvSpPr>
+          <p:nvPr>
+            <p:ph type="sldNum" sz="quarter" idx="12"/>
+          </p:nvPr>
+        </p:nvSpPr>
+        <p:spPr/>
+        <p:txBody>
+          <a:bodyPr/>
+          <a:lstStyle/>
+          <a:p>
+            <a:fld id="{C87C900B-3962-49E0-AF3C-E1E75AA9900B}" type="slidenum">
+              <a:rPr lang="en-US" smtClean="0"/>
+              <a:t>‹#›</a:t>
+            </a:fld>
+            <a:endParaRPr lang="en-US"/>
+          </a:p>
+        </p:txBody>
+      </p:sp>
+    </p:spTree>
+    <p:extLst>
+      <p:ext uri="{BB962C8B-B14F-4D97-AF65-F5344CB8AC3E}">
+        <p14:creationId xmlns:p14="http://schemas.microsoft.com/office/powerpoint/2010/main" val="2812217081"/>
+      </p:ext>
+    </p:extLst>
+  </p:cSld>
+  <p:clrMapOvr>
+    <a:masterClrMapping/>
+  </p:clrMapOvr>
+</p:sldLayout>
+</file>
+
+<file path=ppt/slideLayouts/slideLayout12.xml><?xml version="1.0" encoding="utf-8"?>
+<p:sldLayout xmlns:a="http://schemas.openxmlformats.org/drawingml/2006/main" xmlns:r="http://schemas.openxmlformats.org/officeDocument/2006/relationships" xmlns:p="http://schemas.openxmlformats.org/presentationml/2006/main" preserve="1">
+  <p:cSld name="Quote with Caption">
+    <p:spTree>
+      <p:nvGrpSpPr>
+        <p:cNvPr id="1" name=""/>
+        <p:cNvGrpSpPr/>
+        <p:nvPr/>
+      </p:nvGrpSpPr>
+      <p:grpSpPr>
+        <a:xfrm>
+          <a:off x="0" y="0"/>
+          <a:ext cx="0" cy="0"/>
+          <a:chOff x="0" y="0"/>
+          <a:chExt cx="0" cy="0"/>
+        </a:xfrm>
+      </p:grpSpPr>
+      <p:sp>
+        <p:nvSpPr>
+          <p:cNvPr id="2" name="Title 1"/>
+          <p:cNvSpPr>
+            <a:spLocks noGrp="1"/>
+          </p:cNvSpPr>
+          <p:nvPr>
+            <p:ph type="title"/>
+          </p:nvPr>
+        </p:nvSpPr>
+        <p:spPr>
+          <a:xfrm>
+            <a:off x="1446212" y="609600"/>
+            <a:ext cx="9302752" cy="2992904"/>
+          </a:xfrm>
+        </p:spPr>
+        <p:txBody>
+          <a:bodyPr anchor="ctr"/>
+          <a:lstStyle>
+            <a:lvl1pPr>
+              <a:defRPr sz="3200"/>
+            </a:lvl1pPr>
+          </a:lstStyle>
+          <a:p>
+            <a:r>
+              <a:rPr lang="en-US"/>
+              <a:t>Click to edit Master title style</a:t>
+            </a:r>
+            <a:endParaRPr lang="en-US" dirty="0"/>
+          </a:p>
+        </p:txBody>
+      </p:sp>
+      <p:sp>
+        <p:nvSpPr>
+          <p:cNvPr id="12" name="Text Placeholder 3"/>
+          <p:cNvSpPr>
+            <a:spLocks noGrp="1"/>
+          </p:cNvSpPr>
+          <p:nvPr>
+            <p:ph type="body" sz="half" idx="13"/>
+          </p:nvPr>
+        </p:nvSpPr>
+        <p:spPr>
+          <a:xfrm>
+            <a:off x="1720644" y="3610032"/>
+            <a:ext cx="8752299" cy="426812"/>
+          </a:xfrm>
+        </p:spPr>
+        <p:txBody>
+          <a:bodyPr anchor="t">
+            <a:normAutofit/>
+          </a:bodyPr>
+          <a:lstStyle>
+            <a:lvl1pPr marL="0" indent="0" algn="r">
+              <a:buNone/>
+              <a:defRPr sz="1400"/>
+            </a:lvl1pPr>
+            <a:lvl2pPr marL="457200" indent="0">
+              <a:buNone/>
+              <a:defRPr sz="1400"/>
+            </a:lvl2pPr>
+            <a:lvl3pPr marL="914400" indent="0">
+              <a:buNone/>
+              <a:defRPr sz="1200"/>
+            </a:lvl3pPr>
+            <a:lvl4pPr marL="1371600" indent="0">
+              <a:buNone/>
+              <a:defRPr sz="1000"/>
+            </a:lvl4pPr>
+            <a:lvl5pPr marL="1828800" indent="0">
+              <a:buNone/>
+              <a:defRPr sz="1000"/>
+            </a:lvl5pPr>
+            <a:lvl6pPr marL="2286000" indent="0">
+              <a:buNone/>
+              <a:defRPr sz="1000"/>
+            </a:lvl6pPr>
+            <a:lvl7pPr marL="2743200" indent="0">
+              <a:buNone/>
+              <a:defRPr sz="1000"/>
+            </a:lvl7pPr>
+            <a:lvl8pPr marL="3200400" indent="0">
+              <a:buNone/>
+              <a:defRPr sz="1000"/>
+            </a:lvl8pPr>
+            <a:lvl9pPr marL="3657600" indent="0">
+              <a:buNone/>
+              <a:defRPr sz="1000"/>
+            </a:lvl9pPr>
+          </a:lstStyle>
+          <a:p>
+            <a:pPr lvl="0"/>
+            <a:r>
+              <a:rPr lang="en-US"/>
+              <a:t>Click to edit Master text styles</a:t>
+            </a:r>
+          </a:p>
+        </p:txBody>
+      </p:sp>
+      <p:sp>
+        <p:nvSpPr>
+          <p:cNvPr id="4" name="Text Placeholder 3"/>
+          <p:cNvSpPr>
+            <a:spLocks noGrp="1"/>
+          </p:cNvSpPr>
+          <p:nvPr>
+            <p:ph type="body" sz="half" idx="2"/>
+          </p:nvPr>
+        </p:nvSpPr>
+        <p:spPr>
+          <a:xfrm>
+            <a:off x="913794" y="4204821"/>
+            <a:ext cx="10353762" cy="1586380"/>
+          </a:xfrm>
+        </p:spPr>
+        <p:txBody>
+          <a:bodyPr anchor="ctr">
+            <a:normAutofit/>
+          </a:bodyPr>
+          <a:lstStyle>
+            <a:lvl1pPr marL="0" indent="0" algn="ctr">
+              <a:buNone/>
+              <a:defRPr sz="1600"/>
+            </a:lvl1pPr>
+            <a:lvl2pPr marL="457200" indent="0">
+              <a:buNone/>
+              <a:defRPr sz="1400"/>
+            </a:lvl2pPr>
+            <a:lvl3pPr marL="914400" indent="0">
+              <a:buNone/>
+              <a:defRPr sz="1200"/>
+            </a:lvl3pPr>
+            <a:lvl4pPr marL="1371600" indent="0">
+              <a:buNone/>
+              <a:defRPr sz="1000"/>
+            </a:lvl4pPr>
+            <a:lvl5pPr marL="1828800" indent="0">
+              <a:buNone/>
+              <a:defRPr sz="1000"/>
+            </a:lvl5pPr>
+            <a:lvl6pPr marL="2286000" indent="0">
+              <a:buNone/>
+              <a:defRPr sz="1000"/>
+            </a:lvl6pPr>
+            <a:lvl7pPr marL="2743200" indent="0">
+              <a:buNone/>
+              <a:defRPr sz="1000"/>
+            </a:lvl7pPr>
+            <a:lvl8pPr marL="3200400" indent="0">
+              <a:buNone/>
+              <a:defRPr sz="1000"/>
+            </a:lvl8pPr>
+            <a:lvl9pPr marL="3657600" indent="0">
+              <a:buNone/>
+              <a:defRPr sz="1000"/>
+            </a:lvl9pPr>
+          </a:lstStyle>
+          <a:p>
+            <a:pPr lvl="0"/>
+            <a:r>
+              <a:rPr lang="en-US"/>
+              <a:t>Click to edit Master text styles</a:t>
+            </a:r>
+          </a:p>
+        </p:txBody>
+      </p:sp>
+      <p:sp>
+        <p:nvSpPr>
+          <p:cNvPr id="5" name="Date Placeholder 4"/>
+          <p:cNvSpPr>
+            <a:spLocks noGrp="1"/>
+          </p:cNvSpPr>
+          <p:nvPr>
+            <p:ph type="dt" sz="half" idx="10"/>
+          </p:nvPr>
+        </p:nvSpPr>
+        <p:spPr/>
+        <p:txBody>
+          <a:bodyPr/>
+          <a:lstStyle/>
+          <a:p>
+            <a:fld id="{D3BECD33-38F4-4E83-8EA9-8E9296CD97D4}" type="datetimeFigureOut">
+              <a:rPr lang="en-US" smtClean="0"/>
+              <a:t>3/14/2022</a:t>
+            </a:fld>
+            <a:endParaRPr lang="en-US"/>
+          </a:p>
+        </p:txBody>
+      </p:sp>
+      <p:sp>
+        <p:nvSpPr>
+          <p:cNvPr id="6" name="Footer Placeholder 5"/>
+          <p:cNvSpPr>
+            <a:spLocks noGrp="1"/>
+          </p:cNvSpPr>
+          <p:nvPr>
+            <p:ph type="ftr" sz="quarter" idx="11"/>
+          </p:nvPr>
+        </p:nvSpPr>
+        <p:spPr/>
+        <p:txBody>
+          <a:bodyPr/>
+          <a:lstStyle/>
+          <a:p>
+            <a:endParaRPr lang="en-US"/>
+          </a:p>
+        </p:txBody>
+      </p:sp>
+      <p:sp>
+        <p:nvSpPr>
+          <p:cNvPr id="7" name="Slide Number Placeholder 6"/>
+          <p:cNvSpPr>
+            <a:spLocks noGrp="1"/>
+          </p:cNvSpPr>
+          <p:nvPr>
+            <p:ph type="sldNum" sz="quarter" idx="12"/>
+          </p:nvPr>
+        </p:nvSpPr>
+        <p:spPr/>
+        <p:txBody>
+          <a:bodyPr/>
+          <a:lstStyle/>
+          <a:p>
+            <a:fld id="{C87C900B-3962-49E0-AF3C-E1E75AA9900B}" type="slidenum">
+              <a:rPr lang="en-US" smtClean="0"/>
+              <a:t>‹#›</a:t>
+            </a:fld>
+            <a:endParaRPr lang="en-US"/>
+          </a:p>
+        </p:txBody>
+      </p:sp>
+      <p:sp>
+        <p:nvSpPr>
+          <p:cNvPr id="11" name="TextBox 10"/>
+          <p:cNvSpPr txBox="1"/>
+          <p:nvPr/>
+        </p:nvSpPr>
+        <p:spPr>
+          <a:xfrm>
+            <a:off x="836612" y="735241"/>
+            <a:ext cx="609600" cy="584776"/>
+          </a:xfrm>
+          <a:prstGeom prst="rect">
+            <a:avLst/>
+          </a:prstGeom>
+        </p:spPr>
+        <p:txBody>
+          <a:bodyPr vert="horz" lIns="91440" tIns="45720" rIns="91440" bIns="45720" rtlCol="0" anchor="ctr">
+            <a:noAutofit/>
+          </a:bodyPr>
+          <a:lstStyle>
+            <a:lvl1pPr>
+              <a:spcBef>
+                <a:spcPct val="0"/>
+              </a:spcBef>
+              <a:buNone/>
+              <a:defRPr sz="3200" b="0" cap="all">
+                <a:ln w="3175" cmpd="sng">
+                  <a:noFill/>
+                </a:ln>
+                <a:effectLst>
+                  <a:glow rad="38100">
+                    <a:schemeClr val="bg1">
+                      <a:lumMod val="65000"/>
+                      <a:lumOff val="35000"/>
+                      <a:alpha val="40000"/>
+                    </a:schemeClr>
+                  </a:glow>
+                  <a:outerShdw blurRad="28575" dist="38100" dir="14040000" algn="tl" rotWithShape="0">
+                    <a:srgbClr val="000000">
+                      <a:alpha val="25000"/>
+                    </a:srgbClr>
+                  </a:outerShdw>
+                </a:effectLst>
+              </a:defRPr>
+            </a:lvl1pPr>
+            <a:lvl2pPr>
+              <a:defRPr>
+                <a:solidFill>
+                  <a:schemeClr val="tx2"/>
+                </a:solidFill>
+              </a:defRPr>
+            </a:lvl2pPr>
+            <a:lvl3pPr>
+              <a:defRPr>
+                <a:solidFill>
+                  <a:schemeClr val="tx2"/>
+                </a:solidFill>
+              </a:defRPr>
+            </a:lvl3pPr>
+            <a:lvl4pPr>
+              <a:defRPr>
+                <a:solidFill>
+                  <a:schemeClr val="tx2"/>
+                </a:solidFill>
+              </a:defRPr>
+            </a:lvl4pPr>
+            <a:lvl5pPr>
+              <a:defRPr>
+                <a:solidFill>
+                  <a:schemeClr val="tx2"/>
+                </a:solidFill>
+              </a:defRPr>
+            </a:lvl5pPr>
+            <a:lvl6pPr>
+              <a:defRPr>
+                <a:solidFill>
+                  <a:schemeClr val="tx2"/>
+                </a:solidFill>
+              </a:defRPr>
+            </a:lvl6pPr>
+            <a:lvl7pPr>
+              <a:defRPr>
+                <a:solidFill>
+                  <a:schemeClr val="tx2"/>
+                </a:solidFill>
+              </a:defRPr>
+            </a:lvl7pPr>
+            <a:lvl8pPr>
+              <a:defRPr>
+                <a:solidFill>
+                  <a:schemeClr val="tx2"/>
+                </a:solidFill>
+              </a:defRPr>
+            </a:lvl8pPr>
+            <a:lvl9pPr>
+              <a:defRPr>
+                <a:solidFill>
+                  <a:schemeClr val="tx2"/>
+                </a:solidFill>
+              </a:defRPr>
+            </a:lvl9pPr>
+          </a:lstStyle>
+          <a:p>
+            <a:pPr lvl="0"/>
+            <a:r>
+              <a:rPr lang="en-US" sz="8000" dirty="0">
+                <a:solidFill>
+                  <a:schemeClr val="tx1"/>
+                </a:solidFill>
+                <a:effectLst/>
+              </a:rPr>
+              <a:t>“</a:t>
+            </a:r>
+          </a:p>
+        </p:txBody>
+      </p:sp>
+      <p:sp>
+        <p:nvSpPr>
+          <p:cNvPr id="13" name="TextBox 12"/>
+          <p:cNvSpPr txBox="1"/>
+          <p:nvPr/>
+        </p:nvSpPr>
+        <p:spPr>
+          <a:xfrm>
+            <a:off x="10657956" y="2972093"/>
+            <a:ext cx="609600" cy="584776"/>
+          </a:xfrm>
+          <a:prstGeom prst="rect">
+            <a:avLst/>
+          </a:prstGeom>
+        </p:spPr>
+        <p:txBody>
+          <a:bodyPr vert="horz" lIns="91440" tIns="45720" rIns="91440" bIns="45720" rtlCol="0" anchor="ctr">
+            <a:noAutofit/>
+          </a:bodyPr>
+          <a:lstStyle>
+            <a:lvl1pPr>
+              <a:spcBef>
+                <a:spcPct val="0"/>
+              </a:spcBef>
+              <a:buNone/>
+              <a:defRPr sz="3200" b="0" cap="all">
+                <a:ln w="3175" cmpd="sng">
+                  <a:noFill/>
+                </a:ln>
+                <a:effectLst>
+                  <a:glow rad="38100">
+                    <a:schemeClr val="bg1">
+                      <a:lumMod val="65000"/>
+                      <a:lumOff val="35000"/>
+                      <a:alpha val="40000"/>
+                    </a:schemeClr>
+                  </a:glow>
+                  <a:outerShdw blurRad="28575" dist="38100" dir="14040000" algn="tl" rotWithShape="0">
+                    <a:srgbClr val="000000">
+                      <a:alpha val="25000"/>
+                    </a:srgbClr>
+                  </a:outerShdw>
+                </a:effectLst>
+              </a:defRPr>
+            </a:lvl1pPr>
+            <a:lvl2pPr>
+              <a:defRPr>
+                <a:solidFill>
+                  <a:schemeClr val="tx2"/>
+                </a:solidFill>
+              </a:defRPr>
+            </a:lvl2pPr>
+            <a:lvl3pPr>
+              <a:defRPr>
+                <a:solidFill>
+                  <a:schemeClr val="tx2"/>
+                </a:solidFill>
+              </a:defRPr>
+            </a:lvl3pPr>
+            <a:lvl4pPr>
+              <a:defRPr>
+                <a:solidFill>
+                  <a:schemeClr val="tx2"/>
+                </a:solidFill>
+              </a:defRPr>
+            </a:lvl4pPr>
+            <a:lvl5pPr>
+              <a:defRPr>
+                <a:solidFill>
+                  <a:schemeClr val="tx2"/>
+                </a:solidFill>
+              </a:defRPr>
+            </a:lvl5pPr>
+            <a:lvl6pPr>
+              <a:defRPr>
+                <a:solidFill>
+                  <a:schemeClr val="tx2"/>
+                </a:solidFill>
+              </a:defRPr>
+            </a:lvl6pPr>
+            <a:lvl7pPr>
+              <a:defRPr>
+                <a:solidFill>
+                  <a:schemeClr val="tx2"/>
+                </a:solidFill>
+              </a:defRPr>
+            </a:lvl7pPr>
+            <a:lvl8pPr>
+              <a:defRPr>
+                <a:solidFill>
+                  <a:schemeClr val="tx2"/>
+                </a:solidFill>
+              </a:defRPr>
+            </a:lvl8pPr>
+            <a:lvl9pPr>
+              <a:defRPr>
+                <a:solidFill>
+                  <a:schemeClr val="tx2"/>
+                </a:solidFill>
+              </a:defRPr>
+            </a:lvl9pPr>
+          </a:lstStyle>
+          <a:p>
+            <a:pPr lvl="0" algn="r"/>
+            <a:r>
+              <a:rPr lang="en-US" sz="8000" dirty="0">
+                <a:solidFill>
+                  <a:schemeClr val="tx1"/>
+                </a:solidFill>
+                <a:effectLst/>
+              </a:rPr>
+              <a:t>”</a:t>
+            </a:r>
+          </a:p>
+        </p:txBody>
+      </p:sp>
+    </p:spTree>
+    <p:extLst>
+      <p:ext uri="{BB962C8B-B14F-4D97-AF65-F5344CB8AC3E}">
+        <p14:creationId xmlns:p14="http://schemas.microsoft.com/office/powerpoint/2010/main" val="22421100"/>
+      </p:ext>
+    </p:extLst>
+  </p:cSld>
+  <p:clrMapOvr>
+    <a:masterClrMapping/>
+  </p:clrMapOvr>
+</p:sldLayout>
+</file>
+
+<file path=ppt/slideLayouts/slideLayout13.xml><?xml version="1.0" encoding="utf-8"?>
+<p:sldLayout xmlns:a="http://schemas.openxmlformats.org/drawingml/2006/main" xmlns:r="http://schemas.openxmlformats.org/officeDocument/2006/relationships" xmlns:p="http://schemas.openxmlformats.org/presentationml/2006/main" preserve="1">
+  <p:cSld name="Name Card">
+    <p:spTree>
+      <p:nvGrpSpPr>
+        <p:cNvPr id="1" name=""/>
+        <p:cNvGrpSpPr/>
+        <p:nvPr/>
+      </p:nvGrpSpPr>
+      <p:grpSpPr>
+        <a:xfrm>
+          <a:off x="0" y="0"/>
+          <a:ext cx="0" cy="0"/>
+          <a:chOff x="0" y="0"/>
+          <a:chExt cx="0" cy="0"/>
+        </a:xfrm>
+      </p:grpSpPr>
+      <p:sp>
+        <p:nvSpPr>
+          <p:cNvPr id="2" name="Title 1"/>
+          <p:cNvSpPr>
+            <a:spLocks noGrp="1"/>
+          </p:cNvSpPr>
+          <p:nvPr>
+            <p:ph type="title"/>
+          </p:nvPr>
+        </p:nvSpPr>
+        <p:spPr>
+          <a:xfrm>
+            <a:off x="913806" y="2126942"/>
+            <a:ext cx="10355327" cy="2511835"/>
+          </a:xfrm>
+        </p:spPr>
+        <p:txBody>
+          <a:bodyPr anchor="b"/>
+          <a:lstStyle>
+            <a:lvl1pPr>
+              <a:defRPr sz="3200"/>
+            </a:lvl1pPr>
+          </a:lstStyle>
+          <a:p>
+            <a:r>
+              <a:rPr lang="en-US"/>
+              <a:t>Click to edit Master title style</a:t>
+            </a:r>
+            <a:endParaRPr lang="en-US" dirty="0"/>
+          </a:p>
+        </p:txBody>
+      </p:sp>
+      <p:sp>
+        <p:nvSpPr>
+          <p:cNvPr id="4" name="Text Placeholder 3"/>
+          <p:cNvSpPr>
+            <a:spLocks noGrp="1"/>
+          </p:cNvSpPr>
+          <p:nvPr>
+            <p:ph type="body" sz="half" idx="2"/>
+          </p:nvPr>
+        </p:nvSpPr>
+        <p:spPr>
+          <a:xfrm>
+            <a:off x="913794" y="4650556"/>
+            <a:ext cx="10353763" cy="1140644"/>
+          </a:xfrm>
+        </p:spPr>
+        <p:txBody>
+          <a:bodyPr anchor="t"/>
+          <a:lstStyle>
+            <a:lvl1pPr marL="0" indent="0" algn="ctr">
+              <a:buNone/>
+              <a:defRPr sz="1600"/>
+            </a:lvl1pPr>
+            <a:lvl2pPr marL="457200" indent="0">
+              <a:buNone/>
+              <a:defRPr sz="1400"/>
+            </a:lvl2pPr>
+            <a:lvl3pPr marL="914400" indent="0">
+              <a:buNone/>
+              <a:defRPr sz="1200"/>
+            </a:lvl3pPr>
+            <a:lvl4pPr marL="1371600" indent="0">
+              <a:buNone/>
+              <a:defRPr sz="1000"/>
+            </a:lvl4pPr>
+            <a:lvl5pPr marL="1828800" indent="0">
+              <a:buNone/>
+              <a:defRPr sz="1000"/>
+            </a:lvl5pPr>
+            <a:lvl6pPr marL="2286000" indent="0">
+              <a:buNone/>
+              <a:defRPr sz="1000"/>
+            </a:lvl6pPr>
+            <a:lvl7pPr marL="2743200" indent="0">
+              <a:buNone/>
+              <a:defRPr sz="1000"/>
+            </a:lvl7pPr>
+            <a:lvl8pPr marL="3200400" indent="0">
+              <a:buNone/>
+              <a:defRPr sz="1000"/>
+            </a:lvl8pPr>
+            <a:lvl9pPr marL="3657600" indent="0">
+              <a:buNone/>
+              <a:defRPr sz="1000"/>
+            </a:lvl9pPr>
+          </a:lstStyle>
+          <a:p>
+            <a:pPr lvl="0"/>
+            <a:r>
+              <a:rPr lang="en-US"/>
+              <a:t>Click to edit Master text styles</a:t>
+            </a:r>
+          </a:p>
+        </p:txBody>
+      </p:sp>
+      <p:sp>
+        <p:nvSpPr>
+          <p:cNvPr id="5" name="Date Placeholder 4"/>
+          <p:cNvSpPr>
+            <a:spLocks noGrp="1"/>
+          </p:cNvSpPr>
+          <p:nvPr>
+            <p:ph type="dt" sz="half" idx="10"/>
+          </p:nvPr>
+        </p:nvSpPr>
+        <p:spPr/>
+        <p:txBody>
+          <a:bodyPr/>
+          <a:lstStyle/>
+          <a:p>
+            <a:fld id="{D3BECD33-38F4-4E83-8EA9-8E9296CD97D4}" type="datetimeFigureOut">
+              <a:rPr lang="en-US" smtClean="0"/>
+              <a:t>3/14/2022</a:t>
+            </a:fld>
+            <a:endParaRPr lang="en-US"/>
+          </a:p>
+        </p:txBody>
+      </p:sp>
+      <p:sp>
+        <p:nvSpPr>
+          <p:cNvPr id="6" name="Footer Placeholder 5"/>
+          <p:cNvSpPr>
+            <a:spLocks noGrp="1"/>
+          </p:cNvSpPr>
+          <p:nvPr>
+            <p:ph type="ftr" sz="quarter" idx="11"/>
+          </p:nvPr>
+        </p:nvSpPr>
+        <p:spPr/>
+        <p:txBody>
+          <a:bodyPr/>
+          <a:lstStyle/>
+          <a:p>
+            <a:endParaRPr lang="en-US"/>
+          </a:p>
+        </p:txBody>
+      </p:sp>
+      <p:sp>
+        <p:nvSpPr>
+          <p:cNvPr id="7" name="Slide Number Placeholder 6"/>
+          <p:cNvSpPr>
+            <a:spLocks noGrp="1"/>
+          </p:cNvSpPr>
+          <p:nvPr>
+            <p:ph type="sldNum" sz="quarter" idx="12"/>
+          </p:nvPr>
+        </p:nvSpPr>
+        <p:spPr/>
+        <p:txBody>
+          <a:bodyPr/>
+          <a:lstStyle/>
+          <a:p>
+            <a:fld id="{C87C900B-3962-49E0-AF3C-E1E75AA9900B}" type="slidenum">
+              <a:rPr lang="en-US" smtClean="0"/>
+              <a:t>‹#›</a:t>
+            </a:fld>
+            <a:endParaRPr lang="en-US"/>
+          </a:p>
+        </p:txBody>
+      </p:sp>
+    </p:spTree>
+    <p:extLst>
+      <p:ext uri="{BB962C8B-B14F-4D97-AF65-F5344CB8AC3E}">
+        <p14:creationId xmlns:p14="http://schemas.microsoft.com/office/powerpoint/2010/main" val="1244666984"/>
+      </p:ext>
+    </p:extLst>
+  </p:cSld>
+  <p:clrMapOvr>
+    <a:masterClrMapping/>
+  </p:clrMapOvr>
+</p:sldLayout>
+</file>
+
+<file path=ppt/slideLayouts/slideLayout14.xml><?xml version="1.0" encoding="utf-8"?>
+<p:sldLayout xmlns:a="http://schemas.openxmlformats.org/drawingml/2006/main" xmlns:r="http://schemas.openxmlformats.org/officeDocument/2006/relationships" xmlns:p="http://schemas.openxmlformats.org/presentationml/2006/main" preserve="1">
+  <p:cSld name="3 Column">
+    <p:spTree>
+      <p:nvGrpSpPr>
+        <p:cNvPr id="1" name=""/>
+        <p:cNvGrpSpPr/>
+        <p:nvPr/>
+      </p:nvGrpSpPr>
+      <p:grpSpPr>
+        <a:xfrm>
+          <a:off x="0" y="0"/>
+          <a:ext cx="0" cy="0"/>
+          <a:chOff x="0" y="0"/>
+          <a:chExt cx="0" cy="0"/>
+        </a:xfrm>
+      </p:grpSpPr>
+      <p:sp>
+        <p:nvSpPr>
+          <p:cNvPr id="15" name="Title 1"/>
+          <p:cNvSpPr>
+            <a:spLocks noGrp="1"/>
+          </p:cNvSpPr>
+          <p:nvPr>
+            <p:ph type="title"/>
+          </p:nvPr>
+        </p:nvSpPr>
+        <p:spPr>
+          <a:xfrm>
+            <a:off x="913794" y="609600"/>
+            <a:ext cx="10353762" cy="1325563"/>
+          </a:xfrm>
+        </p:spPr>
+        <p:txBody>
+          <a:bodyPr/>
+          <a:lstStyle/>
+          <a:p>
+            <a:r>
+              <a:rPr lang="en-US"/>
+              <a:t>Click to edit Master title style</a:t>
+            </a:r>
+            <a:endParaRPr lang="en-US" dirty="0"/>
+          </a:p>
+        </p:txBody>
+      </p:sp>
+      <p:sp>
+        <p:nvSpPr>
+          <p:cNvPr id="7" name="Text Placeholder 2"/>
+          <p:cNvSpPr>
+            <a:spLocks noGrp="1"/>
+          </p:cNvSpPr>
+          <p:nvPr>
+            <p:ph type="body" idx="1"/>
+          </p:nvPr>
+        </p:nvSpPr>
+        <p:spPr>
+          <a:xfrm>
+            <a:off x="913794" y="2088319"/>
+            <a:ext cx="3298956" cy="823305"/>
+          </a:xfrm>
+        </p:spPr>
+        <p:txBody>
+          <a:bodyPr anchor="b">
+            <a:noAutofit/>
+          </a:bodyPr>
+          <a:lstStyle>
+            <a:lvl1pPr marL="0" indent="0" algn="ctr">
+              <a:lnSpc>
+                <a:spcPct val="100000"/>
+              </a:lnSpc>
+              <a:buNone/>
+              <a:defRPr sz="2400" b="0">
+                <a:solidFill>
+                  <a:schemeClr val="tx1"/>
+                </a:solidFill>
+              </a:defRPr>
+            </a:lvl1pPr>
+            <a:lvl2pPr marL="457200" indent="0">
+              <a:buNone/>
+              <a:defRPr sz="2000" b="1"/>
+            </a:lvl2pPr>
+            <a:lvl3pPr marL="914400" indent="0">
+              <a:buNone/>
+              <a:defRPr sz="1800" b="1"/>
+            </a:lvl3pPr>
+            <a:lvl4pPr marL="1371600" indent="0">
+              <a:buNone/>
+              <a:defRPr sz="1600" b="1"/>
+            </a:lvl4pPr>
+            <a:lvl5pPr marL="1828800" indent="0">
+              <a:buNone/>
+              <a:defRPr sz="1600" b="1"/>
+            </a:lvl5pPr>
+            <a:lvl6pPr marL="2286000" indent="0">
+              <a:buNone/>
+              <a:defRPr sz="1600" b="1"/>
+            </a:lvl6pPr>
+            <a:lvl7pPr marL="2743200" indent="0">
+              <a:buNone/>
+              <a:defRPr sz="1600" b="1"/>
+            </a:lvl7pPr>
+            <a:lvl8pPr marL="3200400" indent="0">
+              <a:buNone/>
+              <a:defRPr sz="1600" b="1"/>
+            </a:lvl8pPr>
+            <a:lvl9pPr marL="3657600" indent="0">
+              <a:buNone/>
+              <a:defRPr sz="1600" b="1"/>
+            </a:lvl9pPr>
+          </a:lstStyle>
+          <a:p>
+            <a:pPr lvl="0"/>
+            <a:r>
+              <a:rPr lang="en-US"/>
+              <a:t>Click to edit Master text styles</a:t>
+            </a:r>
+          </a:p>
+        </p:txBody>
+      </p:sp>
+      <p:sp>
+        <p:nvSpPr>
+          <p:cNvPr id="8" name="Text Placeholder 3"/>
+          <p:cNvSpPr>
+            <a:spLocks noGrp="1"/>
+          </p:cNvSpPr>
+          <p:nvPr>
+            <p:ph type="body" sz="half" idx="15"/>
+          </p:nvPr>
+        </p:nvSpPr>
+        <p:spPr>
+          <a:xfrm>
+            <a:off x="913794" y="2911624"/>
+            <a:ext cx="3298956" cy="2879576"/>
+          </a:xfrm>
+        </p:spPr>
+        <p:txBody>
+          <a:bodyPr anchor="t">
+            <a:normAutofit/>
+          </a:bodyPr>
+          <a:lstStyle>
+            <a:lvl1pPr marL="0" indent="0" algn="ctr">
+              <a:buNone/>
+              <a:defRPr sz="1400"/>
+            </a:lvl1pPr>
+            <a:lvl2pPr marL="457200" indent="0">
+              <a:buNone/>
+              <a:defRPr sz="1200"/>
+            </a:lvl2pPr>
+            <a:lvl3pPr marL="914400" indent="0">
+              <a:buNone/>
+              <a:defRPr sz="1000"/>
+            </a:lvl3pPr>
+            <a:lvl4pPr marL="1371600" indent="0">
+              <a:buNone/>
+              <a:defRPr sz="900"/>
+            </a:lvl4pPr>
+            <a:lvl5pPr marL="1828800" indent="0">
+              <a:buNone/>
+              <a:defRPr sz="900"/>
+            </a:lvl5pPr>
+            <a:lvl6pPr marL="2286000" indent="0">
+              <a:buNone/>
+              <a:defRPr sz="900"/>
+            </a:lvl6pPr>
+            <a:lvl7pPr marL="2743200" indent="0">
+              <a:buNone/>
+              <a:defRPr sz="900"/>
+            </a:lvl7pPr>
+            <a:lvl8pPr marL="3200400" indent="0">
+              <a:buNone/>
+              <a:defRPr sz="900"/>
+            </a:lvl8pPr>
+            <a:lvl9pPr marL="3657600" indent="0">
+              <a:buNone/>
+              <a:defRPr sz="900"/>
+            </a:lvl9pPr>
+          </a:lstStyle>
+          <a:p>
+            <a:pPr lvl="0"/>
+            <a:r>
+              <a:rPr lang="en-US"/>
+              <a:t>Click to edit Master text styles</a:t>
+            </a:r>
+          </a:p>
+        </p:txBody>
+      </p:sp>
+      <p:sp>
+        <p:nvSpPr>
+          <p:cNvPr id="9" name="Text Placeholder 4"/>
+          <p:cNvSpPr>
+            <a:spLocks noGrp="1"/>
+          </p:cNvSpPr>
+          <p:nvPr>
+            <p:ph type="body" sz="quarter" idx="3"/>
+          </p:nvPr>
+        </p:nvSpPr>
+        <p:spPr>
+          <a:xfrm>
+            <a:off x="4444878" y="2088320"/>
+            <a:ext cx="3298558" cy="823304"/>
+          </a:xfrm>
+        </p:spPr>
+        <p:txBody>
+          <a:bodyPr anchor="b">
+            <a:noAutofit/>
+          </a:bodyPr>
+          <a:lstStyle>
+            <a:lvl1pPr marL="0" indent="0" algn="ctr">
+              <a:lnSpc>
+                <a:spcPct val="100000"/>
+              </a:lnSpc>
+              <a:buNone/>
+              <a:defRPr sz="2400" b="0">
+                <a:solidFill>
+                  <a:schemeClr val="tx1"/>
+                </a:solidFill>
+              </a:defRPr>
+            </a:lvl1pPr>
+            <a:lvl2pPr marL="457200" indent="0">
+              <a:buNone/>
+              <a:defRPr sz="2000" b="1"/>
+            </a:lvl2pPr>
+            <a:lvl3pPr marL="914400" indent="0">
+              <a:buNone/>
+              <a:defRPr sz="1800" b="1"/>
+            </a:lvl3pPr>
+            <a:lvl4pPr marL="1371600" indent="0">
+              <a:buNone/>
+              <a:defRPr sz="1600" b="1"/>
+            </a:lvl4pPr>
+            <a:lvl5pPr marL="1828800" indent="0">
+              <a:buNone/>
+              <a:defRPr sz="1600" b="1"/>
+            </a:lvl5pPr>
+            <a:lvl6pPr marL="2286000" indent="0">
+              <a:buNone/>
+              <a:defRPr sz="1600" b="1"/>
+            </a:lvl6pPr>
+            <a:lvl7pPr marL="2743200" indent="0">
+              <a:buNone/>
+              <a:defRPr sz="1600" b="1"/>
+            </a:lvl7pPr>
+            <a:lvl8pPr marL="3200400" indent="0">
+              <a:buNone/>
+              <a:defRPr sz="1600" b="1"/>
+            </a:lvl8pPr>
+            <a:lvl9pPr marL="3657600" indent="0">
+              <a:buNone/>
+              <a:defRPr sz="1600" b="1"/>
+            </a:lvl9pPr>
+          </a:lstStyle>
+          <a:p>
+            <a:pPr lvl="0"/>
+            <a:r>
+              <a:rPr lang="en-US"/>
+              <a:t>Click to edit Master text styles</a:t>
+            </a:r>
+          </a:p>
+        </p:txBody>
+      </p:sp>
+      <p:sp>
+        <p:nvSpPr>
+          <p:cNvPr id="10" name="Text Placeholder 3"/>
+          <p:cNvSpPr>
+            <a:spLocks noGrp="1"/>
+          </p:cNvSpPr>
+          <p:nvPr>
+            <p:ph type="body" sz="half" idx="16"/>
+          </p:nvPr>
+        </p:nvSpPr>
+        <p:spPr>
+          <a:xfrm>
+            <a:off x="4444878" y="2911624"/>
+            <a:ext cx="3299821" cy="2879576"/>
+          </a:xfrm>
+        </p:spPr>
+        <p:txBody>
+          <a:bodyPr anchor="t">
+            <a:normAutofit/>
+          </a:bodyPr>
+          <a:lstStyle>
+            <a:lvl1pPr marL="0" indent="0" algn="ctr">
+              <a:buNone/>
+              <a:defRPr sz="1400"/>
+            </a:lvl1pPr>
+            <a:lvl2pPr marL="457200" indent="0">
+              <a:buNone/>
+              <a:defRPr sz="1200"/>
+            </a:lvl2pPr>
+            <a:lvl3pPr marL="914400" indent="0">
+              <a:buNone/>
+              <a:defRPr sz="1000"/>
+            </a:lvl3pPr>
+            <a:lvl4pPr marL="1371600" indent="0">
+              <a:buNone/>
+              <a:defRPr sz="900"/>
+            </a:lvl4pPr>
+            <a:lvl5pPr marL="1828800" indent="0">
+              <a:buNone/>
+              <a:defRPr sz="900"/>
+            </a:lvl5pPr>
+            <a:lvl6pPr marL="2286000" indent="0">
+              <a:buNone/>
+              <a:defRPr sz="900"/>
+            </a:lvl6pPr>
+            <a:lvl7pPr marL="2743200" indent="0">
+              <a:buNone/>
+              <a:defRPr sz="900"/>
+            </a:lvl7pPr>
+            <a:lvl8pPr marL="3200400" indent="0">
+              <a:buNone/>
+              <a:defRPr sz="900"/>
+            </a:lvl8pPr>
+            <a:lvl9pPr marL="3657600" indent="0">
+              <a:buNone/>
+              <a:defRPr sz="900"/>
+            </a:lvl9pPr>
+          </a:lstStyle>
+          <a:p>
+            <a:pPr lvl="0"/>
+            <a:r>
+              <a:rPr lang="en-US"/>
+              <a:t>Click to edit Master text styles</a:t>
+            </a:r>
+          </a:p>
+        </p:txBody>
+      </p:sp>
+      <p:sp>
+        <p:nvSpPr>
+          <p:cNvPr id="11" name="Text Placeholder 4"/>
+          <p:cNvSpPr>
+            <a:spLocks noGrp="1"/>
+          </p:cNvSpPr>
+          <p:nvPr>
+            <p:ph type="body" sz="quarter" idx="13"/>
+          </p:nvPr>
+        </p:nvSpPr>
+        <p:spPr>
+          <a:xfrm>
+            <a:off x="7973298" y="2088320"/>
+            <a:ext cx="3291211" cy="823304"/>
+          </a:xfrm>
+        </p:spPr>
+        <p:txBody>
+          <a:bodyPr anchor="b">
+            <a:noAutofit/>
+          </a:bodyPr>
+          <a:lstStyle>
+            <a:lvl1pPr marL="0" indent="0" algn="ctr">
+              <a:lnSpc>
+                <a:spcPct val="100000"/>
+              </a:lnSpc>
+              <a:buNone/>
+              <a:defRPr sz="2400" b="0">
+                <a:solidFill>
+                  <a:schemeClr val="tx1"/>
+                </a:solidFill>
+              </a:defRPr>
+            </a:lvl1pPr>
+            <a:lvl2pPr marL="457200" indent="0">
+              <a:buNone/>
+              <a:defRPr sz="2000" b="1"/>
+            </a:lvl2pPr>
+            <a:lvl3pPr marL="914400" indent="0">
+              <a:buNone/>
+              <a:defRPr sz="1800" b="1"/>
+            </a:lvl3pPr>
+            <a:lvl4pPr marL="1371600" indent="0">
+              <a:buNone/>
+              <a:defRPr sz="1600" b="1"/>
+            </a:lvl4pPr>
+            <a:lvl5pPr marL="1828800" indent="0">
+              <a:buNone/>
+              <a:defRPr sz="1600" b="1"/>
+            </a:lvl5pPr>
+            <a:lvl6pPr marL="2286000" indent="0">
+              <a:buNone/>
+              <a:defRPr sz="1600" b="1"/>
+            </a:lvl6pPr>
+            <a:lvl7pPr marL="2743200" indent="0">
+              <a:buNone/>
+              <a:defRPr sz="1600" b="1"/>
+            </a:lvl7pPr>
+            <a:lvl8pPr marL="3200400" indent="0">
+              <a:buNone/>
+              <a:defRPr sz="1600" b="1"/>
+            </a:lvl8pPr>
+            <a:lvl9pPr marL="3657600" indent="0">
+              <a:buNone/>
+              <a:defRPr sz="1600" b="1"/>
+            </a:lvl9pPr>
+          </a:lstStyle>
+          <a:p>
+            <a:pPr lvl="0"/>
+            <a:r>
+              <a:rPr lang="en-US"/>
+              <a:t>Click to edit Master text styles</a:t>
+            </a:r>
+          </a:p>
+        </p:txBody>
+      </p:sp>
+      <p:sp>
+        <p:nvSpPr>
+          <p:cNvPr id="12" name="Text Placeholder 3"/>
+          <p:cNvSpPr>
+            <a:spLocks noGrp="1"/>
+          </p:cNvSpPr>
+          <p:nvPr>
+            <p:ph type="body" sz="half" idx="17"/>
+          </p:nvPr>
+        </p:nvSpPr>
+        <p:spPr>
+          <a:xfrm>
+            <a:off x="7976346" y="2911624"/>
+            <a:ext cx="3291211" cy="2879576"/>
+          </a:xfrm>
+        </p:spPr>
+        <p:txBody>
+          <a:bodyPr anchor="t">
+            <a:normAutofit/>
+          </a:bodyPr>
+          <a:lstStyle>
+            <a:lvl1pPr marL="0" indent="0" algn="ctr">
+              <a:buNone/>
+              <a:defRPr sz="1400"/>
+            </a:lvl1pPr>
+            <a:lvl2pPr marL="457200" indent="0">
+              <a:buNone/>
+              <a:defRPr sz="1200"/>
+            </a:lvl2pPr>
+            <a:lvl3pPr marL="914400" indent="0">
+              <a:buNone/>
+              <a:defRPr sz="1000"/>
+            </a:lvl3pPr>
+            <a:lvl4pPr marL="1371600" indent="0">
+              <a:buNone/>
+              <a:defRPr sz="900"/>
+            </a:lvl4pPr>
+            <a:lvl5pPr marL="1828800" indent="0">
+              <a:buNone/>
+              <a:defRPr sz="900"/>
+            </a:lvl5pPr>
+            <a:lvl6pPr marL="2286000" indent="0">
+              <a:buNone/>
+              <a:defRPr sz="900"/>
+            </a:lvl6pPr>
+            <a:lvl7pPr marL="2743200" indent="0">
+              <a:buNone/>
+              <a:defRPr sz="900"/>
+            </a:lvl7pPr>
+            <a:lvl8pPr marL="3200400" indent="0">
+              <a:buNone/>
+              <a:defRPr sz="900"/>
+            </a:lvl8pPr>
+            <a:lvl9pPr marL="3657600" indent="0">
+              <a:buNone/>
+              <a:defRPr sz="900"/>
+            </a:lvl9pPr>
+          </a:lstStyle>
+          <a:p>
+            <a:pPr lvl="0"/>
+            <a:r>
+              <a:rPr lang="en-US"/>
+              <a:t>Click to edit Master text styles</a:t>
+            </a:r>
+          </a:p>
+        </p:txBody>
+      </p:sp>
+      <p:sp>
+        <p:nvSpPr>
+          <p:cNvPr id="3" name="Date Placeholder 2"/>
+          <p:cNvSpPr>
+            <a:spLocks noGrp="1"/>
+          </p:cNvSpPr>
+          <p:nvPr>
+            <p:ph type="dt" sz="half" idx="10"/>
+          </p:nvPr>
+        </p:nvSpPr>
+        <p:spPr/>
+        <p:txBody>
+          <a:bodyPr/>
+          <a:lstStyle/>
+          <a:p>
+            <a:fld id="{D3BECD33-38F4-4E83-8EA9-8E9296CD97D4}" type="datetimeFigureOut">
+              <a:rPr lang="en-US" smtClean="0"/>
+              <a:t>3/14/2022</a:t>
+            </a:fld>
+            <a:endParaRPr lang="en-US"/>
+          </a:p>
+        </p:txBody>
+      </p:sp>
+      <p:sp>
+        <p:nvSpPr>
+          <p:cNvPr id="4" name="Footer Placeholder 3"/>
+          <p:cNvSpPr>
+            <a:spLocks noGrp="1"/>
+          </p:cNvSpPr>
+          <p:nvPr>
+            <p:ph type="ftr" sz="quarter" idx="11"/>
+          </p:nvPr>
+        </p:nvSpPr>
+        <p:spPr/>
+        <p:txBody>
+          <a:bodyPr/>
+          <a:lstStyle/>
+          <a:p>
+            <a:endParaRPr lang="en-US"/>
+          </a:p>
+        </p:txBody>
+      </p:sp>
+      <p:sp>
+        <p:nvSpPr>
+          <p:cNvPr id="5" name="Slide Number Placeholder 4"/>
+          <p:cNvSpPr>
+            <a:spLocks noGrp="1"/>
+          </p:cNvSpPr>
+          <p:nvPr>
+            <p:ph type="sldNum" sz="quarter" idx="12"/>
+          </p:nvPr>
+        </p:nvSpPr>
+        <p:spPr/>
+        <p:txBody>
+          <a:bodyPr/>
+          <a:lstStyle/>
+          <a:p>
+            <a:fld id="{C87C900B-3962-49E0-AF3C-E1E75AA9900B}" type="slidenum">
+              <a:rPr lang="en-US" smtClean="0"/>
+              <a:t>‹#›</a:t>
+            </a:fld>
+            <a:endParaRPr lang="en-US"/>
+          </a:p>
+        </p:txBody>
+      </p:sp>
+    </p:spTree>
+    <p:extLst>
+      <p:ext uri="{BB962C8B-B14F-4D97-AF65-F5344CB8AC3E}">
+        <p14:creationId xmlns:p14="http://schemas.microsoft.com/office/powerpoint/2010/main" val="3489018037"/>
+      </p:ext>
+    </p:extLst>
+  </p:cSld>
+  <p:clrMapOvr>
+    <a:masterClrMapping/>
+  </p:clrMapOvr>
+</p:sldLayout>
+</file>
+
+<file path=ppt/slideLayouts/slideLayout15.xml><?xml version="1.0" encoding="utf-8"?>
+<p:sldLayout xmlns:a="http://schemas.openxmlformats.org/drawingml/2006/main" xmlns:r="http://schemas.openxmlformats.org/officeDocument/2006/relationships" xmlns:p="http://schemas.openxmlformats.org/presentationml/2006/main" preserve="1">
+  <p:cSld name="3 Picture Column">
+    <p:spTree>
+      <p:nvGrpSpPr>
+        <p:cNvPr id="1" name=""/>
+        <p:cNvGrpSpPr/>
+        <p:nvPr/>
+      </p:nvGrpSpPr>
+      <p:grpSpPr>
+        <a:xfrm>
+          <a:off x="0" y="0"/>
+          <a:ext cx="0" cy="0"/>
+          <a:chOff x="0" y="0"/>
+          <a:chExt cx="0" cy="0"/>
+        </a:xfrm>
+      </p:grpSpPr>
+      <p:sp>
+        <p:nvSpPr>
+          <p:cNvPr id="30" name="Title 1"/>
+          <p:cNvSpPr>
+            <a:spLocks noGrp="1"/>
+          </p:cNvSpPr>
+          <p:nvPr>
+            <p:ph type="title"/>
+          </p:nvPr>
+        </p:nvSpPr>
+        <p:spPr>
+          <a:xfrm>
+            <a:off x="913795" y="609600"/>
+            <a:ext cx="10353762" cy="1325563"/>
+          </a:xfrm>
+        </p:spPr>
+        <p:txBody>
+          <a:bodyPr/>
+          <a:lstStyle/>
+          <a:p>
+            <a:r>
+              <a:rPr lang="en-US"/>
+              <a:t>Click to edit Master title style</a:t>
+            </a:r>
+            <a:endParaRPr lang="en-US" dirty="0"/>
+          </a:p>
+        </p:txBody>
+      </p:sp>
+      <p:sp>
+        <p:nvSpPr>
+          <p:cNvPr id="19" name="Text Placeholder 2"/>
+          <p:cNvSpPr>
+            <a:spLocks noGrp="1"/>
+          </p:cNvSpPr>
+          <p:nvPr>
+            <p:ph type="body" idx="1"/>
+          </p:nvPr>
+        </p:nvSpPr>
+        <p:spPr>
+          <a:xfrm>
+            <a:off x="913795" y="4195899"/>
+            <a:ext cx="3298955" cy="576262"/>
+          </a:xfrm>
+        </p:spPr>
+        <p:txBody>
+          <a:bodyPr anchor="b">
+            <a:noAutofit/>
+          </a:bodyPr>
+          <a:lstStyle>
+            <a:lvl1pPr marL="0" indent="0" algn="ctr">
+              <a:lnSpc>
+                <a:spcPct val="100000"/>
+              </a:lnSpc>
+              <a:buNone/>
+              <a:defRPr sz="2000" b="0">
+                <a:solidFill>
+                  <a:schemeClr val="tx1"/>
+                </a:solidFill>
+              </a:defRPr>
+            </a:lvl1pPr>
+            <a:lvl2pPr marL="457200" indent="0">
+              <a:buNone/>
+              <a:defRPr sz="2000" b="1"/>
+            </a:lvl2pPr>
+            <a:lvl3pPr marL="914400" indent="0">
+              <a:buNone/>
+              <a:defRPr sz="1800" b="1"/>
+            </a:lvl3pPr>
+            <a:lvl4pPr marL="1371600" indent="0">
+              <a:buNone/>
+              <a:defRPr sz="1600" b="1"/>
+            </a:lvl4pPr>
+            <a:lvl5pPr marL="1828800" indent="0">
+              <a:buNone/>
+              <a:defRPr sz="1600" b="1"/>
+            </a:lvl5pPr>
+            <a:lvl6pPr marL="2286000" indent="0">
+              <a:buNone/>
+              <a:defRPr sz="1600" b="1"/>
+            </a:lvl6pPr>
+            <a:lvl7pPr marL="2743200" indent="0">
+              <a:buNone/>
+              <a:defRPr sz="1600" b="1"/>
+            </a:lvl7pPr>
+            <a:lvl8pPr marL="3200400" indent="0">
+              <a:buNone/>
+              <a:defRPr sz="1600" b="1"/>
+            </a:lvl8pPr>
+            <a:lvl9pPr marL="3657600" indent="0">
+              <a:buNone/>
+              <a:defRPr sz="1600" b="1"/>
+            </a:lvl9pPr>
+          </a:lstStyle>
+          <a:p>
+            <a:pPr lvl="0"/>
+            <a:r>
+              <a:rPr lang="en-US"/>
+              <a:t>Click to edit Master text styles</a:t>
+            </a:r>
+          </a:p>
+        </p:txBody>
+      </p:sp>
+      <p:sp>
+        <p:nvSpPr>
+          <p:cNvPr id="20" name="Picture Placeholder 2"/>
+          <p:cNvSpPr>
+            <a:spLocks noGrp="1" noChangeAspect="1"/>
+          </p:cNvSpPr>
+          <p:nvPr>
+            <p:ph type="pic" idx="15"/>
+          </p:nvPr>
+        </p:nvSpPr>
+        <p:spPr>
+          <a:xfrm>
+            <a:off x="1092020" y="2298987"/>
+            <a:ext cx="2940050" cy="1524000"/>
+          </a:xfrm>
+          <a:prstGeom prst="roundRect">
+            <a:avLst>
+              <a:gd name="adj" fmla="val 0"/>
+            </a:avLst>
+          </a:prstGeom>
+          <a:noFill/>
+          <a:ln w="146050" cap="sq">
+            <a:solidFill>
+              <a:srgbClr val="FFFFFF"/>
+            </a:solidFill>
+            <a:miter lim="800000"/>
+          </a:ln>
+          <a:effectLst>
+            <a:outerShdw blurRad="55000" dist="18000" dir="5400000" algn="tl" rotWithShape="0">
+              <a:srgbClr val="000000">
+                <a:alpha val="40000"/>
+              </a:srgbClr>
+            </a:outerShdw>
+          </a:effectLst>
+          <a:scene3d>
+            <a:camera prst="orthographicFront"/>
+            <a:lightRig rig="twoPt" dir="t">
+              <a:rot lat="0" lon="0" rev="7200000"/>
+            </a:lightRig>
+          </a:scene3d>
+          <a:sp3d>
+            <a:bevelT w="25400" h="19050"/>
+            <a:contourClr>
+              <a:srgbClr val="FFFFFF"/>
+            </a:contourClr>
+          </a:sp3d>
+        </p:spPr>
+        <p:txBody>
+          <a:bodyPr anchor="t">
+            <a:normAutofit/>
+          </a:bodyPr>
+          <a:lstStyle>
+            <a:lvl1pPr marL="0" indent="0" algn="ctr">
+              <a:buNone/>
+              <a:defRPr sz="1600"/>
+            </a:lvl1pPr>
+            <a:lvl2pPr marL="457200" indent="0">
+              <a:buNone/>
+              <a:defRPr sz="1600"/>
+            </a:lvl2pPr>
+            <a:lvl3pPr marL="914400" indent="0">
+              <a:buNone/>
+              <a:defRPr sz="1600"/>
+            </a:lvl3pPr>
+            <a:lvl4pPr marL="1371600" indent="0">
+              <a:buNone/>
+              <a:defRPr sz="1600"/>
+            </a:lvl4pPr>
+            <a:lvl5pPr marL="1828800" indent="0">
+              <a:buNone/>
+              <a:defRPr sz="1600"/>
+            </a:lvl5pPr>
+            <a:lvl6pPr marL="2286000" indent="0">
+              <a:buNone/>
+              <a:defRPr sz="1600"/>
+            </a:lvl6pPr>
+            <a:lvl7pPr marL="2743200" indent="0">
+              <a:buNone/>
+              <a:defRPr sz="1600"/>
+            </a:lvl7pPr>
+            <a:lvl8pPr marL="3200400" indent="0">
+              <a:buNone/>
+              <a:defRPr sz="1600"/>
+            </a:lvl8pPr>
+            <a:lvl9pPr marL="3657600" indent="0">
+              <a:buNone/>
+              <a:defRPr sz="1600"/>
+            </a:lvl9pPr>
+          </a:lstStyle>
+          <a:p>
+            <a:r>
+              <a:rPr lang="en-US"/>
+              <a:t>Click icon to add picture</a:t>
+            </a:r>
+            <a:endParaRPr lang="en-US" dirty="0"/>
+          </a:p>
+        </p:txBody>
+      </p:sp>
+      <p:sp>
+        <p:nvSpPr>
+          <p:cNvPr id="21" name="Text Placeholder 3"/>
+          <p:cNvSpPr>
+            <a:spLocks noGrp="1"/>
+          </p:cNvSpPr>
+          <p:nvPr>
+            <p:ph type="body" sz="half" idx="18"/>
+          </p:nvPr>
+        </p:nvSpPr>
+        <p:spPr>
+          <a:xfrm>
+            <a:off x="913795" y="4772161"/>
+            <a:ext cx="3298955" cy="1019038"/>
+          </a:xfrm>
+        </p:spPr>
+        <p:txBody>
+          <a:bodyPr anchor="t">
+            <a:normAutofit/>
+          </a:bodyPr>
+          <a:lstStyle>
+            <a:lvl1pPr marL="0" indent="0" algn="ctr">
+              <a:buNone/>
+              <a:defRPr sz="1400"/>
+            </a:lvl1pPr>
+            <a:lvl2pPr marL="457200" indent="0">
+              <a:buNone/>
+              <a:defRPr sz="1200"/>
+            </a:lvl2pPr>
+            <a:lvl3pPr marL="914400" indent="0">
+              <a:buNone/>
+              <a:defRPr sz="1000"/>
+            </a:lvl3pPr>
+            <a:lvl4pPr marL="1371600" indent="0">
+              <a:buNone/>
+              <a:defRPr sz="900"/>
+            </a:lvl4pPr>
+            <a:lvl5pPr marL="1828800" indent="0">
+              <a:buNone/>
+              <a:defRPr sz="900"/>
+            </a:lvl5pPr>
+            <a:lvl6pPr marL="2286000" indent="0">
+              <a:buNone/>
+              <a:defRPr sz="900"/>
+            </a:lvl6pPr>
+            <a:lvl7pPr marL="2743200" indent="0">
+              <a:buNone/>
+              <a:defRPr sz="900"/>
+            </a:lvl7pPr>
+            <a:lvl8pPr marL="3200400" indent="0">
+              <a:buNone/>
+              <a:defRPr sz="900"/>
+            </a:lvl8pPr>
+            <a:lvl9pPr marL="3657600" indent="0">
+              <a:buNone/>
+              <a:defRPr sz="900"/>
+            </a:lvl9pPr>
+          </a:lstStyle>
+          <a:p>
+            <a:pPr lvl="0"/>
+            <a:r>
+              <a:rPr lang="en-US"/>
+              <a:t>Click to edit Master text styles</a:t>
+            </a:r>
+          </a:p>
+        </p:txBody>
+      </p:sp>
+      <p:sp>
+        <p:nvSpPr>
+          <p:cNvPr id="22" name="Text Placeholder 4"/>
+          <p:cNvSpPr>
+            <a:spLocks noGrp="1"/>
+          </p:cNvSpPr>
+          <p:nvPr>
+            <p:ph type="body" sz="quarter" idx="3"/>
+          </p:nvPr>
+        </p:nvSpPr>
+        <p:spPr>
+          <a:xfrm>
+            <a:off x="4442701" y="4195899"/>
+            <a:ext cx="3298983" cy="576262"/>
+          </a:xfrm>
+        </p:spPr>
+        <p:txBody>
+          <a:bodyPr anchor="b">
+            <a:noAutofit/>
+          </a:bodyPr>
+          <a:lstStyle>
+            <a:lvl1pPr marL="0" indent="0" algn="ctr">
+              <a:lnSpc>
+                <a:spcPct val="100000"/>
+              </a:lnSpc>
+              <a:buNone/>
+              <a:defRPr sz="2000" b="0">
+                <a:solidFill>
+                  <a:schemeClr val="tx1"/>
+                </a:solidFill>
+              </a:defRPr>
+            </a:lvl1pPr>
+            <a:lvl2pPr marL="457200" indent="0">
+              <a:buNone/>
+              <a:defRPr sz="2000" b="1"/>
+            </a:lvl2pPr>
+            <a:lvl3pPr marL="914400" indent="0">
+              <a:buNone/>
+              <a:defRPr sz="1800" b="1"/>
+            </a:lvl3pPr>
+            <a:lvl4pPr marL="1371600" indent="0">
+              <a:buNone/>
+              <a:defRPr sz="1600" b="1"/>
+            </a:lvl4pPr>
+            <a:lvl5pPr marL="1828800" indent="0">
+              <a:buNone/>
+              <a:defRPr sz="1600" b="1"/>
+            </a:lvl5pPr>
+            <a:lvl6pPr marL="2286000" indent="0">
+              <a:buNone/>
+              <a:defRPr sz="1600" b="1"/>
+            </a:lvl6pPr>
+            <a:lvl7pPr marL="2743200" indent="0">
+              <a:buNone/>
+              <a:defRPr sz="1600" b="1"/>
+            </a:lvl7pPr>
+            <a:lvl8pPr marL="3200400" indent="0">
+              <a:buNone/>
+              <a:defRPr sz="1600" b="1"/>
+            </a:lvl8pPr>
+            <a:lvl9pPr marL="3657600" indent="0">
+              <a:buNone/>
+              <a:defRPr sz="1600" b="1"/>
+            </a:lvl9pPr>
+          </a:lstStyle>
+          <a:p>
+            <a:pPr lvl="0"/>
+            <a:r>
+              <a:rPr lang="en-US"/>
+              <a:t>Click to edit Master text styles</a:t>
+            </a:r>
+          </a:p>
+        </p:txBody>
+      </p:sp>
+      <p:sp>
+        <p:nvSpPr>
+          <p:cNvPr id="23" name="Picture Placeholder 2"/>
+          <p:cNvSpPr>
+            <a:spLocks noGrp="1" noChangeAspect="1"/>
+          </p:cNvSpPr>
+          <p:nvPr>
+            <p:ph type="pic" idx="21"/>
+          </p:nvPr>
+        </p:nvSpPr>
+        <p:spPr>
+          <a:xfrm>
+            <a:off x="4568996" y="2298987"/>
+            <a:ext cx="2930525" cy="1524000"/>
+          </a:xfrm>
+          <a:prstGeom prst="roundRect">
+            <a:avLst>
+              <a:gd name="adj" fmla="val 0"/>
+            </a:avLst>
+          </a:prstGeom>
+          <a:noFill/>
+          <a:ln w="146050" cap="sq">
+            <a:solidFill>
+              <a:srgbClr val="FFFFFF"/>
+            </a:solidFill>
+            <a:miter lim="800000"/>
+          </a:ln>
+          <a:effectLst>
+            <a:outerShdw blurRad="55000" dist="18000" dir="5400000" algn="tl" rotWithShape="0">
+              <a:srgbClr val="000000">
+                <a:alpha val="40000"/>
+              </a:srgbClr>
+            </a:outerShdw>
+          </a:effectLst>
+          <a:scene3d>
+            <a:camera prst="orthographicFront"/>
+            <a:lightRig rig="twoPt" dir="t">
+              <a:rot lat="0" lon="0" rev="7200000"/>
+            </a:lightRig>
+          </a:scene3d>
+          <a:sp3d>
+            <a:bevelT w="25400" h="19050"/>
+            <a:contourClr>
+              <a:srgbClr val="FFFFFF"/>
+            </a:contourClr>
+          </a:sp3d>
+        </p:spPr>
+        <p:txBody>
+          <a:bodyPr anchor="t">
+            <a:normAutofit/>
+          </a:bodyPr>
+          <a:lstStyle>
+            <a:lvl1pPr marL="0" indent="0" algn="ctr">
+              <a:buNone/>
+              <a:defRPr sz="1600"/>
+            </a:lvl1pPr>
+            <a:lvl2pPr marL="457200" indent="0">
+              <a:buNone/>
+              <a:defRPr sz="1600"/>
+            </a:lvl2pPr>
+            <a:lvl3pPr marL="914400" indent="0">
+              <a:buNone/>
+              <a:defRPr sz="1600"/>
+            </a:lvl3pPr>
+            <a:lvl4pPr marL="1371600" indent="0">
+              <a:buNone/>
+              <a:defRPr sz="1600"/>
+            </a:lvl4pPr>
+            <a:lvl5pPr marL="1828800" indent="0">
+              <a:buNone/>
+              <a:defRPr sz="1600"/>
+            </a:lvl5pPr>
+            <a:lvl6pPr marL="2286000" indent="0">
+              <a:buNone/>
+              <a:defRPr sz="1600"/>
+            </a:lvl6pPr>
+            <a:lvl7pPr marL="2743200" indent="0">
+              <a:buNone/>
+              <a:defRPr sz="1600"/>
+            </a:lvl7pPr>
+            <a:lvl8pPr marL="3200400" indent="0">
+              <a:buNone/>
+              <a:defRPr sz="1600"/>
+            </a:lvl8pPr>
+            <a:lvl9pPr marL="3657600" indent="0">
+              <a:buNone/>
+              <a:defRPr sz="1600"/>
+            </a:lvl9pPr>
+          </a:lstStyle>
+          <a:p>
+            <a:r>
+              <a:rPr lang="en-US"/>
+              <a:t>Click icon to add picture</a:t>
+            </a:r>
+            <a:endParaRPr lang="en-US" dirty="0"/>
+          </a:p>
+        </p:txBody>
+      </p:sp>
+      <p:sp>
+        <p:nvSpPr>
+          <p:cNvPr id="24" name="Text Placeholder 3"/>
+          <p:cNvSpPr>
+            <a:spLocks noGrp="1"/>
+          </p:cNvSpPr>
+          <p:nvPr>
+            <p:ph type="body" sz="half" idx="19"/>
+          </p:nvPr>
+        </p:nvSpPr>
+        <p:spPr>
+          <a:xfrm>
+            <a:off x="4441348" y="4772160"/>
+            <a:ext cx="3300336" cy="1019038"/>
+          </a:xfrm>
+        </p:spPr>
+        <p:txBody>
+          <a:bodyPr anchor="t">
+            <a:normAutofit/>
+          </a:bodyPr>
+          <a:lstStyle>
+            <a:lvl1pPr marL="0" indent="0" algn="ctr">
+              <a:buNone/>
+              <a:defRPr sz="1400"/>
+            </a:lvl1pPr>
+            <a:lvl2pPr marL="457200" indent="0">
+              <a:buNone/>
+              <a:defRPr sz="1200"/>
+            </a:lvl2pPr>
+            <a:lvl3pPr marL="914400" indent="0">
+              <a:buNone/>
+              <a:defRPr sz="1000"/>
+            </a:lvl3pPr>
+            <a:lvl4pPr marL="1371600" indent="0">
+              <a:buNone/>
+              <a:defRPr sz="900"/>
+            </a:lvl4pPr>
+            <a:lvl5pPr marL="1828800" indent="0">
+              <a:buNone/>
+              <a:defRPr sz="900"/>
+            </a:lvl5pPr>
+            <a:lvl6pPr marL="2286000" indent="0">
+              <a:buNone/>
+              <a:defRPr sz="900"/>
+            </a:lvl6pPr>
+            <a:lvl7pPr marL="2743200" indent="0">
+              <a:buNone/>
+              <a:defRPr sz="900"/>
+            </a:lvl7pPr>
+            <a:lvl8pPr marL="3200400" indent="0">
+              <a:buNone/>
+              <a:defRPr sz="900"/>
+            </a:lvl8pPr>
+            <a:lvl9pPr marL="3657600" indent="0">
+              <a:buNone/>
+              <a:defRPr sz="900"/>
+            </a:lvl9pPr>
+          </a:lstStyle>
+          <a:p>
+            <a:pPr lvl="0"/>
+            <a:r>
+              <a:rPr lang="en-US"/>
+              <a:t>Click to edit Master text styles</a:t>
+            </a:r>
+          </a:p>
+        </p:txBody>
+      </p:sp>
+      <p:sp>
+        <p:nvSpPr>
+          <p:cNvPr id="25" name="Text Placeholder 4"/>
+          <p:cNvSpPr>
+            <a:spLocks noGrp="1"/>
+          </p:cNvSpPr>
+          <p:nvPr>
+            <p:ph type="body" sz="quarter" idx="13"/>
+          </p:nvPr>
+        </p:nvSpPr>
+        <p:spPr>
+          <a:xfrm>
+            <a:off x="7973423" y="4195899"/>
+            <a:ext cx="3289900" cy="576262"/>
+          </a:xfrm>
+        </p:spPr>
+        <p:txBody>
+          <a:bodyPr anchor="b">
+            <a:noAutofit/>
+          </a:bodyPr>
+          <a:lstStyle>
+            <a:lvl1pPr marL="0" indent="0" algn="ctr">
+              <a:lnSpc>
+                <a:spcPct val="100000"/>
+              </a:lnSpc>
+              <a:buNone/>
+              <a:defRPr sz="2000" b="0">
+                <a:solidFill>
+                  <a:schemeClr val="tx1"/>
+                </a:solidFill>
+              </a:defRPr>
+            </a:lvl1pPr>
+            <a:lvl2pPr marL="457200" indent="0">
+              <a:buNone/>
+              <a:defRPr sz="2000" b="1"/>
+            </a:lvl2pPr>
+            <a:lvl3pPr marL="914400" indent="0">
+              <a:buNone/>
+              <a:defRPr sz="1800" b="1"/>
+            </a:lvl3pPr>
+            <a:lvl4pPr marL="1371600" indent="0">
+              <a:buNone/>
+              <a:defRPr sz="1600" b="1"/>
+            </a:lvl4pPr>
+            <a:lvl5pPr marL="1828800" indent="0">
+              <a:buNone/>
+              <a:defRPr sz="1600" b="1"/>
+            </a:lvl5pPr>
+            <a:lvl6pPr marL="2286000" indent="0">
+              <a:buNone/>
+              <a:defRPr sz="1600" b="1"/>
+            </a:lvl6pPr>
+            <a:lvl7pPr marL="2743200" indent="0">
+              <a:buNone/>
+              <a:defRPr sz="1600" b="1"/>
+            </a:lvl7pPr>
+            <a:lvl8pPr marL="3200400" indent="0">
+              <a:buNone/>
+              <a:defRPr sz="1600" b="1"/>
+            </a:lvl8pPr>
+            <a:lvl9pPr marL="3657600" indent="0">
+              <a:buNone/>
+              <a:defRPr sz="1600" b="1"/>
+            </a:lvl9pPr>
+          </a:lstStyle>
+          <a:p>
+            <a:pPr lvl="0"/>
+            <a:r>
+              <a:rPr lang="en-US"/>
+              <a:t>Click to edit Master text styles</a:t>
+            </a:r>
+          </a:p>
+        </p:txBody>
+      </p:sp>
+      <p:sp>
+        <p:nvSpPr>
+          <p:cNvPr id="26" name="Picture Placeholder 2"/>
+          <p:cNvSpPr>
+            <a:spLocks noGrp="1" noChangeAspect="1"/>
+          </p:cNvSpPr>
+          <p:nvPr>
+            <p:ph type="pic" idx="22"/>
+          </p:nvPr>
+        </p:nvSpPr>
+        <p:spPr>
+          <a:xfrm>
+            <a:off x="8152803" y="2298987"/>
+            <a:ext cx="2932113" cy="1524000"/>
+          </a:xfrm>
+          <a:prstGeom prst="roundRect">
+            <a:avLst>
+              <a:gd name="adj" fmla="val 0"/>
+            </a:avLst>
+          </a:prstGeom>
+          <a:noFill/>
+          <a:ln w="146050" cap="sq">
+            <a:solidFill>
+              <a:srgbClr val="FFFFFF"/>
+            </a:solidFill>
+            <a:miter lim="800000"/>
+          </a:ln>
+          <a:effectLst>
+            <a:outerShdw blurRad="55000" dist="18000" dir="5400000" algn="tl" rotWithShape="0">
+              <a:srgbClr val="000000">
+                <a:alpha val="40000"/>
+              </a:srgbClr>
+            </a:outerShdw>
+          </a:effectLst>
+          <a:scene3d>
+            <a:camera prst="orthographicFront"/>
+            <a:lightRig rig="twoPt" dir="t">
+              <a:rot lat="0" lon="0" rev="7200000"/>
+            </a:lightRig>
+          </a:scene3d>
+          <a:sp3d>
+            <a:bevelT w="25400" h="19050"/>
+            <a:contourClr>
+              <a:srgbClr val="FFFFFF"/>
+            </a:contourClr>
+          </a:sp3d>
+        </p:spPr>
+        <p:txBody>
+          <a:bodyPr anchor="t">
+            <a:normAutofit/>
+          </a:bodyPr>
+          <a:lstStyle>
+            <a:lvl1pPr marL="0" indent="0" algn="ctr">
+              <a:buNone/>
+              <a:defRPr sz="1600"/>
+            </a:lvl1pPr>
+            <a:lvl2pPr marL="457200" indent="0">
+              <a:buNone/>
+              <a:defRPr sz="1600"/>
+            </a:lvl2pPr>
+            <a:lvl3pPr marL="914400" indent="0">
+              <a:buNone/>
+              <a:defRPr sz="1600"/>
+            </a:lvl3pPr>
+            <a:lvl4pPr marL="1371600" indent="0">
+              <a:buNone/>
+              <a:defRPr sz="1600"/>
+            </a:lvl4pPr>
+            <a:lvl5pPr marL="1828800" indent="0">
+              <a:buNone/>
+              <a:defRPr sz="1600"/>
+            </a:lvl5pPr>
+            <a:lvl6pPr marL="2286000" indent="0">
+              <a:buNone/>
+              <a:defRPr sz="1600"/>
+            </a:lvl6pPr>
+            <a:lvl7pPr marL="2743200" indent="0">
+              <a:buNone/>
+              <a:defRPr sz="1600"/>
+            </a:lvl7pPr>
+            <a:lvl8pPr marL="3200400" indent="0">
+              <a:buNone/>
+              <a:defRPr sz="1600"/>
+            </a:lvl8pPr>
+            <a:lvl9pPr marL="3657600" indent="0">
+              <a:buNone/>
+              <a:defRPr sz="1600"/>
+            </a:lvl9pPr>
+          </a:lstStyle>
+          <a:p>
+            <a:r>
+              <a:rPr lang="en-US"/>
+              <a:t>Click icon to add picture</a:t>
+            </a:r>
+            <a:endParaRPr lang="en-US" dirty="0"/>
+          </a:p>
+        </p:txBody>
+      </p:sp>
+      <p:sp>
+        <p:nvSpPr>
+          <p:cNvPr id="27" name="Text Placeholder 3"/>
+          <p:cNvSpPr>
+            <a:spLocks noGrp="1"/>
+          </p:cNvSpPr>
+          <p:nvPr>
+            <p:ph type="body" sz="half" idx="20"/>
+          </p:nvPr>
+        </p:nvSpPr>
+        <p:spPr>
+          <a:xfrm>
+            <a:off x="7973298" y="4772161"/>
+            <a:ext cx="3294258" cy="1019037"/>
+          </a:xfrm>
+        </p:spPr>
+        <p:txBody>
+          <a:bodyPr anchor="t">
+            <a:normAutofit/>
+          </a:bodyPr>
+          <a:lstStyle>
+            <a:lvl1pPr marL="0" indent="0" algn="ctr">
+              <a:buNone/>
+              <a:defRPr sz="1400"/>
+            </a:lvl1pPr>
+            <a:lvl2pPr marL="457200" indent="0">
+              <a:buNone/>
+              <a:defRPr sz="1200"/>
+            </a:lvl2pPr>
+            <a:lvl3pPr marL="914400" indent="0">
+              <a:buNone/>
+              <a:defRPr sz="1000"/>
+            </a:lvl3pPr>
+            <a:lvl4pPr marL="1371600" indent="0">
+              <a:buNone/>
+              <a:defRPr sz="900"/>
+            </a:lvl4pPr>
+            <a:lvl5pPr marL="1828800" indent="0">
+              <a:buNone/>
+              <a:defRPr sz="900"/>
+            </a:lvl5pPr>
+            <a:lvl6pPr marL="2286000" indent="0">
+              <a:buNone/>
+              <a:defRPr sz="900"/>
+            </a:lvl6pPr>
+            <a:lvl7pPr marL="2743200" indent="0">
+              <a:buNone/>
+              <a:defRPr sz="900"/>
+            </a:lvl7pPr>
+            <a:lvl8pPr marL="3200400" indent="0">
+              <a:buNone/>
+              <a:defRPr sz="900"/>
+            </a:lvl8pPr>
+            <a:lvl9pPr marL="3657600" indent="0">
+              <a:buNone/>
+              <a:defRPr sz="900"/>
+            </a:lvl9pPr>
+          </a:lstStyle>
+          <a:p>
+            <a:pPr lvl="0"/>
+            <a:r>
+              <a:rPr lang="en-US"/>
+              <a:t>Click to edit Master text styles</a:t>
+            </a:r>
+          </a:p>
+        </p:txBody>
+      </p:sp>
+      <p:sp>
+        <p:nvSpPr>
+          <p:cNvPr id="3" name="Date Placeholder 2"/>
+          <p:cNvSpPr>
+            <a:spLocks noGrp="1"/>
+          </p:cNvSpPr>
+          <p:nvPr>
+            <p:ph type="dt" sz="half" idx="10"/>
+          </p:nvPr>
+        </p:nvSpPr>
+        <p:spPr/>
+        <p:txBody>
+          <a:bodyPr/>
+          <a:lstStyle/>
+          <a:p>
+            <a:fld id="{D3BECD33-38F4-4E83-8EA9-8E9296CD97D4}" type="datetimeFigureOut">
+              <a:rPr lang="en-US" smtClean="0"/>
+              <a:t>3/14/2022</a:t>
+            </a:fld>
+            <a:endParaRPr lang="en-US"/>
+          </a:p>
+        </p:txBody>
+      </p:sp>
+      <p:sp>
+        <p:nvSpPr>
+          <p:cNvPr id="4" name="Footer Placeholder 3"/>
+          <p:cNvSpPr>
+            <a:spLocks noGrp="1"/>
+          </p:cNvSpPr>
+          <p:nvPr>
+            <p:ph type="ftr" sz="quarter" idx="11"/>
+          </p:nvPr>
+        </p:nvSpPr>
+        <p:spPr/>
+        <p:txBody>
+          <a:bodyPr/>
+          <a:lstStyle/>
+          <a:p>
+            <a:endParaRPr lang="en-US"/>
+          </a:p>
+        </p:txBody>
+      </p:sp>
+      <p:sp>
+        <p:nvSpPr>
+          <p:cNvPr id="5" name="Slide Number Placeholder 4"/>
+          <p:cNvSpPr>
+            <a:spLocks noGrp="1"/>
+          </p:cNvSpPr>
+          <p:nvPr>
+            <p:ph type="sldNum" sz="quarter" idx="12"/>
+          </p:nvPr>
+        </p:nvSpPr>
+        <p:spPr/>
+        <p:txBody>
+          <a:bodyPr/>
+          <a:lstStyle/>
+          <a:p>
+            <a:fld id="{C87C900B-3962-49E0-AF3C-E1E75AA9900B}" type="slidenum">
+              <a:rPr lang="en-US" smtClean="0"/>
+              <a:t>‹#›</a:t>
+            </a:fld>
+            <a:endParaRPr lang="en-US"/>
+          </a:p>
+        </p:txBody>
+      </p:sp>
+    </p:spTree>
+    <p:extLst>
+      <p:ext uri="{BB962C8B-B14F-4D97-AF65-F5344CB8AC3E}">
+        <p14:creationId xmlns:p14="http://schemas.microsoft.com/office/powerpoint/2010/main" val="3582559013"/>
+      </p:ext>
+    </p:extLst>
+  </p:cSld>
+  <p:clrMapOvr>
+    <a:masterClrMapping/>
+  </p:clrMapOvr>
+</p:sldLayout>
+</file>
+
+<file path=ppt/slideLayouts/slideLayout16.xml><?xml version="1.0" encoding="utf-8"?>
 <p:sldLayout xmlns:a="http://schemas.openxmlformats.org/drawingml/2006/main" xmlns:r="http://schemas.openxmlformats.org/officeDocument/2006/relationships" xmlns:p="http://schemas.openxmlformats.org/presentationml/2006/main" type="vertTx" preserve="1">
   <p:cSld name="Title and Vertical Text">
     <p:spTree>
@@ -570,13 +3095,7 @@
       </p:grpSpPr>
       <p:sp>
         <p:nvSpPr>
-          <p:cNvPr id="2" name="Title 1">
-            <a:extLst>
-              <a:ext uri="{FF2B5EF4-FFF2-40B4-BE49-F238E27FC236}">
-                <a16:creationId xmlns:a16="http://schemas.microsoft.com/office/drawing/2014/main" id="{C81A6A2A-41B5-42D9-AD65-70D404F6698D}"/>
-              </a:ext>
-            </a:extLst>
-          </p:cNvPr>
+          <p:cNvPr id="2" name="Title 1"/>
           <p:cNvSpPr>
             <a:spLocks noGrp="1"/>
           </p:cNvSpPr>
@@ -593,18 +3112,13 @@
               <a:rPr lang="en-US"/>
               <a:t>Click to edit Master title style</a:t>
             </a:r>
-          </a:p>
-        </p:txBody>
-      </p:sp>
-      <p:sp>
-        <p:nvSpPr>
-          <p:cNvPr id="3" name="Vertical Text Placeholder 2">
-            <a:extLst>
-              <a:ext uri="{FF2B5EF4-FFF2-40B4-BE49-F238E27FC236}">
-                <a16:creationId xmlns:a16="http://schemas.microsoft.com/office/drawing/2014/main" id="{45919960-B5B6-45F7-8F65-6073C21C98FC}"/>
-              </a:ext>
-            </a:extLst>
-          </p:cNvPr>
+            <a:endParaRPr lang="en-US" dirty="0"/>
+          </a:p>
+        </p:txBody>
+      </p:sp>
+      <p:sp>
+        <p:nvSpPr>
+          <p:cNvPr id="3" name="Vertical Text Placeholder 2"/>
           <p:cNvSpPr>
             <a:spLocks noGrp="1"/>
           </p:cNvSpPr>
@@ -650,18 +3164,13 @@
               <a:rPr lang="en-US"/>
               <a:t>Fifth level</a:t>
             </a:r>
-          </a:p>
-        </p:txBody>
-      </p:sp>
-      <p:sp>
-        <p:nvSpPr>
-          <p:cNvPr id="4" name="Date Placeholder 3">
-            <a:extLst>
-              <a:ext uri="{FF2B5EF4-FFF2-40B4-BE49-F238E27FC236}">
-                <a16:creationId xmlns:a16="http://schemas.microsoft.com/office/drawing/2014/main" id="{FCF207CC-3E19-4C8D-AE25-6B3EB540727D}"/>
-              </a:ext>
-            </a:extLst>
-          </p:cNvPr>
+            <a:endParaRPr lang="en-US" dirty="0"/>
+          </a:p>
+        </p:txBody>
+      </p:sp>
+      <p:sp>
+        <p:nvSpPr>
+          <p:cNvPr id="4" name="Date Placeholder 3"/>
           <p:cNvSpPr>
             <a:spLocks noGrp="1"/>
           </p:cNvSpPr>
@@ -684,13 +3193,7 @@
       </p:sp>
       <p:sp>
         <p:nvSpPr>
-          <p:cNvPr id="5" name="Footer Placeholder 4">
-            <a:extLst>
-              <a:ext uri="{FF2B5EF4-FFF2-40B4-BE49-F238E27FC236}">
-                <a16:creationId xmlns:a16="http://schemas.microsoft.com/office/drawing/2014/main" id="{C5185ED8-E3A3-4BE8-81A7-8FE3E143CB38}"/>
-              </a:ext>
-            </a:extLst>
-          </p:cNvPr>
+          <p:cNvPr id="5" name="Footer Placeholder 4"/>
           <p:cNvSpPr>
             <a:spLocks noGrp="1"/>
           </p:cNvSpPr>
@@ -709,13 +3212,7 @@
       </p:sp>
       <p:sp>
         <p:nvSpPr>
-          <p:cNvPr id="6" name="Slide Number Placeholder 5">
-            <a:extLst>
-              <a:ext uri="{FF2B5EF4-FFF2-40B4-BE49-F238E27FC236}">
-                <a16:creationId xmlns:a16="http://schemas.microsoft.com/office/drawing/2014/main" id="{1BDE769F-C5C4-4078-A8C7-A2EEF50B78C5}"/>
-              </a:ext>
-            </a:extLst>
-          </p:cNvPr>
+          <p:cNvPr id="6" name="Slide Number Placeholder 5"/>
           <p:cNvSpPr>
             <a:spLocks noGrp="1"/>
           </p:cNvSpPr>
@@ -739,7 +3236,7 @@
     </p:spTree>
     <p:extLst>
       <p:ext uri="{BB962C8B-B14F-4D97-AF65-F5344CB8AC3E}">
-        <p14:creationId xmlns:p14="http://schemas.microsoft.com/office/powerpoint/2010/main" val="2858216729"/>
+        <p14:creationId xmlns:p14="http://schemas.microsoft.com/office/powerpoint/2010/main" val="2472941755"/>
       </p:ext>
     </p:extLst>
   </p:cSld>
@@ -749,7 +3246,7 @@
 </p:sldLayout>
 </file>
 
-<file path=ppt/slideLayouts/slideLayout11.xml><?xml version="1.0" encoding="utf-8"?>
+<file path=ppt/slideLayouts/slideLayout17.xml><?xml version="1.0" encoding="utf-8"?>
 <p:sldLayout xmlns:a="http://schemas.openxmlformats.org/drawingml/2006/main" xmlns:r="http://schemas.openxmlformats.org/officeDocument/2006/relationships" xmlns:p="http://schemas.openxmlformats.org/presentationml/2006/main" type="vertTitleAndTx" preserve="1">
   <p:cSld name="Vertical Title and Text">
     <p:spTree>
@@ -768,13 +3265,7 @@
       </p:grpSpPr>
       <p:sp>
         <p:nvSpPr>
-          <p:cNvPr id="2" name="Vertical Title 1">
-            <a:extLst>
-              <a:ext uri="{FF2B5EF4-FFF2-40B4-BE49-F238E27FC236}">
-                <a16:creationId xmlns:a16="http://schemas.microsoft.com/office/drawing/2014/main" id="{24A132D5-8329-4586-8F3C-037576A0B516}"/>
-              </a:ext>
-            </a:extLst>
-          </p:cNvPr>
+          <p:cNvPr id="2" name="Vertical Title 1"/>
           <p:cNvSpPr>
             <a:spLocks noGrp="1"/>
           </p:cNvSpPr>
@@ -784,30 +3275,29 @@
         </p:nvSpPr>
         <p:spPr>
           <a:xfrm>
-            <a:off x="8724900" y="365125"/>
-            <a:ext cx="2628900" cy="5811838"/>
+            <a:off x="8724900" y="609599"/>
+            <a:ext cx="2542657" cy="5181601"/>
           </a:xfrm>
         </p:spPr>
         <p:txBody>
           <a:bodyPr vert="eaVert"/>
-          <a:lstStyle/>
+          <a:lstStyle>
+            <a:lvl1pPr algn="l">
+              <a:defRPr/>
+            </a:lvl1pPr>
+          </a:lstStyle>
           <a:p>
             <a:r>
               <a:rPr lang="en-US"/>
               <a:t>Click to edit Master title style</a:t>
             </a:r>
-          </a:p>
-        </p:txBody>
-      </p:sp>
-      <p:sp>
-        <p:nvSpPr>
-          <p:cNvPr id="3" name="Vertical Text Placeholder 2">
-            <a:extLst>
-              <a:ext uri="{FF2B5EF4-FFF2-40B4-BE49-F238E27FC236}">
-                <a16:creationId xmlns:a16="http://schemas.microsoft.com/office/drawing/2014/main" id="{35DF4253-6B85-4196-A965-BAF70365F027}"/>
-              </a:ext>
-            </a:extLst>
-          </p:cNvPr>
+            <a:endParaRPr lang="en-US" dirty="0"/>
+          </a:p>
+        </p:txBody>
+      </p:sp>
+      <p:sp>
+        <p:nvSpPr>
+          <p:cNvPr id="3" name="Vertical Text Placeholder 2"/>
           <p:cNvSpPr>
             <a:spLocks noGrp="1"/>
           </p:cNvSpPr>
@@ -817,8 +3307,8 @@
         </p:nvSpPr>
         <p:spPr>
           <a:xfrm>
-            <a:off x="838200" y="365125"/>
-            <a:ext cx="7734300" cy="5811838"/>
+            <a:off x="913794" y="609599"/>
+            <a:ext cx="7658705" cy="5181601"/>
           </a:xfrm>
         </p:spPr>
         <p:txBody>
@@ -858,18 +3348,13 @@
               <a:rPr lang="en-US"/>
               <a:t>Fifth level</a:t>
             </a:r>
-          </a:p>
-        </p:txBody>
-      </p:sp>
-      <p:sp>
-        <p:nvSpPr>
-          <p:cNvPr id="4" name="Date Placeholder 3">
-            <a:extLst>
-              <a:ext uri="{FF2B5EF4-FFF2-40B4-BE49-F238E27FC236}">
-                <a16:creationId xmlns:a16="http://schemas.microsoft.com/office/drawing/2014/main" id="{C7EC5689-82E7-4132-831A-473E2F0CC961}"/>
-              </a:ext>
-            </a:extLst>
-          </p:cNvPr>
+            <a:endParaRPr lang="en-US" dirty="0"/>
+          </a:p>
+        </p:txBody>
+      </p:sp>
+      <p:sp>
+        <p:nvSpPr>
+          <p:cNvPr id="4" name="Date Placeholder 3"/>
           <p:cNvSpPr>
             <a:spLocks noGrp="1"/>
           </p:cNvSpPr>
@@ -892,13 +3377,7 @@
       </p:sp>
       <p:sp>
         <p:nvSpPr>
-          <p:cNvPr id="5" name="Footer Placeholder 4">
-            <a:extLst>
-              <a:ext uri="{FF2B5EF4-FFF2-40B4-BE49-F238E27FC236}">
-                <a16:creationId xmlns:a16="http://schemas.microsoft.com/office/drawing/2014/main" id="{3DF678F1-FAF2-4565-8A71-0659C5DB906B}"/>
-              </a:ext>
-            </a:extLst>
-          </p:cNvPr>
+          <p:cNvPr id="5" name="Footer Placeholder 4"/>
           <p:cNvSpPr>
             <a:spLocks noGrp="1"/>
           </p:cNvSpPr>
@@ -917,13 +3396,7 @@
       </p:sp>
       <p:sp>
         <p:nvSpPr>
-          <p:cNvPr id="6" name="Slide Number Placeholder 5">
-            <a:extLst>
-              <a:ext uri="{FF2B5EF4-FFF2-40B4-BE49-F238E27FC236}">
-                <a16:creationId xmlns:a16="http://schemas.microsoft.com/office/drawing/2014/main" id="{35F24DAA-DA1A-4B20-BC27-FDA7FA32BFAB}"/>
-              </a:ext>
-            </a:extLst>
-          </p:cNvPr>
+          <p:cNvPr id="6" name="Slide Number Placeholder 5"/>
           <p:cNvSpPr>
             <a:spLocks noGrp="1"/>
           </p:cNvSpPr>
@@ -947,7 +3420,7 @@
     </p:spTree>
     <p:extLst>
       <p:ext uri="{BB962C8B-B14F-4D97-AF65-F5344CB8AC3E}">
-        <p14:creationId xmlns:p14="http://schemas.microsoft.com/office/powerpoint/2010/main" val="3323121898"/>
+        <p14:creationId xmlns:p14="http://schemas.microsoft.com/office/powerpoint/2010/main" val="2527043716"/>
       </p:ext>
     </p:extLst>
   </p:cSld>
@@ -976,13 +3449,7 @@
       </p:grpSpPr>
       <p:sp>
         <p:nvSpPr>
-          <p:cNvPr id="2" name="Title 1">
-            <a:extLst>
-              <a:ext uri="{FF2B5EF4-FFF2-40B4-BE49-F238E27FC236}">
-                <a16:creationId xmlns:a16="http://schemas.microsoft.com/office/drawing/2014/main" id="{70E513B9-A4B4-428A-BE9B-9C58F110719B}"/>
-              </a:ext>
-            </a:extLst>
-          </p:cNvPr>
+          <p:cNvPr id="2" name="Title 1"/>
           <p:cNvSpPr>
             <a:spLocks noGrp="1"/>
           </p:cNvSpPr>
@@ -999,18 +3466,13 @@
               <a:rPr lang="en-US"/>
               <a:t>Click to edit Master title style</a:t>
             </a:r>
-          </a:p>
-        </p:txBody>
-      </p:sp>
-      <p:sp>
-        <p:nvSpPr>
-          <p:cNvPr id="3" name="Content Placeholder 2">
-            <a:extLst>
-              <a:ext uri="{FF2B5EF4-FFF2-40B4-BE49-F238E27FC236}">
-                <a16:creationId xmlns:a16="http://schemas.microsoft.com/office/drawing/2014/main" id="{9422480B-204E-453B-9FBF-774AE564C9BA}"/>
-              </a:ext>
-            </a:extLst>
-          </p:cNvPr>
+            <a:endParaRPr lang="en-US" dirty="0"/>
+          </a:p>
+        </p:txBody>
+      </p:sp>
+      <p:sp>
+        <p:nvSpPr>
+          <p:cNvPr id="3" name="Content Placeholder 2"/>
           <p:cNvSpPr>
             <a:spLocks noGrp="1"/>
           </p:cNvSpPr>
@@ -1056,18 +3518,13 @@
               <a:rPr lang="en-US"/>
               <a:t>Fifth level</a:t>
             </a:r>
-          </a:p>
-        </p:txBody>
-      </p:sp>
-      <p:sp>
-        <p:nvSpPr>
-          <p:cNvPr id="4" name="Date Placeholder 3">
-            <a:extLst>
-              <a:ext uri="{FF2B5EF4-FFF2-40B4-BE49-F238E27FC236}">
-                <a16:creationId xmlns:a16="http://schemas.microsoft.com/office/drawing/2014/main" id="{FC8BD6FD-7421-4D44-A38A-0009D74F4DA9}"/>
-              </a:ext>
-            </a:extLst>
-          </p:cNvPr>
+            <a:endParaRPr lang="en-US" dirty="0"/>
+          </a:p>
+        </p:txBody>
+      </p:sp>
+      <p:sp>
+        <p:nvSpPr>
+          <p:cNvPr id="4" name="Date Placeholder 3"/>
           <p:cNvSpPr>
             <a:spLocks noGrp="1"/>
           </p:cNvSpPr>
@@ -1090,13 +3547,7 @@
       </p:sp>
       <p:sp>
         <p:nvSpPr>
-          <p:cNvPr id="5" name="Footer Placeholder 4">
-            <a:extLst>
-              <a:ext uri="{FF2B5EF4-FFF2-40B4-BE49-F238E27FC236}">
-                <a16:creationId xmlns:a16="http://schemas.microsoft.com/office/drawing/2014/main" id="{2B9048DA-2B39-4F2D-BBD7-2CCC7E5B0DC8}"/>
-              </a:ext>
-            </a:extLst>
-          </p:cNvPr>
+          <p:cNvPr id="5" name="Footer Placeholder 4"/>
           <p:cNvSpPr>
             <a:spLocks noGrp="1"/>
           </p:cNvSpPr>
@@ -1115,13 +3566,7 @@
       </p:sp>
       <p:sp>
         <p:nvSpPr>
-          <p:cNvPr id="6" name="Slide Number Placeholder 5">
-            <a:extLst>
-              <a:ext uri="{FF2B5EF4-FFF2-40B4-BE49-F238E27FC236}">
-                <a16:creationId xmlns:a16="http://schemas.microsoft.com/office/drawing/2014/main" id="{89965C90-F907-4687-A3C6-7F506E2B2C34}"/>
-              </a:ext>
-            </a:extLst>
-          </p:cNvPr>
+          <p:cNvPr id="6" name="Slide Number Placeholder 5"/>
           <p:cNvSpPr>
             <a:spLocks noGrp="1"/>
           </p:cNvSpPr>
@@ -1145,7 +3590,7 @@
     </p:spTree>
     <p:extLst>
       <p:ext uri="{BB962C8B-B14F-4D97-AF65-F5344CB8AC3E}">
-        <p14:creationId xmlns:p14="http://schemas.microsoft.com/office/powerpoint/2010/main" val="2985150988"/>
+        <p14:creationId xmlns:p14="http://schemas.microsoft.com/office/powerpoint/2010/main" val="863243569"/>
       </p:ext>
     </p:extLst>
   </p:cSld>
@@ -1174,13 +3619,7 @@
       </p:grpSpPr>
       <p:sp>
         <p:nvSpPr>
-          <p:cNvPr id="2" name="Title 1">
-            <a:extLst>
-              <a:ext uri="{FF2B5EF4-FFF2-40B4-BE49-F238E27FC236}">
-                <a16:creationId xmlns:a16="http://schemas.microsoft.com/office/drawing/2014/main" id="{044EEBB6-DE20-4A3A-B641-5240A634BACB}"/>
-              </a:ext>
-            </a:extLst>
-          </p:cNvPr>
+          <p:cNvPr id="2" name="Title 1"/>
           <p:cNvSpPr>
             <a:spLocks noGrp="1"/>
           </p:cNvSpPr>
@@ -1190,15 +3629,17 @@
         </p:nvSpPr>
         <p:spPr>
           <a:xfrm>
-            <a:off x="831850" y="1709738"/>
-            <a:ext cx="10515600" cy="2852737"/>
+            <a:off x="1229244" y="657226"/>
+            <a:ext cx="9733512" cy="2852737"/>
           </a:xfrm>
         </p:spPr>
         <p:txBody>
-          <a:bodyPr anchor="b"/>
+          <a:bodyPr anchor="b">
+            <a:normAutofit/>
+          </a:bodyPr>
           <a:lstStyle>
             <a:lvl1pPr>
-              <a:defRPr sz="6000"/>
+              <a:defRPr sz="3400"/>
             </a:lvl1pPr>
           </a:lstStyle>
           <a:p>
@@ -1206,18 +3647,13 @@
               <a:rPr lang="en-US"/>
               <a:t>Click to edit Master title style</a:t>
             </a:r>
-          </a:p>
-        </p:txBody>
-      </p:sp>
-      <p:sp>
-        <p:nvSpPr>
-          <p:cNvPr id="3" name="Text Placeholder 2">
-            <a:extLst>
-              <a:ext uri="{FF2B5EF4-FFF2-40B4-BE49-F238E27FC236}">
-                <a16:creationId xmlns:a16="http://schemas.microsoft.com/office/drawing/2014/main" id="{153B0F76-79DA-4D7A-8C41-01DAA9860197}"/>
-              </a:ext>
-            </a:extLst>
-          </p:cNvPr>
+            <a:endParaRPr lang="en-US" dirty="0"/>
+          </a:p>
+        </p:txBody>
+      </p:sp>
+      <p:sp>
+        <p:nvSpPr>
+          <p:cNvPr id="3" name="Text Placeholder 2"/>
           <p:cNvSpPr>
             <a:spLocks noGrp="1"/>
           </p:cNvSpPr>
@@ -1227,14 +3663,14 @@
         </p:nvSpPr>
         <p:spPr>
           <a:xfrm>
-            <a:off x="831850" y="4589463"/>
-            <a:ext cx="10515600" cy="1500187"/>
+            <a:off x="1229244" y="3602038"/>
+            <a:ext cx="9733512" cy="1500187"/>
           </a:xfrm>
         </p:spPr>
         <p:txBody>
           <a:bodyPr/>
           <a:lstStyle>
-            <a:lvl1pPr marL="0" indent="0">
+            <a:lvl1pPr marL="0" indent="0" algn="ctr">
               <a:buNone/>
               <a:defRPr sz="2400">
                 <a:solidFill>
@@ -1336,13 +3772,7 @@
       </p:sp>
       <p:sp>
         <p:nvSpPr>
-          <p:cNvPr id="4" name="Date Placeholder 3">
-            <a:extLst>
-              <a:ext uri="{FF2B5EF4-FFF2-40B4-BE49-F238E27FC236}">
-                <a16:creationId xmlns:a16="http://schemas.microsoft.com/office/drawing/2014/main" id="{6755CD92-49B9-4B71-8BE5-2A873F412B1D}"/>
-              </a:ext>
-            </a:extLst>
-          </p:cNvPr>
+          <p:cNvPr id="4" name="Date Placeholder 3"/>
           <p:cNvSpPr>
             <a:spLocks noGrp="1"/>
           </p:cNvSpPr>
@@ -1365,13 +3795,7 @@
       </p:sp>
       <p:sp>
         <p:nvSpPr>
-          <p:cNvPr id="5" name="Footer Placeholder 4">
-            <a:extLst>
-              <a:ext uri="{FF2B5EF4-FFF2-40B4-BE49-F238E27FC236}">
-                <a16:creationId xmlns:a16="http://schemas.microsoft.com/office/drawing/2014/main" id="{FA94D8A8-020A-4F2B-BE67-CBDB513680A1}"/>
-              </a:ext>
-            </a:extLst>
-          </p:cNvPr>
+          <p:cNvPr id="5" name="Footer Placeholder 4"/>
           <p:cNvSpPr>
             <a:spLocks noGrp="1"/>
           </p:cNvSpPr>
@@ -1390,13 +3814,7 @@
       </p:sp>
       <p:sp>
         <p:nvSpPr>
-          <p:cNvPr id="6" name="Slide Number Placeholder 5">
-            <a:extLst>
-              <a:ext uri="{FF2B5EF4-FFF2-40B4-BE49-F238E27FC236}">
-                <a16:creationId xmlns:a16="http://schemas.microsoft.com/office/drawing/2014/main" id="{AB41E851-AD0F-4F93-BFDB-0D5446FD000B}"/>
-              </a:ext>
-            </a:extLst>
-          </p:cNvPr>
+          <p:cNvPr id="6" name="Slide Number Placeholder 5"/>
           <p:cNvSpPr>
             <a:spLocks noGrp="1"/>
           </p:cNvSpPr>
@@ -1420,7 +3838,7 @@
     </p:spTree>
     <p:extLst>
       <p:ext uri="{BB962C8B-B14F-4D97-AF65-F5344CB8AC3E}">
-        <p14:creationId xmlns:p14="http://schemas.microsoft.com/office/powerpoint/2010/main" val="3749867192"/>
+        <p14:creationId xmlns:p14="http://schemas.microsoft.com/office/powerpoint/2010/main" val="4219992973"/>
       </p:ext>
     </p:extLst>
   </p:cSld>
@@ -1449,114 +3867,46 @@
       </p:grpSpPr>
       <p:sp>
         <p:nvSpPr>
-          <p:cNvPr id="2" name="Title 1">
-            <a:extLst>
-              <a:ext uri="{FF2B5EF4-FFF2-40B4-BE49-F238E27FC236}">
-                <a16:creationId xmlns:a16="http://schemas.microsoft.com/office/drawing/2014/main" id="{F9934ED6-DED1-486D-9908-80461AA3AC36}"/>
-              </a:ext>
-            </a:extLst>
-          </p:cNvPr>
+          <p:cNvPr id="2" name="Title 1"/>
           <p:cNvSpPr>
             <a:spLocks noGrp="1"/>
           </p:cNvSpPr>
           <p:nvPr>
             <p:ph type="title"/>
-          </p:nvPr>
-        </p:nvSpPr>
-        <p:spPr/>
-        <p:txBody>
-          <a:bodyPr/>
-          <a:lstStyle/>
-          <a:p>
-            <a:r>
-              <a:rPr lang="en-US"/>
-              <a:t>Click to edit Master title style</a:t>
-            </a:r>
-          </a:p>
-        </p:txBody>
-      </p:sp>
-      <p:sp>
-        <p:nvSpPr>
-          <p:cNvPr id="3" name="Content Placeholder 2">
-            <a:extLst>
-              <a:ext uri="{FF2B5EF4-FFF2-40B4-BE49-F238E27FC236}">
-                <a16:creationId xmlns:a16="http://schemas.microsoft.com/office/drawing/2014/main" id="{DF125938-480D-491C-9575-761B282ED5EC}"/>
-              </a:ext>
-            </a:extLst>
-          </p:cNvPr>
-          <p:cNvSpPr>
-            <a:spLocks noGrp="1"/>
-          </p:cNvSpPr>
-          <p:nvPr>
-            <p:ph sz="half" idx="1"/>
           </p:nvPr>
         </p:nvSpPr>
         <p:spPr>
           <a:xfrm>
-            <a:off x="838200" y="1825625"/>
-            <a:ext cx="5181600" cy="4351338"/>
+            <a:off x="913795" y="609600"/>
+            <a:ext cx="10353761" cy="1326321"/>
           </a:xfrm>
         </p:spPr>
         <p:txBody>
           <a:bodyPr/>
           <a:lstStyle/>
           <a:p>
-            <a:pPr lvl="0"/>
-            <a:r>
-              <a:rPr lang="en-US"/>
-              <a:t>Click to edit Master text styles</a:t>
-            </a:r>
-          </a:p>
-          <a:p>
-            <a:pPr lvl="1"/>
-            <a:r>
-              <a:rPr lang="en-US"/>
-              <a:t>Second level</a:t>
-            </a:r>
-          </a:p>
-          <a:p>
-            <a:pPr lvl="2"/>
-            <a:r>
-              <a:rPr lang="en-US"/>
-              <a:t>Third level</a:t>
-            </a:r>
-          </a:p>
-          <a:p>
-            <a:pPr lvl="3"/>
-            <a:r>
-              <a:rPr lang="en-US"/>
-              <a:t>Fourth level</a:t>
-            </a:r>
-          </a:p>
-          <a:p>
-            <a:pPr lvl="4"/>
-            <a:r>
-              <a:rPr lang="en-US"/>
-              <a:t>Fifth level</a:t>
-            </a:r>
-          </a:p>
-        </p:txBody>
-      </p:sp>
-      <p:sp>
-        <p:nvSpPr>
-          <p:cNvPr id="4" name="Content Placeholder 3">
-            <a:extLst>
-              <a:ext uri="{FF2B5EF4-FFF2-40B4-BE49-F238E27FC236}">
-                <a16:creationId xmlns:a16="http://schemas.microsoft.com/office/drawing/2014/main" id="{C1DC80E1-EFC1-4C31-8743-868D180C4BD2}"/>
-              </a:ext>
-            </a:extLst>
-          </p:cNvPr>
-          <p:cNvSpPr>
-            <a:spLocks noGrp="1"/>
-          </p:cNvSpPr>
-          <p:nvPr>
-            <p:ph sz="half" idx="2"/>
+            <a:r>
+              <a:rPr lang="en-US"/>
+              <a:t>Click to edit Master title style</a:t>
+            </a:r>
+            <a:endParaRPr lang="en-US" dirty="0"/>
+          </a:p>
+        </p:txBody>
+      </p:sp>
+      <p:sp>
+        <p:nvSpPr>
+          <p:cNvPr id="3" name="Content Placeholder 2"/>
+          <p:cNvSpPr>
+            <a:spLocks noGrp="1"/>
+          </p:cNvSpPr>
+          <p:nvPr>
+            <p:ph sz="half" idx="1"/>
           </p:nvPr>
         </p:nvSpPr>
         <p:spPr>
           <a:xfrm>
-            <a:off x="6172200" y="1825625"/>
-            <a:ext cx="5181600" cy="4351338"/>
+            <a:off x="913795" y="2088319"/>
+            <a:ext cx="5106004" cy="3702881"/>
           </a:xfrm>
         </p:spPr>
         <p:txBody>
@@ -1596,18 +3946,70 @@
               <a:rPr lang="en-US"/>
               <a:t>Fifth level</a:t>
             </a:r>
-          </a:p>
-        </p:txBody>
-      </p:sp>
-      <p:sp>
-        <p:nvSpPr>
-          <p:cNvPr id="5" name="Date Placeholder 4">
-            <a:extLst>
-              <a:ext uri="{FF2B5EF4-FFF2-40B4-BE49-F238E27FC236}">
-                <a16:creationId xmlns:a16="http://schemas.microsoft.com/office/drawing/2014/main" id="{34D89C92-6995-4BAA-9EFD-2A8CC578FB70}"/>
-              </a:ext>
-            </a:extLst>
-          </p:cNvPr>
+            <a:endParaRPr lang="en-US" dirty="0"/>
+          </a:p>
+        </p:txBody>
+      </p:sp>
+      <p:sp>
+        <p:nvSpPr>
+          <p:cNvPr id="4" name="Content Placeholder 3"/>
+          <p:cNvSpPr>
+            <a:spLocks noGrp="1"/>
+          </p:cNvSpPr>
+          <p:nvPr>
+            <p:ph sz="half" idx="2"/>
+          </p:nvPr>
+        </p:nvSpPr>
+        <p:spPr>
+          <a:xfrm>
+            <a:off x="6173403" y="2088319"/>
+            <a:ext cx="5094154" cy="3702881"/>
+          </a:xfrm>
+        </p:spPr>
+        <p:txBody>
+          <a:bodyPr/>
+          <a:lstStyle/>
+          <a:p>
+            <a:pPr lvl="0"/>
+            <a:r>
+              <a:rPr lang="en-US"/>
+              <a:t>Click to edit Master text styles</a:t>
+            </a:r>
+          </a:p>
+          <a:p>
+            <a:pPr lvl="1"/>
+            <a:r>
+              <a:rPr lang="en-US"/>
+              <a:t>Second level</a:t>
+            </a:r>
+          </a:p>
+          <a:p>
+            <a:pPr lvl="2"/>
+            <a:r>
+              <a:rPr lang="en-US"/>
+              <a:t>Third level</a:t>
+            </a:r>
+          </a:p>
+          <a:p>
+            <a:pPr lvl="3"/>
+            <a:r>
+              <a:rPr lang="en-US"/>
+              <a:t>Fourth level</a:t>
+            </a:r>
+          </a:p>
+          <a:p>
+            <a:pPr lvl="4"/>
+            <a:r>
+              <a:rPr lang="en-US"/>
+              <a:t>Fifth level</a:t>
+            </a:r>
+            <a:endParaRPr lang="en-US" dirty="0"/>
+          </a:p>
+        </p:txBody>
+      </p:sp>
+      <p:sp>
+        <p:nvSpPr>
+          <p:cNvPr id="5" name="Date Placeholder 4"/>
           <p:cNvSpPr>
             <a:spLocks noGrp="1"/>
           </p:cNvSpPr>
@@ -1630,13 +4032,7 @@
       </p:sp>
       <p:sp>
         <p:nvSpPr>
-          <p:cNvPr id="6" name="Footer Placeholder 5">
-            <a:extLst>
-              <a:ext uri="{FF2B5EF4-FFF2-40B4-BE49-F238E27FC236}">
-                <a16:creationId xmlns:a16="http://schemas.microsoft.com/office/drawing/2014/main" id="{D0EA9F10-72BD-4810-BBC4-2830E4165C98}"/>
-              </a:ext>
-            </a:extLst>
-          </p:cNvPr>
+          <p:cNvPr id="6" name="Footer Placeholder 5"/>
           <p:cNvSpPr>
             <a:spLocks noGrp="1"/>
           </p:cNvSpPr>
@@ -1655,13 +4051,7 @@
       </p:sp>
       <p:sp>
         <p:nvSpPr>
-          <p:cNvPr id="7" name="Slide Number Placeholder 6">
-            <a:extLst>
-              <a:ext uri="{FF2B5EF4-FFF2-40B4-BE49-F238E27FC236}">
-                <a16:creationId xmlns:a16="http://schemas.microsoft.com/office/drawing/2014/main" id="{FDBBA662-FC79-44EB-A962-97A375390219}"/>
-              </a:ext>
-            </a:extLst>
-          </p:cNvPr>
+          <p:cNvPr id="7" name="Slide Number Placeholder 6"/>
           <p:cNvSpPr>
             <a:spLocks noGrp="1"/>
           </p:cNvSpPr>
@@ -1685,7 +4075,7 @@
     </p:spTree>
     <p:extLst>
       <p:ext uri="{BB962C8B-B14F-4D97-AF65-F5344CB8AC3E}">
-        <p14:creationId xmlns:p14="http://schemas.microsoft.com/office/powerpoint/2010/main" val="925997420"/>
+        <p14:creationId xmlns:p14="http://schemas.microsoft.com/office/powerpoint/2010/main" val="1290705252"/>
       </p:ext>
     </p:extLst>
   </p:cSld>
@@ -1714,13 +4104,7 @@
       </p:grpSpPr>
       <p:sp>
         <p:nvSpPr>
-          <p:cNvPr id="2" name="Title 1">
-            <a:extLst>
-              <a:ext uri="{FF2B5EF4-FFF2-40B4-BE49-F238E27FC236}">
-                <a16:creationId xmlns:a16="http://schemas.microsoft.com/office/drawing/2014/main" id="{EDDAE746-0874-42B0-98AC-7671212EAF08}"/>
-              </a:ext>
-            </a:extLst>
-          </p:cNvPr>
+          <p:cNvPr id="2" name="Title 1"/>
           <p:cNvSpPr>
             <a:spLocks noGrp="1"/>
           </p:cNvSpPr>
@@ -1730,8 +4114,8 @@
         </p:nvSpPr>
         <p:spPr>
           <a:xfrm>
-            <a:off x="839788" y="365125"/>
-            <a:ext cx="10515600" cy="1325563"/>
+            <a:off x="913795" y="609600"/>
+            <a:ext cx="10353761" cy="1325563"/>
           </a:xfrm>
         </p:spPr>
         <p:txBody>
@@ -1742,18 +4126,13 @@
               <a:rPr lang="en-US"/>
               <a:t>Click to edit Master title style</a:t>
             </a:r>
-          </a:p>
-        </p:txBody>
-      </p:sp>
-      <p:sp>
-        <p:nvSpPr>
-          <p:cNvPr id="3" name="Text Placeholder 2">
-            <a:extLst>
-              <a:ext uri="{FF2B5EF4-FFF2-40B4-BE49-F238E27FC236}">
-                <a16:creationId xmlns:a16="http://schemas.microsoft.com/office/drawing/2014/main" id="{38A0E473-AE6F-47CA-AD07-D0CC4D032DE9}"/>
-              </a:ext>
-            </a:extLst>
-          </p:cNvPr>
+            <a:endParaRPr lang="en-US" dirty="0"/>
+          </a:p>
+        </p:txBody>
+      </p:sp>
+      <p:sp>
+        <p:nvSpPr>
+          <p:cNvPr id="3" name="Text Placeholder 2"/>
           <p:cNvSpPr>
             <a:spLocks noGrp="1"/>
           </p:cNvSpPr>
@@ -1763,14 +4142,17 @@
         </p:nvSpPr>
         <p:spPr>
           <a:xfrm>
-            <a:off x="839788" y="1681163"/>
-            <a:ext cx="5157787" cy="823912"/>
+            <a:off x="1141804" y="2088320"/>
+            <a:ext cx="4879199" cy="823912"/>
           </a:xfrm>
         </p:spPr>
         <p:txBody>
           <a:bodyPr anchor="b"/>
           <a:lstStyle>
             <a:lvl1pPr marL="0" indent="0">
+              <a:lnSpc>
+                <a:spcPct val="100000"/>
+              </a:lnSpc>
               <a:buNone/>
               <a:defRPr sz="2400" b="1"/>
             </a:lvl1pPr>
@@ -1818,13 +4200,7 @@
       </p:sp>
       <p:sp>
         <p:nvSpPr>
-          <p:cNvPr id="4" name="Content Placeholder 3">
-            <a:extLst>
-              <a:ext uri="{FF2B5EF4-FFF2-40B4-BE49-F238E27FC236}">
-                <a16:creationId xmlns:a16="http://schemas.microsoft.com/office/drawing/2014/main" id="{0D813497-F940-47EB-BD5A-F67FB6548384}"/>
-              </a:ext>
-            </a:extLst>
-          </p:cNvPr>
+          <p:cNvPr id="4" name="Content Placeholder 3"/>
           <p:cNvSpPr>
             <a:spLocks noGrp="1"/>
           </p:cNvSpPr>
@@ -1834,8 +4210,8 @@
         </p:nvSpPr>
         <p:spPr>
           <a:xfrm>
-            <a:off x="839788" y="2505075"/>
-            <a:ext cx="5157787" cy="3684588"/>
+            <a:off x="913795" y="2912232"/>
+            <a:ext cx="5107208" cy="2878968"/>
           </a:xfrm>
         </p:spPr>
         <p:txBody>
@@ -1875,18 +4251,13 @@
               <a:rPr lang="en-US"/>
               <a:t>Fifth level</a:t>
             </a:r>
-          </a:p>
-        </p:txBody>
-      </p:sp>
-      <p:sp>
-        <p:nvSpPr>
-          <p:cNvPr id="5" name="Text Placeholder 4">
-            <a:extLst>
-              <a:ext uri="{FF2B5EF4-FFF2-40B4-BE49-F238E27FC236}">
-                <a16:creationId xmlns:a16="http://schemas.microsoft.com/office/drawing/2014/main" id="{1AD85A4A-8AC4-44C4-965B-A7EAB1D08059}"/>
-              </a:ext>
-            </a:extLst>
-          </p:cNvPr>
+            <a:endParaRPr lang="en-US" dirty="0"/>
+          </a:p>
+        </p:txBody>
+      </p:sp>
+      <p:sp>
+        <p:nvSpPr>
+          <p:cNvPr id="5" name="Text Placeholder 4"/>
           <p:cNvSpPr>
             <a:spLocks noGrp="1"/>
           </p:cNvSpPr>
@@ -1896,14 +4267,17 @@
         </p:nvSpPr>
         <p:spPr>
           <a:xfrm>
-            <a:off x="6172200" y="1681163"/>
-            <a:ext cx="5183188" cy="823912"/>
+            <a:off x="6402003" y="2088320"/>
+            <a:ext cx="4865554" cy="823912"/>
           </a:xfrm>
         </p:spPr>
         <p:txBody>
           <a:bodyPr anchor="b"/>
           <a:lstStyle>
             <a:lvl1pPr marL="0" indent="0">
+              <a:lnSpc>
+                <a:spcPct val="100000"/>
+              </a:lnSpc>
               <a:buNone/>
               <a:defRPr sz="2400" b="1"/>
             </a:lvl1pPr>
@@ -1951,13 +4325,7 @@
       </p:sp>
       <p:sp>
         <p:nvSpPr>
-          <p:cNvPr id="6" name="Content Placeholder 5">
-            <a:extLst>
-              <a:ext uri="{FF2B5EF4-FFF2-40B4-BE49-F238E27FC236}">
-                <a16:creationId xmlns:a16="http://schemas.microsoft.com/office/drawing/2014/main" id="{F650CE18-423D-45CD-BC74-00FC00E4B463}"/>
-              </a:ext>
-            </a:extLst>
-          </p:cNvPr>
+          <p:cNvPr id="6" name="Content Placeholder 5"/>
           <p:cNvSpPr>
             <a:spLocks noGrp="1"/>
           </p:cNvSpPr>
@@ -1967,8 +4335,8 @@
         </p:nvSpPr>
         <p:spPr>
           <a:xfrm>
-            <a:off x="6172200" y="2505075"/>
-            <a:ext cx="5183188" cy="3684588"/>
+            <a:off x="6172200" y="2912232"/>
+            <a:ext cx="5095357" cy="2878968"/>
           </a:xfrm>
         </p:spPr>
         <p:txBody>
@@ -2008,18 +4376,13 @@
               <a:rPr lang="en-US"/>
               <a:t>Fifth level</a:t>
             </a:r>
-          </a:p>
-        </p:txBody>
-      </p:sp>
-      <p:sp>
-        <p:nvSpPr>
-          <p:cNvPr id="7" name="Date Placeholder 6">
-            <a:extLst>
-              <a:ext uri="{FF2B5EF4-FFF2-40B4-BE49-F238E27FC236}">
-                <a16:creationId xmlns:a16="http://schemas.microsoft.com/office/drawing/2014/main" id="{65463923-A353-46A3-969F-8627C3DD2E25}"/>
-              </a:ext>
-            </a:extLst>
-          </p:cNvPr>
+            <a:endParaRPr lang="en-US" dirty="0"/>
+          </a:p>
+        </p:txBody>
+      </p:sp>
+      <p:sp>
+        <p:nvSpPr>
+          <p:cNvPr id="7" name="Date Placeholder 6"/>
           <p:cNvSpPr>
             <a:spLocks noGrp="1"/>
           </p:cNvSpPr>
@@ -2042,13 +4405,7 @@
       </p:sp>
       <p:sp>
         <p:nvSpPr>
-          <p:cNvPr id="8" name="Footer Placeholder 7">
-            <a:extLst>
-              <a:ext uri="{FF2B5EF4-FFF2-40B4-BE49-F238E27FC236}">
-                <a16:creationId xmlns:a16="http://schemas.microsoft.com/office/drawing/2014/main" id="{FA9D300E-E313-4B39-9829-8B58F5565122}"/>
-              </a:ext>
-            </a:extLst>
-          </p:cNvPr>
+          <p:cNvPr id="8" name="Footer Placeholder 7"/>
           <p:cNvSpPr>
             <a:spLocks noGrp="1"/>
           </p:cNvSpPr>
@@ -2067,13 +4424,7 @@
       </p:sp>
       <p:sp>
         <p:nvSpPr>
-          <p:cNvPr id="9" name="Slide Number Placeholder 8">
-            <a:extLst>
-              <a:ext uri="{FF2B5EF4-FFF2-40B4-BE49-F238E27FC236}">
-                <a16:creationId xmlns:a16="http://schemas.microsoft.com/office/drawing/2014/main" id="{69B60546-0D3B-42E7-94F4-AFB4AED43468}"/>
-              </a:ext>
-            </a:extLst>
-          </p:cNvPr>
+          <p:cNvPr id="9" name="Slide Number Placeholder 8"/>
           <p:cNvSpPr>
             <a:spLocks noGrp="1"/>
           </p:cNvSpPr>
@@ -2097,7 +4448,7 @@
     </p:spTree>
     <p:extLst>
       <p:ext uri="{BB962C8B-B14F-4D97-AF65-F5344CB8AC3E}">
-        <p14:creationId xmlns:p14="http://schemas.microsoft.com/office/powerpoint/2010/main" val="3190183633"/>
+        <p14:creationId xmlns:p14="http://schemas.microsoft.com/office/powerpoint/2010/main" val="958353265"/>
       </p:ext>
     </p:extLst>
   </p:cSld>
@@ -2126,13 +4477,7 @@
       </p:grpSpPr>
       <p:sp>
         <p:nvSpPr>
-          <p:cNvPr id="2" name="Title 1">
-            <a:extLst>
-              <a:ext uri="{FF2B5EF4-FFF2-40B4-BE49-F238E27FC236}">
-                <a16:creationId xmlns:a16="http://schemas.microsoft.com/office/drawing/2014/main" id="{A920ED13-C879-4336-B9A3-166494B6B8A3}"/>
-              </a:ext>
-            </a:extLst>
-          </p:cNvPr>
+          <p:cNvPr id="2" name="Title 1"/>
           <p:cNvSpPr>
             <a:spLocks noGrp="1"/>
           </p:cNvSpPr>
@@ -2149,18 +4494,13 @@
               <a:rPr lang="en-US"/>
               <a:t>Click to edit Master title style</a:t>
             </a:r>
-          </a:p>
-        </p:txBody>
-      </p:sp>
-      <p:sp>
-        <p:nvSpPr>
-          <p:cNvPr id="3" name="Date Placeholder 2">
-            <a:extLst>
-              <a:ext uri="{FF2B5EF4-FFF2-40B4-BE49-F238E27FC236}">
-                <a16:creationId xmlns:a16="http://schemas.microsoft.com/office/drawing/2014/main" id="{45F8999E-39D8-4F48-BF81-35010BF41F77}"/>
-              </a:ext>
-            </a:extLst>
-          </p:cNvPr>
+            <a:endParaRPr lang="en-US" dirty="0"/>
+          </a:p>
+        </p:txBody>
+      </p:sp>
+      <p:sp>
+        <p:nvSpPr>
+          <p:cNvPr id="3" name="Date Placeholder 2"/>
           <p:cNvSpPr>
             <a:spLocks noGrp="1"/>
           </p:cNvSpPr>
@@ -2183,13 +4523,7 @@
       </p:sp>
       <p:sp>
         <p:nvSpPr>
-          <p:cNvPr id="4" name="Footer Placeholder 3">
-            <a:extLst>
-              <a:ext uri="{FF2B5EF4-FFF2-40B4-BE49-F238E27FC236}">
-                <a16:creationId xmlns:a16="http://schemas.microsoft.com/office/drawing/2014/main" id="{FC1DBEEC-1E29-44AC-934A-6EFC0E060835}"/>
-              </a:ext>
-            </a:extLst>
-          </p:cNvPr>
+          <p:cNvPr id="4" name="Footer Placeholder 3"/>
           <p:cNvSpPr>
             <a:spLocks noGrp="1"/>
           </p:cNvSpPr>
@@ -2208,13 +4542,7 @@
       </p:sp>
       <p:sp>
         <p:nvSpPr>
-          <p:cNvPr id="5" name="Slide Number Placeholder 4">
-            <a:extLst>
-              <a:ext uri="{FF2B5EF4-FFF2-40B4-BE49-F238E27FC236}">
-                <a16:creationId xmlns:a16="http://schemas.microsoft.com/office/drawing/2014/main" id="{27D8734F-5D2E-4A72-846C-F17FA74F06A9}"/>
-              </a:ext>
-            </a:extLst>
-          </p:cNvPr>
+          <p:cNvPr id="5" name="Slide Number Placeholder 4"/>
           <p:cNvSpPr>
             <a:spLocks noGrp="1"/>
           </p:cNvSpPr>
@@ -2238,7 +4566,7 @@
     </p:spTree>
     <p:extLst>
       <p:ext uri="{BB962C8B-B14F-4D97-AF65-F5344CB8AC3E}">
-        <p14:creationId xmlns:p14="http://schemas.microsoft.com/office/powerpoint/2010/main" val="1868766096"/>
+        <p14:creationId xmlns:p14="http://schemas.microsoft.com/office/powerpoint/2010/main" val="2576031147"/>
       </p:ext>
     </p:extLst>
   </p:cSld>
@@ -2267,13 +4595,7 @@
       </p:grpSpPr>
       <p:sp>
         <p:nvSpPr>
-          <p:cNvPr id="2" name="Date Placeholder 1">
-            <a:extLst>
-              <a:ext uri="{FF2B5EF4-FFF2-40B4-BE49-F238E27FC236}">
-                <a16:creationId xmlns:a16="http://schemas.microsoft.com/office/drawing/2014/main" id="{AD674061-EE0D-4A58-8EED-9A4F2158199E}"/>
-              </a:ext>
-            </a:extLst>
-          </p:cNvPr>
+          <p:cNvPr id="2" name="Date Placeholder 1"/>
           <p:cNvSpPr>
             <a:spLocks noGrp="1"/>
           </p:cNvSpPr>
@@ -2296,13 +4618,7 @@
       </p:sp>
       <p:sp>
         <p:nvSpPr>
-          <p:cNvPr id="3" name="Footer Placeholder 2">
-            <a:extLst>
-              <a:ext uri="{FF2B5EF4-FFF2-40B4-BE49-F238E27FC236}">
-                <a16:creationId xmlns:a16="http://schemas.microsoft.com/office/drawing/2014/main" id="{525A77E0-05EF-4B3E-970C-3C2B219BEC84}"/>
-              </a:ext>
-            </a:extLst>
-          </p:cNvPr>
+          <p:cNvPr id="3" name="Footer Placeholder 2"/>
           <p:cNvSpPr>
             <a:spLocks noGrp="1"/>
           </p:cNvSpPr>
@@ -2321,13 +4637,7 @@
       </p:sp>
       <p:sp>
         <p:nvSpPr>
-          <p:cNvPr id="4" name="Slide Number Placeholder 3">
-            <a:extLst>
-              <a:ext uri="{FF2B5EF4-FFF2-40B4-BE49-F238E27FC236}">
-                <a16:creationId xmlns:a16="http://schemas.microsoft.com/office/drawing/2014/main" id="{478A59AE-B999-457B-B34E-8FB79E232A5E}"/>
-              </a:ext>
-            </a:extLst>
-          </p:cNvPr>
+          <p:cNvPr id="4" name="Slide Number Placeholder 3"/>
           <p:cNvSpPr>
             <a:spLocks noGrp="1"/>
           </p:cNvSpPr>
@@ -2351,7 +4661,7 @@
     </p:spTree>
     <p:extLst>
       <p:ext uri="{BB962C8B-B14F-4D97-AF65-F5344CB8AC3E}">
-        <p14:creationId xmlns:p14="http://schemas.microsoft.com/office/powerpoint/2010/main" val="136441531"/>
+        <p14:creationId xmlns:p14="http://schemas.microsoft.com/office/powerpoint/2010/main" val="724196765"/>
       </p:ext>
     </p:extLst>
   </p:cSld>
@@ -2380,13 +4690,7 @@
       </p:grpSpPr>
       <p:sp>
         <p:nvSpPr>
-          <p:cNvPr id="2" name="Title 1">
-            <a:extLst>
-              <a:ext uri="{FF2B5EF4-FFF2-40B4-BE49-F238E27FC236}">
-                <a16:creationId xmlns:a16="http://schemas.microsoft.com/office/drawing/2014/main" id="{CA325972-DAB0-4356-A57B-37CE13757C48}"/>
-              </a:ext>
-            </a:extLst>
-          </p:cNvPr>
+          <p:cNvPr id="2" name="Title 1"/>
           <p:cNvSpPr>
             <a:spLocks noGrp="1"/>
           </p:cNvSpPr>
@@ -2396,15 +4700,17 @@
         </p:nvSpPr>
         <p:spPr>
           <a:xfrm>
-            <a:off x="839788" y="457200"/>
-            <a:ext cx="3932237" cy="1600200"/>
+            <a:off x="917228" y="609600"/>
+            <a:ext cx="3932237" cy="2362200"/>
           </a:xfrm>
         </p:spPr>
         <p:txBody>
-          <a:bodyPr anchor="b"/>
+          <a:bodyPr anchor="b">
+            <a:normAutofit/>
+          </a:bodyPr>
           <a:lstStyle>
             <a:lvl1pPr>
-              <a:defRPr sz="3200"/>
+              <a:defRPr sz="2800"/>
             </a:lvl1pPr>
           </a:lstStyle>
           <a:p>
@@ -2412,18 +4718,13 @@
               <a:rPr lang="en-US"/>
               <a:t>Click to edit Master title style</a:t>
             </a:r>
-          </a:p>
-        </p:txBody>
-      </p:sp>
-      <p:sp>
-        <p:nvSpPr>
-          <p:cNvPr id="3" name="Content Placeholder 2">
-            <a:extLst>
-              <a:ext uri="{FF2B5EF4-FFF2-40B4-BE49-F238E27FC236}">
-                <a16:creationId xmlns:a16="http://schemas.microsoft.com/office/drawing/2014/main" id="{F78BC2F8-64DC-48F1-8F9D-C20F565D7C7A}"/>
-              </a:ext>
-            </a:extLst>
-          </p:cNvPr>
+            <a:endParaRPr lang="en-US" dirty="0"/>
+          </a:p>
+        </p:txBody>
+      </p:sp>
+      <p:sp>
+        <p:nvSpPr>
+          <p:cNvPr id="3" name="Content Placeholder 2"/>
           <p:cNvSpPr>
             <a:spLocks noGrp="1"/>
           </p:cNvSpPr>
@@ -2433,41 +4734,13 @@
         </p:nvSpPr>
         <p:spPr>
           <a:xfrm>
-            <a:off x="5183188" y="987425"/>
-            <a:ext cx="6172200" cy="4873625"/>
+            <a:off x="5078064" y="609600"/>
+            <a:ext cx="6189492" cy="5181600"/>
           </a:xfrm>
         </p:spPr>
         <p:txBody>
-          <a:bodyPr/>
-          <a:lstStyle>
-            <a:lvl1pPr>
-              <a:defRPr sz="3200"/>
-            </a:lvl1pPr>
-            <a:lvl2pPr>
-              <a:defRPr sz="2800"/>
-            </a:lvl2pPr>
-            <a:lvl3pPr>
-              <a:defRPr sz="2400"/>
-            </a:lvl3pPr>
-            <a:lvl4pPr>
-              <a:defRPr sz="2000"/>
-            </a:lvl4pPr>
-            <a:lvl5pPr>
-              <a:defRPr sz="2000"/>
-            </a:lvl5pPr>
-            <a:lvl6pPr>
-              <a:defRPr sz="2000"/>
-            </a:lvl6pPr>
-            <a:lvl7pPr>
-              <a:defRPr sz="2000"/>
-            </a:lvl7pPr>
-            <a:lvl8pPr>
-              <a:defRPr sz="2000"/>
-            </a:lvl8pPr>
-            <a:lvl9pPr>
-              <a:defRPr sz="2000"/>
-            </a:lvl9pPr>
-          </a:lstStyle>
+          <a:bodyPr anchor="ctr"/>
+          <a:lstStyle/>
           <a:p>
             <a:pPr lvl="0"/>
             <a:r>
@@ -2502,18 +4775,13 @@
               <a:rPr lang="en-US"/>
               <a:t>Fifth level</a:t>
             </a:r>
-          </a:p>
-        </p:txBody>
-      </p:sp>
-      <p:sp>
-        <p:nvSpPr>
-          <p:cNvPr id="4" name="Text Placeholder 3">
-            <a:extLst>
-              <a:ext uri="{FF2B5EF4-FFF2-40B4-BE49-F238E27FC236}">
-                <a16:creationId xmlns:a16="http://schemas.microsoft.com/office/drawing/2014/main" id="{803DC685-EF43-4D95-AB79-2ADA3B308C98}"/>
-              </a:ext>
-            </a:extLst>
-          </p:cNvPr>
+            <a:endParaRPr lang="en-US" dirty="0"/>
+          </a:p>
+        </p:txBody>
+      </p:sp>
+      <p:sp>
+        <p:nvSpPr>
+          <p:cNvPr id="4" name="Text Placeholder 3"/>
           <p:cNvSpPr>
             <a:spLocks noGrp="1"/>
           </p:cNvSpPr>
@@ -2523,14 +4791,14 @@
         </p:nvSpPr>
         <p:spPr>
           <a:xfrm>
-            <a:off x="839788" y="2057400"/>
-            <a:ext cx="3932237" cy="3811588"/>
+            <a:off x="917228" y="2971800"/>
+            <a:ext cx="3932237" cy="2819399"/>
           </a:xfrm>
         </p:spPr>
         <p:txBody>
           <a:bodyPr/>
           <a:lstStyle>
-            <a:lvl1pPr marL="0" indent="0">
+            <a:lvl1pPr marL="0" indent="0" algn="ctr">
               <a:buNone/>
               <a:defRPr sz="1600"/>
             </a:lvl1pPr>
@@ -2578,13 +4846,7 @@
       </p:sp>
       <p:sp>
         <p:nvSpPr>
-          <p:cNvPr id="5" name="Date Placeholder 4">
-            <a:extLst>
-              <a:ext uri="{FF2B5EF4-FFF2-40B4-BE49-F238E27FC236}">
-                <a16:creationId xmlns:a16="http://schemas.microsoft.com/office/drawing/2014/main" id="{77B26923-8336-4628-B4EC-D9A82D338B73}"/>
-              </a:ext>
-            </a:extLst>
-          </p:cNvPr>
+          <p:cNvPr id="5" name="Date Placeholder 4"/>
           <p:cNvSpPr>
             <a:spLocks noGrp="1"/>
           </p:cNvSpPr>
@@ -2607,13 +4869,7 @@
       </p:sp>
       <p:sp>
         <p:nvSpPr>
-          <p:cNvPr id="6" name="Footer Placeholder 5">
-            <a:extLst>
-              <a:ext uri="{FF2B5EF4-FFF2-40B4-BE49-F238E27FC236}">
-                <a16:creationId xmlns:a16="http://schemas.microsoft.com/office/drawing/2014/main" id="{8B87DBA2-C113-477E-A45D-3B7055FEE7CD}"/>
-              </a:ext>
-            </a:extLst>
-          </p:cNvPr>
+          <p:cNvPr id="6" name="Footer Placeholder 5"/>
           <p:cNvSpPr>
             <a:spLocks noGrp="1"/>
           </p:cNvSpPr>
@@ -2632,13 +4888,7 @@
       </p:sp>
       <p:sp>
         <p:nvSpPr>
-          <p:cNvPr id="7" name="Slide Number Placeholder 6">
-            <a:extLst>
-              <a:ext uri="{FF2B5EF4-FFF2-40B4-BE49-F238E27FC236}">
-                <a16:creationId xmlns:a16="http://schemas.microsoft.com/office/drawing/2014/main" id="{585B6543-CB62-47D1-B1FB-2621C9C0F2A7}"/>
-              </a:ext>
-            </a:extLst>
-          </p:cNvPr>
+          <p:cNvPr id="7" name="Slide Number Placeholder 6"/>
           <p:cNvSpPr>
             <a:spLocks noGrp="1"/>
           </p:cNvSpPr>
@@ -2662,7 +4912,7 @@
     </p:spTree>
     <p:extLst>
       <p:ext uri="{BB962C8B-B14F-4D97-AF65-F5344CB8AC3E}">
-        <p14:creationId xmlns:p14="http://schemas.microsoft.com/office/powerpoint/2010/main" val="277837625"/>
+        <p14:creationId xmlns:p14="http://schemas.microsoft.com/office/powerpoint/2010/main" val="3819164052"/>
       </p:ext>
     </p:extLst>
   </p:cSld>
@@ -2691,13 +4941,7 @@
       </p:grpSpPr>
       <p:sp>
         <p:nvSpPr>
-          <p:cNvPr id="2" name="Title 1">
-            <a:extLst>
-              <a:ext uri="{FF2B5EF4-FFF2-40B4-BE49-F238E27FC236}">
-                <a16:creationId xmlns:a16="http://schemas.microsoft.com/office/drawing/2014/main" id="{8EC6CF84-3CDF-4BF0-8192-563FADEDA5DA}"/>
-              </a:ext>
-            </a:extLst>
-          </p:cNvPr>
+          <p:cNvPr id="2" name="Title 1"/>
           <p:cNvSpPr>
             <a:spLocks noGrp="1"/>
           </p:cNvSpPr>
@@ -2707,12 +4951,14 @@
         </p:nvSpPr>
         <p:spPr>
           <a:xfrm>
-            <a:off x="839788" y="457200"/>
-            <a:ext cx="3932237" cy="1600200"/>
+            <a:off x="917227" y="609600"/>
+            <a:ext cx="5929773" cy="2362200"/>
           </a:xfrm>
         </p:spPr>
         <p:txBody>
-          <a:bodyPr anchor="b"/>
+          <a:bodyPr anchor="b">
+            <a:normAutofit/>
+          </a:bodyPr>
           <a:lstStyle>
             <a:lvl1pPr>
               <a:defRPr sz="3200"/>
@@ -2723,20 +4969,15 @@
               <a:rPr lang="en-US"/>
               <a:t>Click to edit Master title style</a:t>
             </a:r>
-          </a:p>
-        </p:txBody>
-      </p:sp>
-      <p:sp>
-        <p:nvSpPr>
-          <p:cNvPr id="3" name="Picture Placeholder 2">
-            <a:extLst>
-              <a:ext uri="{FF2B5EF4-FFF2-40B4-BE49-F238E27FC236}">
-                <a16:creationId xmlns:a16="http://schemas.microsoft.com/office/drawing/2014/main" id="{951C25BD-936A-4437-8363-DB4A6C583B42}"/>
-              </a:ext>
-            </a:extLst>
-          </p:cNvPr>
-          <p:cNvSpPr>
-            <a:spLocks noGrp="1"/>
+            <a:endParaRPr lang="en-US" dirty="0"/>
+          </a:p>
+        </p:txBody>
+      </p:sp>
+      <p:sp>
+        <p:nvSpPr>
+          <p:cNvPr id="3" name="Picture Placeholder 2"/>
+          <p:cNvSpPr>
+            <a:spLocks noGrp="1" noChangeAspect="1"/>
           </p:cNvSpPr>
           <p:nvPr>
             <p:ph type="pic" idx="1"/>
@@ -2744,14 +4985,40 @@
         </p:nvSpPr>
         <p:spPr>
           <a:xfrm>
-            <a:off x="5183188" y="987425"/>
-            <a:ext cx="6172200" cy="4873625"/>
+            <a:off x="7424804" y="758881"/>
+            <a:ext cx="3255356" cy="4883038"/>
           </a:xfrm>
+          <a:noFill/>
+          <a:ln w="190500" cap="sq">
+            <a:solidFill>
+              <a:srgbClr val="FFFFFF"/>
+            </a:solidFill>
+            <a:miter lim="800000"/>
+          </a:ln>
+          <a:effectLst>
+            <a:outerShdw blurRad="55000" dist="18000" dir="5400000" algn="tl" rotWithShape="0">
+              <a:srgbClr val="000000">
+                <a:alpha val="40000"/>
+              </a:srgbClr>
+            </a:outerShdw>
+          </a:effectLst>
+          <a:scene3d>
+            <a:camera prst="orthographicFront"/>
+            <a:lightRig rig="twoPt" dir="t">
+              <a:rot lat="0" lon="0" rev="7200000"/>
+            </a:lightRig>
+          </a:scene3d>
+          <a:sp3d>
+            <a:bevelT w="25400" h="19050"/>
+            <a:contourClr>
+              <a:srgbClr val="FFFFFF"/>
+            </a:contourClr>
+          </a:sp3d>
         </p:spPr>
         <p:txBody>
-          <a:bodyPr/>
+          <a:bodyPr anchor="t"/>
           <a:lstStyle>
-            <a:lvl1pPr marL="0" indent="0">
+            <a:lvl1pPr marL="0" indent="0" algn="ctr">
               <a:buNone/>
               <a:defRPr sz="3200"/>
             </a:lvl1pPr>
@@ -2789,19 +5056,17 @@
             </a:lvl9pPr>
           </a:lstStyle>
           <a:p>
-            <a:endParaRPr lang="en-US"/>
-          </a:p>
-        </p:txBody>
-      </p:sp>
-      <p:sp>
-        <p:nvSpPr>
-          <p:cNvPr id="4" name="Text Placeholder 3">
-            <a:extLst>
-              <a:ext uri="{FF2B5EF4-FFF2-40B4-BE49-F238E27FC236}">
-                <a16:creationId xmlns:a16="http://schemas.microsoft.com/office/drawing/2014/main" id="{F31B8A27-C83E-433F-ADCA-7D0340534AAD}"/>
-              </a:ext>
-            </a:extLst>
-          </p:cNvPr>
+            <a:r>
+              <a:rPr lang="en-US"/>
+              <a:t>Click icon to add picture</a:t>
+            </a:r>
+            <a:endParaRPr lang="en-US" dirty="0"/>
+          </a:p>
+        </p:txBody>
+      </p:sp>
+      <p:sp>
+        <p:nvSpPr>
+          <p:cNvPr id="4" name="Text Placeholder 3"/>
           <p:cNvSpPr>
             <a:spLocks noGrp="1"/>
           </p:cNvSpPr>
@@ -2811,16 +5076,18 @@
         </p:nvSpPr>
         <p:spPr>
           <a:xfrm>
-            <a:off x="839788" y="2057400"/>
-            <a:ext cx="3932237" cy="3811588"/>
+            <a:off x="913794" y="2971800"/>
+            <a:ext cx="5934950" cy="2819400"/>
           </a:xfrm>
         </p:spPr>
         <p:txBody>
-          <a:bodyPr/>
+          <a:bodyPr>
+            <a:normAutofit/>
+          </a:bodyPr>
           <a:lstStyle>
-            <a:lvl1pPr marL="0" indent="0">
-              <a:buNone/>
-              <a:defRPr sz="1600"/>
+            <a:lvl1pPr marL="0" indent="0" algn="ctr">
+              <a:buNone/>
+              <a:defRPr sz="1800"/>
             </a:lvl1pPr>
             <a:lvl2pPr marL="457200" indent="0">
               <a:buNone/>
@@ -2866,13 +5133,7 @@
       </p:sp>
       <p:sp>
         <p:nvSpPr>
-          <p:cNvPr id="5" name="Date Placeholder 4">
-            <a:extLst>
-              <a:ext uri="{FF2B5EF4-FFF2-40B4-BE49-F238E27FC236}">
-                <a16:creationId xmlns:a16="http://schemas.microsoft.com/office/drawing/2014/main" id="{004859CD-2A91-412B-A5C0-177F0C8BBC28}"/>
-              </a:ext>
-            </a:extLst>
-          </p:cNvPr>
+          <p:cNvPr id="5" name="Date Placeholder 4"/>
           <p:cNvSpPr>
             <a:spLocks noGrp="1"/>
           </p:cNvSpPr>
@@ -2895,13 +5156,7 @@
       </p:sp>
       <p:sp>
         <p:nvSpPr>
-          <p:cNvPr id="6" name="Footer Placeholder 5">
-            <a:extLst>
-              <a:ext uri="{FF2B5EF4-FFF2-40B4-BE49-F238E27FC236}">
-                <a16:creationId xmlns:a16="http://schemas.microsoft.com/office/drawing/2014/main" id="{A034CD6C-4997-4EAB-B04B-56120C91518F}"/>
-              </a:ext>
-            </a:extLst>
-          </p:cNvPr>
+          <p:cNvPr id="6" name="Footer Placeholder 5"/>
           <p:cNvSpPr>
             <a:spLocks noGrp="1"/>
           </p:cNvSpPr>
@@ -2920,13 +5175,7 @@
       </p:sp>
       <p:sp>
         <p:nvSpPr>
-          <p:cNvPr id="7" name="Slide Number Placeholder 6">
-            <a:extLst>
-              <a:ext uri="{FF2B5EF4-FFF2-40B4-BE49-F238E27FC236}">
-                <a16:creationId xmlns:a16="http://schemas.microsoft.com/office/drawing/2014/main" id="{AB8764CB-BB61-41D4-A046-27B9983BFD47}"/>
-              </a:ext>
-            </a:extLst>
-          </p:cNvPr>
+          <p:cNvPr id="7" name="Slide Number Placeholder 6"/>
           <p:cNvSpPr>
             <a:spLocks noGrp="1"/>
           </p:cNvSpPr>
@@ -2950,7 +5199,7 @@
     </p:spTree>
     <p:extLst>
       <p:ext uri="{BB962C8B-B14F-4D97-AF65-F5344CB8AC3E}">
-        <p14:creationId xmlns:p14="http://schemas.microsoft.com/office/powerpoint/2010/main" val="2475887867"/>
+        <p14:creationId xmlns:p14="http://schemas.microsoft.com/office/powerpoint/2010/main" val="2633993102"/>
       </p:ext>
     </p:extLst>
   </p:cSld>
@@ -2964,8 +5213,8 @@
 <p:sldMaster xmlns:a="http://schemas.openxmlformats.org/drawingml/2006/main" xmlns:r="http://schemas.openxmlformats.org/officeDocument/2006/relationships" xmlns:p="http://schemas.openxmlformats.org/presentationml/2006/main">
   <p:cSld>
     <p:bg>
-      <p:bgRef idx="1001">
-        <a:schemeClr val="bg1"/>
+      <p:bgRef idx="1003">
+        <a:schemeClr val="bg2"/>
       </p:bgRef>
     </p:bg>
     <p:spTree>
@@ -2984,13 +5233,7 @@
       </p:grpSpPr>
       <p:sp>
         <p:nvSpPr>
-          <p:cNvPr id="2" name="Title Placeholder 1">
-            <a:extLst>
-              <a:ext uri="{FF2B5EF4-FFF2-40B4-BE49-F238E27FC236}">
-                <a16:creationId xmlns:a16="http://schemas.microsoft.com/office/drawing/2014/main" id="{F09BAE47-5E1D-4245-AACC-5B77B686782C}"/>
-              </a:ext>
-            </a:extLst>
-          </p:cNvPr>
+          <p:cNvPr id="2" name="Title Placeholder 1"/>
           <p:cNvSpPr>
             <a:spLocks noGrp="1"/>
           </p:cNvSpPr>
@@ -3000,8 +5243,8 @@
         </p:nvSpPr>
         <p:spPr>
           <a:xfrm>
-            <a:off x="838200" y="365125"/>
-            <a:ext cx="10515600" cy="1325563"/>
+            <a:off x="913795" y="609600"/>
+            <a:ext cx="10353761" cy="1326321"/>
           </a:xfrm>
           <a:prstGeom prst="rect">
             <a:avLst/>
@@ -3017,18 +5260,13 @@
               <a:rPr lang="en-US"/>
               <a:t>Click to edit Master title style</a:t>
             </a:r>
-          </a:p>
-        </p:txBody>
-      </p:sp>
-      <p:sp>
-        <p:nvSpPr>
-          <p:cNvPr id="3" name="Text Placeholder 2">
-            <a:extLst>
-              <a:ext uri="{FF2B5EF4-FFF2-40B4-BE49-F238E27FC236}">
-                <a16:creationId xmlns:a16="http://schemas.microsoft.com/office/drawing/2014/main" id="{5CA6DD92-AFFB-459E-A2D3-D7FF7BFA22E2}"/>
-              </a:ext>
-            </a:extLst>
-          </p:cNvPr>
+            <a:endParaRPr lang="en-US" dirty="0"/>
+          </a:p>
+        </p:txBody>
+      </p:sp>
+      <p:sp>
+        <p:nvSpPr>
+          <p:cNvPr id="3" name="Text Placeholder 2"/>
           <p:cNvSpPr>
             <a:spLocks noGrp="1"/>
           </p:cNvSpPr>
@@ -3038,8 +5276,8 @@
         </p:nvSpPr>
         <p:spPr>
           <a:xfrm>
-            <a:off x="838200" y="1825625"/>
-            <a:ext cx="10515600" cy="4351338"/>
+            <a:off x="913795" y="2096064"/>
+            <a:ext cx="10353762" cy="3695136"/>
           </a:xfrm>
           <a:prstGeom prst="rect">
             <a:avLst/>
@@ -3084,18 +5322,13 @@
               <a:rPr lang="en-US"/>
               <a:t>Fifth level</a:t>
             </a:r>
-          </a:p>
-        </p:txBody>
-      </p:sp>
-      <p:sp>
-        <p:nvSpPr>
-          <p:cNvPr id="4" name="Date Placeholder 3">
-            <a:extLst>
-              <a:ext uri="{FF2B5EF4-FFF2-40B4-BE49-F238E27FC236}">
-                <a16:creationId xmlns:a16="http://schemas.microsoft.com/office/drawing/2014/main" id="{641A9028-EDA4-41E6-9948-FCBB3AAED527}"/>
-              </a:ext>
-            </a:extLst>
-          </p:cNvPr>
+            <a:endParaRPr lang="en-US" dirty="0"/>
+          </a:p>
+        </p:txBody>
+      </p:sp>
+      <p:sp>
+        <p:nvSpPr>
+          <p:cNvPr id="4" name="Date Placeholder 3"/>
           <p:cNvSpPr>
             <a:spLocks noGrp="1"/>
           </p:cNvSpPr>
@@ -3105,7 +5338,7 @@
         </p:nvSpPr>
         <p:spPr>
           <a:xfrm>
-            <a:off x="838200" y="6356350"/>
+            <a:off x="7678736" y="5883275"/>
             <a:ext cx="2743200" cy="365125"/>
           </a:xfrm>
           <a:prstGeom prst="rect">
@@ -3115,8 +5348,8 @@
         <p:txBody>
           <a:bodyPr vert="horz" lIns="91440" tIns="45720" rIns="91440" bIns="45720" rtlCol="0" anchor="ctr"/>
           <a:lstStyle>
-            <a:lvl1pPr algn="l">
-              <a:defRPr sz="1200">
+            <a:lvl1pPr algn="r">
+              <a:defRPr sz="1000">
                 <a:solidFill>
                   <a:schemeClr val="tx1">
                     <a:tint val="75000"/>
@@ -3136,13 +5369,7 @@
       </p:sp>
       <p:sp>
         <p:nvSpPr>
-          <p:cNvPr id="5" name="Footer Placeholder 4">
-            <a:extLst>
-              <a:ext uri="{FF2B5EF4-FFF2-40B4-BE49-F238E27FC236}">
-                <a16:creationId xmlns:a16="http://schemas.microsoft.com/office/drawing/2014/main" id="{03593AD4-5117-40F4-BC74-0DE066B2B8D1}"/>
-              </a:ext>
-            </a:extLst>
-          </p:cNvPr>
+          <p:cNvPr id="5" name="Footer Placeholder 4"/>
           <p:cNvSpPr>
             <a:spLocks noGrp="1"/>
           </p:cNvSpPr>
@@ -3152,8 +5379,8 @@
         </p:nvSpPr>
         <p:spPr>
           <a:xfrm>
-            <a:off x="4038600" y="6356350"/>
-            <a:ext cx="4114800" cy="365125"/>
+            <a:off x="913794" y="5883275"/>
+            <a:ext cx="6672865" cy="365125"/>
           </a:xfrm>
           <a:prstGeom prst="rect">
             <a:avLst/>
@@ -3162,8 +5389,8 @@
         <p:txBody>
           <a:bodyPr vert="horz" lIns="91440" tIns="45720" rIns="91440" bIns="45720" rtlCol="0" anchor="ctr"/>
           <a:lstStyle>
-            <a:lvl1pPr algn="ctr">
-              <a:defRPr sz="1200">
+            <a:lvl1pPr algn="l">
+              <a:defRPr sz="1000">
                 <a:solidFill>
                   <a:schemeClr val="tx1">
                     <a:tint val="75000"/>
@@ -3179,13 +5406,7 @@
       </p:sp>
       <p:sp>
         <p:nvSpPr>
-          <p:cNvPr id="6" name="Slide Number Placeholder 5">
-            <a:extLst>
-              <a:ext uri="{FF2B5EF4-FFF2-40B4-BE49-F238E27FC236}">
-                <a16:creationId xmlns:a16="http://schemas.microsoft.com/office/drawing/2014/main" id="{D75786E2-CF32-4DB9-836D-2837BAEFE52F}"/>
-              </a:ext>
-            </a:extLst>
-          </p:cNvPr>
+          <p:cNvPr id="6" name="Slide Number Placeholder 5"/>
           <p:cNvSpPr>
             <a:spLocks noGrp="1"/>
           </p:cNvSpPr>
@@ -3195,8 +5416,8 @@
         </p:nvSpPr>
         <p:spPr>
           <a:xfrm>
-            <a:off x="8610600" y="6356350"/>
-            <a:ext cx="2743200" cy="365125"/>
+            <a:off x="10514011" y="5883275"/>
+            <a:ext cx="753545" cy="365125"/>
           </a:xfrm>
           <a:prstGeom prst="rect">
             <a:avLst/>
@@ -3206,7 +5427,7 @@
           <a:bodyPr vert="horz" lIns="91440" tIns="45720" rIns="91440" bIns="45720" rtlCol="0" anchor="ctr"/>
           <a:lstStyle>
             <a:lvl1pPr algn="r">
-              <a:defRPr sz="1200">
+              <a:defRPr sz="1000">
                 <a:solidFill>
                   <a:schemeClr val="tx1">
                     <a:tint val="75000"/>
@@ -3227,27 +5448,33 @@
     </p:spTree>
     <p:extLst>
       <p:ext uri="{BB962C8B-B14F-4D97-AF65-F5344CB8AC3E}">
-        <p14:creationId xmlns:p14="http://schemas.microsoft.com/office/powerpoint/2010/main" val="367264031"/>
+        <p14:creationId xmlns:p14="http://schemas.microsoft.com/office/powerpoint/2010/main" val="2332130195"/>
       </p:ext>
     </p:extLst>
   </p:cSld>
-  <p:clrMap bg1="lt1" tx1="dk1" bg2="lt2" tx2="dk2" accent1="accent1" accent2="accent2" accent3="accent3" accent4="accent4" accent5="accent5" accent6="accent6" hlink="hlink" folHlink="folHlink"/>
+  <p:clrMap bg1="dk1" tx1="lt1" bg2="dk2" tx2="lt2" accent1="accent1" accent2="accent2" accent3="accent3" accent4="accent4" accent5="accent5" accent6="accent6" hlink="hlink" folHlink="folHlink"/>
   <p:sldLayoutIdLst>
-    <p:sldLayoutId id="2147483649" r:id="rId1"/>
-    <p:sldLayoutId id="2147483650" r:id="rId2"/>
-    <p:sldLayoutId id="2147483651" r:id="rId3"/>
-    <p:sldLayoutId id="2147483652" r:id="rId4"/>
-    <p:sldLayoutId id="2147483653" r:id="rId5"/>
-    <p:sldLayoutId id="2147483654" r:id="rId6"/>
-    <p:sldLayoutId id="2147483655" r:id="rId7"/>
-    <p:sldLayoutId id="2147483656" r:id="rId8"/>
-    <p:sldLayoutId id="2147483657" r:id="rId9"/>
-    <p:sldLayoutId id="2147483658" r:id="rId10"/>
-    <p:sldLayoutId id="2147483659" r:id="rId11"/>
+    <p:sldLayoutId id="2147483661" r:id="rId1"/>
+    <p:sldLayoutId id="2147483662" r:id="rId2"/>
+    <p:sldLayoutId id="2147483663" r:id="rId3"/>
+    <p:sldLayoutId id="2147483664" r:id="rId4"/>
+    <p:sldLayoutId id="2147483665" r:id="rId5"/>
+    <p:sldLayoutId id="2147483666" r:id="rId6"/>
+    <p:sldLayoutId id="2147483667" r:id="rId7"/>
+    <p:sldLayoutId id="2147483668" r:id="rId8"/>
+    <p:sldLayoutId id="2147483669" r:id="rId9"/>
+    <p:sldLayoutId id="2147483670" r:id="rId10"/>
+    <p:sldLayoutId id="2147483671" r:id="rId11"/>
+    <p:sldLayoutId id="2147483672" r:id="rId12"/>
+    <p:sldLayoutId id="2147483673" r:id="rId13"/>
+    <p:sldLayoutId id="2147483674" r:id="rId14"/>
+    <p:sldLayoutId id="2147483675" r:id="rId15"/>
+    <p:sldLayoutId id="2147483676" r:id="rId16"/>
+    <p:sldLayoutId id="2147483677" r:id="rId17"/>
   </p:sldLayoutIdLst>
   <p:txStyles>
     <p:titleStyle>
-      <a:lvl1pPr algn="l" defTabSz="914400" rtl="0" eaLnBrk="1" latinLnBrk="0" hangingPunct="1">
+      <a:lvl1pPr algn="ctr" defTabSz="914400" rtl="0" eaLnBrk="1" latinLnBrk="0" hangingPunct="1">
         <a:lnSpc>
           <a:spcPct val="90000"/>
         </a:lnSpc>
@@ -3255,10 +5482,17 @@
           <a:spcPct val="0"/>
         </a:spcBef>
         <a:buNone/>
-        <a:defRPr sz="4400" kern="1200">
+        <a:defRPr sz="3400" b="1" i="0" kern="1200" cap="all">
           <a:solidFill>
             <a:schemeClr val="tx1"/>
           </a:solidFill>
+          <a:effectLst>
+            <a:outerShdw blurRad="50800" dist="63500" dir="2700000" algn="tl" rotWithShape="0">
+              <a:srgbClr val="000000">
+                <a:alpha val="48000"/>
+              </a:srgbClr>
+            </a:outerShdw>
+          </a:effectLst>
           <a:latin typeface="+mj-lt"/>
           <a:ea typeface="+mj-ea"/>
           <a:cs typeface="+mj-cs"/>
@@ -3268,17 +5502,24 @@
     <p:bodyStyle>
       <a:lvl1pPr marL="228600" indent="-228600" algn="l" defTabSz="914400" rtl="0" eaLnBrk="1" latinLnBrk="0" hangingPunct="1">
         <a:lnSpc>
-          <a:spcPct val="90000"/>
+          <a:spcPct val="120000"/>
         </a:lnSpc>
         <a:spcBef>
           <a:spcPts val="1000"/>
         </a:spcBef>
         <a:buFont typeface="Arial" panose="020B0604020202020204" pitchFamily="34" charset="0"/>
         <a:buChar char="•"/>
-        <a:defRPr sz="2800" kern="1200">
+        <a:defRPr sz="2000" kern="1200">
           <a:solidFill>
             <a:schemeClr val="tx1"/>
           </a:solidFill>
+          <a:effectLst>
+            <a:outerShdw blurRad="50800" dist="38100" dir="2700000" algn="tl" rotWithShape="0">
+              <a:srgbClr val="000000">
+                <a:alpha val="48000"/>
+              </a:srgbClr>
+            </a:outerShdw>
+          </a:effectLst>
           <a:latin typeface="+mn-lt"/>
           <a:ea typeface="+mn-ea"/>
           <a:cs typeface="+mn-cs"/>
@@ -3286,43 +5527,7 @@
       </a:lvl1pPr>
       <a:lvl2pPr marL="685800" indent="-228600" algn="l" defTabSz="914400" rtl="0" eaLnBrk="1" latinLnBrk="0" hangingPunct="1">
         <a:lnSpc>
-          <a:spcPct val="90000"/>
-        </a:lnSpc>
-        <a:spcBef>
-          <a:spcPts val="500"/>
-        </a:spcBef>
-        <a:buFont typeface="Arial" panose="020B0604020202020204" pitchFamily="34" charset="0"/>
-        <a:buChar char="•"/>
-        <a:defRPr sz="2400" kern="1200">
-          <a:solidFill>
-            <a:schemeClr val="tx1"/>
-          </a:solidFill>
-          <a:latin typeface="+mn-lt"/>
-          <a:ea typeface="+mn-ea"/>
-          <a:cs typeface="+mn-cs"/>
-        </a:defRPr>
-      </a:lvl2pPr>
-      <a:lvl3pPr marL="1143000" indent="-228600" algn="l" defTabSz="914400" rtl="0" eaLnBrk="1" latinLnBrk="0" hangingPunct="1">
-        <a:lnSpc>
-          <a:spcPct val="90000"/>
-        </a:lnSpc>
-        <a:spcBef>
-          <a:spcPts val="500"/>
-        </a:spcBef>
-        <a:buFont typeface="Arial" panose="020B0604020202020204" pitchFamily="34" charset="0"/>
-        <a:buChar char="•"/>
-        <a:defRPr sz="2000" kern="1200">
-          <a:solidFill>
-            <a:schemeClr val="tx1"/>
-          </a:solidFill>
-          <a:latin typeface="+mn-lt"/>
-          <a:ea typeface="+mn-ea"/>
-          <a:cs typeface="+mn-cs"/>
-        </a:defRPr>
-      </a:lvl3pPr>
-      <a:lvl4pPr marL="1600200" indent="-228600" algn="l" defTabSz="914400" rtl="0" eaLnBrk="1" latinLnBrk="0" hangingPunct="1">
-        <a:lnSpc>
-          <a:spcPct val="90000"/>
+          <a:spcPct val="120000"/>
         </a:lnSpc>
         <a:spcBef>
           <a:spcPts val="500"/>
@@ -3333,6 +5538,63 @@
           <a:solidFill>
             <a:schemeClr val="tx1"/>
           </a:solidFill>
+          <a:effectLst>
+            <a:outerShdw blurRad="50800" dist="38100" dir="2700000" algn="tl" rotWithShape="0">
+              <a:srgbClr val="000000">
+                <a:alpha val="48000"/>
+              </a:srgbClr>
+            </a:outerShdw>
+          </a:effectLst>
+          <a:latin typeface="+mn-lt"/>
+          <a:ea typeface="+mn-ea"/>
+          <a:cs typeface="+mn-cs"/>
+        </a:defRPr>
+      </a:lvl2pPr>
+      <a:lvl3pPr marL="1143000" indent="-228600" algn="l" defTabSz="914400" rtl="0" eaLnBrk="1" latinLnBrk="0" hangingPunct="1">
+        <a:lnSpc>
+          <a:spcPct val="120000"/>
+        </a:lnSpc>
+        <a:spcBef>
+          <a:spcPts val="500"/>
+        </a:spcBef>
+        <a:buFont typeface="Arial" panose="020B0604020202020204" pitchFamily="34" charset="0"/>
+        <a:buChar char="•"/>
+        <a:defRPr sz="1600" kern="1200">
+          <a:solidFill>
+            <a:schemeClr val="tx1"/>
+          </a:solidFill>
+          <a:effectLst>
+            <a:outerShdw blurRad="50800" dist="38100" dir="2700000" algn="tl" rotWithShape="0">
+              <a:srgbClr val="000000">
+                <a:alpha val="48000"/>
+              </a:srgbClr>
+            </a:outerShdw>
+          </a:effectLst>
+          <a:latin typeface="+mn-lt"/>
+          <a:ea typeface="+mn-ea"/>
+          <a:cs typeface="+mn-cs"/>
+        </a:defRPr>
+      </a:lvl3pPr>
+      <a:lvl4pPr marL="1600200" indent="-228600" algn="l" defTabSz="914400" rtl="0" eaLnBrk="1" latinLnBrk="0" hangingPunct="1">
+        <a:lnSpc>
+          <a:spcPct val="120000"/>
+        </a:lnSpc>
+        <a:spcBef>
+          <a:spcPts val="500"/>
+        </a:spcBef>
+        <a:buFont typeface="Arial" panose="020B0604020202020204" pitchFamily="34" charset="0"/>
+        <a:buChar char="•"/>
+        <a:defRPr sz="1400" kern="1200">
+          <a:solidFill>
+            <a:schemeClr val="tx1"/>
+          </a:solidFill>
+          <a:effectLst>
+            <a:outerShdw blurRad="50800" dist="38100" dir="2700000" algn="tl" rotWithShape="0">
+              <a:srgbClr val="000000">
+                <a:alpha val="48000"/>
+              </a:srgbClr>
+            </a:outerShdw>
+          </a:effectLst>
           <a:latin typeface="+mn-lt"/>
           <a:ea typeface="+mn-ea"/>
           <a:cs typeface="+mn-cs"/>
@@ -3340,17 +5602,24 @@
       </a:lvl4pPr>
       <a:lvl5pPr marL="2057400" indent="-228600" algn="l" defTabSz="914400" rtl="0" eaLnBrk="1" latinLnBrk="0" hangingPunct="1">
         <a:lnSpc>
-          <a:spcPct val="90000"/>
+          <a:spcPct val="120000"/>
         </a:lnSpc>
         <a:spcBef>
           <a:spcPts val="500"/>
         </a:spcBef>
         <a:buFont typeface="Arial" panose="020B0604020202020204" pitchFamily="34" charset="0"/>
         <a:buChar char="•"/>
-        <a:defRPr sz="1800" kern="1200">
+        <a:defRPr sz="1200" kern="1200">
           <a:solidFill>
             <a:schemeClr val="tx1"/>
           </a:solidFill>
+          <a:effectLst>
+            <a:outerShdw blurRad="50800" dist="38100" dir="2700000" algn="tl" rotWithShape="0">
+              <a:srgbClr val="000000">
+                <a:alpha val="48000"/>
+              </a:srgbClr>
+            </a:outerShdw>
+          </a:effectLst>
           <a:latin typeface="+mn-lt"/>
           <a:ea typeface="+mn-ea"/>
           <a:cs typeface="+mn-cs"/>
@@ -3358,17 +5627,24 @@
       </a:lvl5pPr>
       <a:lvl6pPr marL="2514600" indent="-228600" algn="l" defTabSz="914400" rtl="0" eaLnBrk="1" latinLnBrk="0" hangingPunct="1">
         <a:lnSpc>
-          <a:spcPct val="90000"/>
+          <a:spcPct val="120000"/>
         </a:lnSpc>
         <a:spcBef>
           <a:spcPts val="500"/>
         </a:spcBef>
         <a:buFont typeface="Arial" panose="020B0604020202020204" pitchFamily="34" charset="0"/>
         <a:buChar char="•"/>
-        <a:defRPr sz="1800" kern="1200">
+        <a:defRPr sz="1200" kern="1200">
           <a:solidFill>
             <a:schemeClr val="tx1"/>
           </a:solidFill>
+          <a:effectLst>
+            <a:outerShdw blurRad="50800" dist="38100" dir="2700000" algn="tl" rotWithShape="0">
+              <a:srgbClr val="000000">
+                <a:alpha val="48000"/>
+              </a:srgbClr>
+            </a:outerShdw>
+          </a:effectLst>
           <a:latin typeface="+mn-lt"/>
           <a:ea typeface="+mn-ea"/>
           <a:cs typeface="+mn-cs"/>
@@ -3376,17 +5652,24 @@
       </a:lvl6pPr>
       <a:lvl7pPr marL="2971800" indent="-228600" algn="l" defTabSz="914400" rtl="0" eaLnBrk="1" latinLnBrk="0" hangingPunct="1">
         <a:lnSpc>
-          <a:spcPct val="90000"/>
+          <a:spcPct val="120000"/>
         </a:lnSpc>
         <a:spcBef>
           <a:spcPts val="500"/>
         </a:spcBef>
         <a:buFont typeface="Arial" panose="020B0604020202020204" pitchFamily="34" charset="0"/>
         <a:buChar char="•"/>
-        <a:defRPr sz="1800" kern="1200">
+        <a:defRPr sz="1200" kern="1200">
           <a:solidFill>
             <a:schemeClr val="tx1"/>
           </a:solidFill>
+          <a:effectLst>
+            <a:outerShdw blurRad="50800" dist="38100" dir="2700000" algn="tl" rotWithShape="0">
+              <a:srgbClr val="000000">
+                <a:alpha val="48000"/>
+              </a:srgbClr>
+            </a:outerShdw>
+          </a:effectLst>
           <a:latin typeface="+mn-lt"/>
           <a:ea typeface="+mn-ea"/>
           <a:cs typeface="+mn-cs"/>
@@ -3394,17 +5677,24 @@
       </a:lvl7pPr>
       <a:lvl8pPr marL="3429000" indent="-228600" algn="l" defTabSz="914400" rtl="0" eaLnBrk="1" latinLnBrk="0" hangingPunct="1">
         <a:lnSpc>
-          <a:spcPct val="90000"/>
+          <a:spcPct val="120000"/>
         </a:lnSpc>
         <a:spcBef>
           <a:spcPts val="500"/>
         </a:spcBef>
         <a:buFont typeface="Arial" panose="020B0604020202020204" pitchFamily="34" charset="0"/>
         <a:buChar char="•"/>
-        <a:defRPr sz="1800" kern="1200">
+        <a:defRPr sz="1200" kern="1200">
           <a:solidFill>
             <a:schemeClr val="tx1"/>
           </a:solidFill>
+          <a:effectLst>
+            <a:outerShdw blurRad="50800" dist="38100" dir="2700000" algn="tl" rotWithShape="0">
+              <a:srgbClr val="000000">
+                <a:alpha val="48000"/>
+              </a:srgbClr>
+            </a:outerShdw>
+          </a:effectLst>
           <a:latin typeface="+mn-lt"/>
           <a:ea typeface="+mn-ea"/>
           <a:cs typeface="+mn-cs"/>
@@ -3412,17 +5702,24 @@
       </a:lvl8pPr>
       <a:lvl9pPr marL="3886200" indent="-228600" algn="l" defTabSz="914400" rtl="0" eaLnBrk="1" latinLnBrk="0" hangingPunct="1">
         <a:lnSpc>
-          <a:spcPct val="90000"/>
+          <a:spcPct val="120000"/>
         </a:lnSpc>
         <a:spcBef>
           <a:spcPts val="500"/>
         </a:spcBef>
         <a:buFont typeface="Arial" panose="020B0604020202020204" pitchFamily="34" charset="0"/>
         <a:buChar char="•"/>
-        <a:defRPr sz="1800" kern="1200">
+        <a:defRPr sz="1200" kern="1200">
           <a:solidFill>
             <a:schemeClr val="tx1"/>
           </a:solidFill>
+          <a:effectLst>
+            <a:outerShdw blurRad="50800" dist="38100" dir="2700000" algn="tl" rotWithShape="0">
+              <a:srgbClr val="000000">
+                <a:alpha val="48000"/>
+              </a:srgbClr>
+            </a:outerShdw>
+          </a:effectLst>
           <a:latin typeface="+mn-lt"/>
           <a:ea typeface="+mn-ea"/>
           <a:cs typeface="+mn-cs"/>
@@ -3550,6 +5847,92 @@
           <p:cNvPr id="2" name="Title 1">
             <a:extLst>
               <a:ext uri="{FF2B5EF4-FFF2-40B4-BE49-F238E27FC236}">
+                <a16:creationId xmlns:a16="http://schemas.microsoft.com/office/drawing/2014/main" id="{23FF86AB-47BA-4C3C-A1BB-DFD29496AC37}"/>
+              </a:ext>
+            </a:extLst>
+          </p:cNvPr>
+          <p:cNvSpPr>
+            <a:spLocks noGrp="1"/>
+          </p:cNvSpPr>
+          <p:nvPr>
+            <p:ph type="ctrTitle"/>
+          </p:nvPr>
+        </p:nvSpPr>
+        <p:spPr/>
+        <p:txBody>
+          <a:bodyPr/>
+          <a:lstStyle/>
+          <a:p>
+            <a:r>
+              <a:rPr lang="en-US" dirty="0"/>
+              <a:t>Visualizing Covid and government measures</a:t>
+            </a:r>
+          </a:p>
+        </p:txBody>
+      </p:sp>
+      <p:sp>
+        <p:nvSpPr>
+          <p:cNvPr id="3" name="Subtitle 2">
+            <a:extLst>
+              <a:ext uri="{FF2B5EF4-FFF2-40B4-BE49-F238E27FC236}">
+                <a16:creationId xmlns:a16="http://schemas.microsoft.com/office/drawing/2014/main" id="{7D6A948C-0678-498A-B4CA-150B80D6C31B}"/>
+              </a:ext>
+            </a:extLst>
+          </p:cNvPr>
+          <p:cNvSpPr>
+            <a:spLocks noGrp="1"/>
+          </p:cNvSpPr>
+          <p:nvPr>
+            <p:ph type="subTitle" idx="1"/>
+          </p:nvPr>
+        </p:nvSpPr>
+        <p:spPr/>
+        <p:txBody>
+          <a:bodyPr/>
+          <a:lstStyle/>
+          <a:p>
+            <a:r>
+              <a:rPr lang="en-US" dirty="0"/>
+              <a:t>By Eamon Worden</a:t>
+            </a:r>
+          </a:p>
+        </p:txBody>
+      </p:sp>
+    </p:spTree>
+    <p:extLst>
+      <p:ext uri="{BB962C8B-B14F-4D97-AF65-F5344CB8AC3E}">
+        <p14:creationId xmlns:p14="http://schemas.microsoft.com/office/powerpoint/2010/main" val="1920904457"/>
+      </p:ext>
+    </p:extLst>
+  </p:cSld>
+  <p:clrMapOvr>
+    <a:masterClrMapping/>
+  </p:clrMapOvr>
+</p:sld>
+</file>
+
+<file path=ppt/slides/slide2.xml><?xml version="1.0" encoding="utf-8"?>
+<p:sld xmlns:a="http://schemas.openxmlformats.org/drawingml/2006/main" xmlns:r="http://schemas.openxmlformats.org/officeDocument/2006/relationships" xmlns:p="http://schemas.openxmlformats.org/presentationml/2006/main">
+  <p:cSld>
+    <p:spTree>
+      <p:nvGrpSpPr>
+        <p:cNvPr id="1" name=""/>
+        <p:cNvGrpSpPr/>
+        <p:nvPr/>
+      </p:nvGrpSpPr>
+      <p:grpSpPr>
+        <a:xfrm>
+          <a:off x="0" y="0"/>
+          <a:ext cx="0" cy="0"/>
+          <a:chOff x="0" y="0"/>
+          <a:chExt cx="0" cy="0"/>
+        </a:xfrm>
+      </p:grpSpPr>
+      <p:sp>
+        <p:nvSpPr>
+          <p:cNvPr id="2" name="Title 1">
+            <a:extLst>
+              <a:ext uri="{FF2B5EF4-FFF2-40B4-BE49-F238E27FC236}">
                 <a16:creationId xmlns:a16="http://schemas.microsoft.com/office/drawing/2014/main" id="{CD44FC7D-350E-4B19-B47C-5DEAE9604C03}"/>
               </a:ext>
             </a:extLst>
@@ -3561,7 +5944,12 @@
             <p:ph type="title"/>
           </p:nvPr>
         </p:nvSpPr>
-        <p:spPr/>
+        <p:spPr>
+          <a:xfrm>
+            <a:off x="-266466" y="148424"/>
+            <a:ext cx="5929773" cy="1017864"/>
+          </a:xfrm>
+        </p:spPr>
         <p:txBody>
           <a:bodyPr/>
           <a:lstStyle/>
@@ -3625,7 +6013,12 @@
             <p:ph type="body" sz="half" idx="2"/>
           </p:nvPr>
         </p:nvSpPr>
-        <p:spPr/>
+        <p:spPr>
+          <a:xfrm>
+            <a:off x="-269054" y="1230824"/>
+            <a:ext cx="5934950" cy="2819400"/>
+          </a:xfrm>
+        </p:spPr>
         <p:txBody>
           <a:bodyPr/>
           <a:lstStyle/>
@@ -3686,7 +6079,7 @@
             </a:pPr>
             <a:r>
               <a:rPr lang="en-US" dirty="0"/>
-              <a:t>Effectiveness</a:t>
+              <a:t>When they were used</a:t>
             </a:r>
           </a:p>
           <a:p>
@@ -3696,15 +6089,8 @@
             </a:pPr>
             <a:r>
               <a:rPr lang="en-US" dirty="0"/>
-              <a:t>When they were used</a:t>
-            </a:r>
-          </a:p>
-          <a:p>
-            <a:pPr marL="285750" indent="-285750">
-              <a:buFont typeface="Arial" panose="020B0604020202020204" pitchFamily="34" charset="0"/>
-              <a:buChar char="•"/>
-            </a:pPr>
-            <a:endParaRPr lang="en-US" dirty="0"/>
+              <a:t>Effectiveness</a:t>
+            </a:r>
           </a:p>
           <a:p>
             <a:pPr marL="285750" indent="-285750">
@@ -3764,7 +6150,7 @@
 </p:sld>
 </file>
 
-<file path=ppt/slides/slide2.xml><?xml version="1.0" encoding="utf-8"?>
+<file path=ppt/slides/slide3.xml><?xml version="1.0" encoding="utf-8"?>
 <p:sld xmlns:a="http://schemas.openxmlformats.org/drawingml/2006/main" xmlns:r="http://schemas.openxmlformats.org/officeDocument/2006/relationships" xmlns:p="http://schemas.openxmlformats.org/presentationml/2006/main">
   <p:cSld>
     <p:spTree>
@@ -3797,7 +6183,12 @@
             <p:ph type="title"/>
           </p:nvPr>
         </p:nvSpPr>
-        <p:spPr/>
+        <p:spPr>
+          <a:xfrm>
+            <a:off x="-178120" y="304706"/>
+            <a:ext cx="5793966" cy="924886"/>
+          </a:xfrm>
+        </p:spPr>
         <p:txBody>
           <a:bodyPr/>
           <a:lstStyle/>
@@ -3806,73 +6197,6 @@
               <a:rPr lang="en-US" dirty="0"/>
               <a:t>Questions</a:t>
             </a:r>
-          </a:p>
-        </p:txBody>
-      </p:sp>
-      <p:sp>
-        <p:nvSpPr>
-          <p:cNvPr id="4" name="Text Placeholder 3">
-            <a:extLst>
-              <a:ext uri="{FF2B5EF4-FFF2-40B4-BE49-F238E27FC236}">
-                <a16:creationId xmlns:a16="http://schemas.microsoft.com/office/drawing/2014/main" id="{9EAD2BB3-0191-45C5-83BE-DC0648C8239A}"/>
-              </a:ext>
-            </a:extLst>
-          </p:cNvPr>
-          <p:cNvSpPr>
-            <a:spLocks noGrp="1"/>
-          </p:cNvSpPr>
-          <p:nvPr>
-            <p:ph type="body" sz="half" idx="2"/>
-          </p:nvPr>
-        </p:nvSpPr>
-        <p:spPr/>
-        <p:txBody>
-          <a:bodyPr/>
-          <a:lstStyle/>
-          <a:p>
-            <a:pPr marL="285750" indent="-285750">
-              <a:buFont typeface="Arial" panose="020B0604020202020204" pitchFamily="34" charset="0"/>
-              <a:buChar char="•"/>
-            </a:pPr>
-            <a:r>
-              <a:rPr lang="en-US" dirty="0"/>
-              <a:t>How did covid trend differently in different places of the world?</a:t>
-            </a:r>
-          </a:p>
-          <a:p>
-            <a:pPr marL="285750" indent="-285750">
-              <a:buFont typeface="Arial" panose="020B0604020202020204" pitchFamily="34" charset="0"/>
-              <a:buChar char="•"/>
-            </a:pPr>
-            <a:r>
-              <a:rPr lang="en-US" dirty="0"/>
-              <a:t>What government measures were used and were they effective?</a:t>
-            </a:r>
-          </a:p>
-          <a:p>
-            <a:pPr marL="285750" indent="-285750">
-              <a:buFont typeface="Arial" panose="020B0604020202020204" pitchFamily="34" charset="0"/>
-              <a:buChar char="•"/>
-            </a:pPr>
-            <a:r>
-              <a:rPr lang="en-US" dirty="0"/>
-              <a:t>How </a:t>
-            </a:r>
-            <a:r>
-              <a:rPr lang="en-US"/>
-              <a:t>did cultural </a:t>
-            </a:r>
-            <a:r>
-              <a:rPr lang="en-US" dirty="0"/>
-              <a:t>events affect covid-19?</a:t>
-            </a:r>
-          </a:p>
-          <a:p>
-            <a:pPr marL="285750" indent="-285750">
-              <a:buFont typeface="Arial" panose="020B0604020202020204" pitchFamily="34" charset="0"/>
-              <a:buChar char="•"/>
-            </a:pPr>
-            <a:endParaRPr lang="en-US" dirty="0"/>
           </a:p>
         </p:txBody>
       </p:sp>
@@ -3906,11 +6230,75 @@
         </p:blipFill>
         <p:spPr>
           <a:xfrm>
-            <a:off x="4997931" y="207688"/>
-            <a:ext cx="7015015" cy="3699424"/>
+            <a:off x="5904549" y="207688"/>
+            <a:ext cx="6108397" cy="3221312"/>
           </a:xfrm>
         </p:spPr>
       </p:pic>
+      <p:sp>
+        <p:nvSpPr>
+          <p:cNvPr id="4" name="Text Placeholder 3">
+            <a:extLst>
+              <a:ext uri="{FF2B5EF4-FFF2-40B4-BE49-F238E27FC236}">
+                <a16:creationId xmlns:a16="http://schemas.microsoft.com/office/drawing/2014/main" id="{9EAD2BB3-0191-45C5-83BE-DC0648C8239A}"/>
+              </a:ext>
+            </a:extLst>
+          </p:cNvPr>
+          <p:cNvSpPr>
+            <a:spLocks noGrp="1"/>
+          </p:cNvSpPr>
+          <p:nvPr>
+            <p:ph type="body" sz="half" idx="2"/>
+          </p:nvPr>
+        </p:nvSpPr>
+        <p:spPr>
+          <a:xfrm>
+            <a:off x="-117694" y="1229592"/>
+            <a:ext cx="5934950" cy="2819400"/>
+          </a:xfrm>
+        </p:spPr>
+        <p:txBody>
+          <a:bodyPr/>
+          <a:lstStyle/>
+          <a:p>
+            <a:pPr marL="285750" indent="-285750">
+              <a:buFont typeface="Arial" panose="020B0604020202020204" pitchFamily="34" charset="0"/>
+              <a:buChar char="•"/>
+            </a:pPr>
+            <a:r>
+              <a:rPr lang="en-US" dirty="0"/>
+              <a:t>How did covid trend differently in different places of the world?</a:t>
+            </a:r>
+          </a:p>
+          <a:p>
+            <a:pPr marL="285750" indent="-285750">
+              <a:buFont typeface="Arial" panose="020B0604020202020204" pitchFamily="34" charset="0"/>
+              <a:buChar char="•"/>
+            </a:pPr>
+            <a:r>
+              <a:rPr lang="en-US" dirty="0"/>
+              <a:t>What government measures were used and were they effective?</a:t>
+            </a:r>
+          </a:p>
+          <a:p>
+            <a:pPr marL="285750" indent="-285750">
+              <a:buFont typeface="Arial" panose="020B0604020202020204" pitchFamily="34" charset="0"/>
+              <a:buChar char="•"/>
+            </a:pPr>
+            <a:r>
+              <a:rPr lang="en-US" dirty="0"/>
+              <a:t>How did other events affect covid-19?</a:t>
+            </a:r>
+          </a:p>
+          <a:p>
+            <a:pPr marL="285750" indent="-285750">
+              <a:buFont typeface="Arial" panose="020B0604020202020204" pitchFamily="34" charset="0"/>
+              <a:buChar char="•"/>
+            </a:pPr>
+            <a:endParaRPr lang="en-US" dirty="0"/>
+          </a:p>
+        </p:txBody>
+      </p:sp>
       <p:pic>
         <p:nvPicPr>
           <p:cNvPr id="12" name="Picture 11" descr="Graphical user interface, application&#10;&#10;Description automatically generated">
@@ -3939,7 +6327,7 @@
         </p:blipFill>
         <p:spPr>
           <a:xfrm>
-            <a:off x="0" y="4079631"/>
+            <a:off x="161566" y="3993371"/>
             <a:ext cx="5114593" cy="2681230"/>
           </a:xfrm>
           <a:prstGeom prst="rect">
@@ -3996,7 +6384,7 @@
 </p:sld>
 </file>
 
-<file path=ppt/slides/slide3.xml><?xml version="1.0" encoding="utf-8"?>
+<file path=ppt/slides/slide4.xml><?xml version="1.0" encoding="utf-8"?>
 <p:sld xmlns:a="http://schemas.openxmlformats.org/drawingml/2006/main" xmlns:r="http://schemas.openxmlformats.org/officeDocument/2006/relationships" xmlns:p="http://schemas.openxmlformats.org/presentationml/2006/main">
   <p:cSld>
     <p:spTree>
@@ -4029,7 +6417,12 @@
             <p:ph type="title"/>
           </p:nvPr>
         </p:nvSpPr>
-        <p:spPr/>
+        <p:spPr>
+          <a:xfrm>
+            <a:off x="-341122" y="0"/>
+            <a:ext cx="5929773" cy="2362200"/>
+          </a:xfrm>
+        </p:spPr>
         <p:txBody>
           <a:bodyPr/>
           <a:lstStyle/>
@@ -4057,9 +6450,16 @@
             <p:ph type="body" sz="half" idx="2"/>
           </p:nvPr>
         </p:nvSpPr>
-        <p:spPr/>
-        <p:txBody>
-          <a:bodyPr/>
+        <p:spPr>
+          <a:xfrm>
+            <a:off x="-344555" y="2362200"/>
+            <a:ext cx="5934950" cy="2819400"/>
+          </a:xfrm>
+        </p:spPr>
+        <p:txBody>
+          <a:bodyPr>
+            <a:normAutofit fontScale="92500" lnSpcReduction="20000"/>
+          </a:bodyPr>
           <a:lstStyle/>
           <a:p>
             <a:pPr marL="285750" indent="-285750">
@@ -4242,8 +6642,8 @@
         </p:blipFill>
         <p:spPr>
           <a:xfrm>
-            <a:off x="5588000" y="3963194"/>
-            <a:ext cx="4937760" cy="2830983"/>
+            <a:off x="5712902" y="4034805"/>
+            <a:ext cx="4812857" cy="2759372"/>
           </a:xfrm>
           <a:prstGeom prst="rect">
             <a:avLst/>
@@ -4264,9 +6664,9 @@
 </file>
 
 <file path=ppt/theme/theme1.xml><?xml version="1.0" encoding="utf-8"?>
-<a:theme xmlns:a="http://schemas.openxmlformats.org/drawingml/2006/main" name="Office Theme">
+<a:theme xmlns:a="http://schemas.openxmlformats.org/drawingml/2006/main" name="Damask">
   <a:themeElements>
-    <a:clrScheme name="Office">
+    <a:clrScheme name="Damask">
       <a:dk1>
         <a:sysClr val="windowText" lastClr="000000"/>
       </a:dk1>
@@ -4274,44 +6674,44 @@
         <a:sysClr val="window" lastClr="FFFFFF"/>
       </a:lt1>
       <a:dk2>
-        <a:srgbClr val="44546A"/>
+        <a:srgbClr val="2A5B7F"/>
       </a:dk2>
       <a:lt2>
-        <a:srgbClr val="E7E6E6"/>
+        <a:srgbClr val="ABDAFC"/>
       </a:lt2>
       <a:accent1>
-        <a:srgbClr val="4472C4"/>
+        <a:srgbClr val="9EC544"/>
       </a:accent1>
       <a:accent2>
-        <a:srgbClr val="ED7D31"/>
+        <a:srgbClr val="50BEA3"/>
       </a:accent2>
       <a:accent3>
-        <a:srgbClr val="A5A5A5"/>
+        <a:srgbClr val="4A9CCC"/>
       </a:accent3>
       <a:accent4>
-        <a:srgbClr val="FFC000"/>
+        <a:srgbClr val="9A66CA"/>
       </a:accent4>
       <a:accent5>
-        <a:srgbClr val="5B9BD5"/>
+        <a:srgbClr val="C54F71"/>
       </a:accent5>
       <a:accent6>
-        <a:srgbClr val="70AD47"/>
+        <a:srgbClr val="DE9C3C"/>
       </a:accent6>
       <a:hlink>
-        <a:srgbClr val="0563C1"/>
+        <a:srgbClr val="6BA9DA"/>
       </a:hlink>
       <a:folHlink>
-        <a:srgbClr val="954F72"/>
+        <a:srgbClr val="A0BCD3"/>
       </a:folHlink>
     </a:clrScheme>
-    <a:fontScheme name="Office">
+    <a:fontScheme name="Damask">
       <a:majorFont>
-        <a:latin typeface="Calibri Light" panose="020F0302020204030204"/>
+        <a:latin typeface="Bookman Old Style" panose="02050604050505020204"/>
         <a:ea typeface=""/>
         <a:cs typeface=""/>
-        <a:font script="Jpan" typeface="游ゴシック Light"/>
+        <a:font script="Jpan" typeface="ＭＳ Ｐゴシック"/>
         <a:font script="Hang" typeface="맑은 고딕"/>
-        <a:font script="Hans" typeface="等线 Light"/>
+        <a:font script="Hans" typeface="宋体"/>
         <a:font script="Hant" typeface="新細明體"/>
         <a:font script="Arab" typeface="Times New Roman"/>
         <a:font script="Hebr" typeface="Times New Roman"/>
@@ -4339,31 +6739,14 @@
         <a:font script="Viet" typeface="Times New Roman"/>
         <a:font script="Uigh" typeface="Microsoft Uighur"/>
         <a:font script="Geor" typeface="Sylfaen"/>
-        <a:font script="Armn" typeface="Arial"/>
-        <a:font script="Bugi" typeface="Leelawadee UI"/>
-        <a:font script="Bopo" typeface="Microsoft JhengHei"/>
-        <a:font script="Java" typeface="Javanese Text"/>
-        <a:font script="Lisu" typeface="Segoe UI"/>
-        <a:font script="Mymr" typeface="Myanmar Text"/>
-        <a:font script="Nkoo" typeface="Ebrima"/>
-        <a:font script="Olck" typeface="Nirmala UI"/>
-        <a:font script="Osma" typeface="Ebrima"/>
-        <a:font script="Phag" typeface="Phagspa"/>
-        <a:font script="Syrn" typeface="Estrangelo Edessa"/>
-        <a:font script="Syrj" typeface="Estrangelo Edessa"/>
-        <a:font script="Syre" typeface="Estrangelo Edessa"/>
-        <a:font script="Sora" typeface="Nirmala UI"/>
-        <a:font script="Tale" typeface="Microsoft Tai Le"/>
-        <a:font script="Talu" typeface="Microsoft New Tai Lue"/>
-        <a:font script="Tfng" typeface="Ebrima"/>
       </a:majorFont>
       <a:minorFont>
-        <a:latin typeface="Calibri" panose="020F0502020204030204"/>
+        <a:latin typeface="Rockwell" panose="02060603020205020403"/>
         <a:ea typeface=""/>
         <a:cs typeface=""/>
-        <a:font script="Jpan" typeface="游ゴシック"/>
+        <a:font script="Jpan" typeface="ＭＳ Ｐゴシック"/>
         <a:font script="Hang" typeface="맑은 고딕"/>
-        <a:font script="Hans" typeface="等线"/>
+        <a:font script="Hans" typeface="宋体"/>
         <a:font script="Hant" typeface="新細明體"/>
         <a:font script="Arab" typeface="Arial"/>
         <a:font script="Hebr" typeface="Arial"/>
@@ -4391,26 +6774,9 @@
         <a:font script="Viet" typeface="Arial"/>
         <a:font script="Uigh" typeface="Microsoft Uighur"/>
         <a:font script="Geor" typeface="Sylfaen"/>
-        <a:font script="Armn" typeface="Arial"/>
-        <a:font script="Bugi" typeface="Leelawadee UI"/>
-        <a:font script="Bopo" typeface="Microsoft JhengHei"/>
-        <a:font script="Java" typeface="Javanese Text"/>
-        <a:font script="Lisu" typeface="Segoe UI"/>
-        <a:font script="Mymr" typeface="Myanmar Text"/>
-        <a:font script="Nkoo" typeface="Ebrima"/>
-        <a:font script="Olck" typeface="Nirmala UI"/>
-        <a:font script="Osma" typeface="Ebrima"/>
-        <a:font script="Phag" typeface="Phagspa"/>
-        <a:font script="Syrn" typeface="Estrangelo Edessa"/>
-        <a:font script="Syrj" typeface="Estrangelo Edessa"/>
-        <a:font script="Syre" typeface="Estrangelo Edessa"/>
-        <a:font script="Sora" typeface="Nirmala UI"/>
-        <a:font script="Tale" typeface="Microsoft Tai Le"/>
-        <a:font script="Talu" typeface="Microsoft New Tai Lue"/>
-        <a:font script="Tfng" typeface="Ebrima"/>
       </a:minorFont>
     </a:fontScheme>
-    <a:fmtScheme name="Office">
+    <a:fmtScheme name="Damask">
       <a:fillStyleLst>
         <a:solidFill>
           <a:schemeClr val="phClr"/>
@@ -4419,23 +6785,16 @@
           <a:gsLst>
             <a:gs pos="0">
               <a:schemeClr val="phClr">
+                <a:tint val="48000"/>
+                <a:satMod val="105000"/>
                 <a:lumMod val="110000"/>
-                <a:satMod val="105000"/>
-                <a:tint val="67000"/>
-              </a:schemeClr>
-            </a:gs>
-            <a:gs pos="50000">
-              <a:schemeClr val="phClr">
-                <a:lumMod val="105000"/>
-                <a:satMod val="103000"/>
-                <a:tint val="73000"/>
               </a:schemeClr>
             </a:gs>
             <a:gs pos="100000">
               <a:schemeClr val="phClr">
-                <a:lumMod val="105000"/>
+                <a:tint val="78000"/>
                 <a:satMod val="109000"/>
-                <a:tint val="81000"/>
+                <a:lumMod val="100000"/>
               </a:schemeClr>
             </a:gs>
           </a:gsLst>
@@ -4445,23 +6804,23 @@
           <a:gsLst>
             <a:gs pos="0">
               <a:schemeClr val="phClr">
-                <a:satMod val="103000"/>
-                <a:lumMod val="102000"/>
                 <a:tint val="94000"/>
+                <a:satMod val="100000"/>
+                <a:lumMod val="104000"/>
               </a:schemeClr>
             </a:gs>
-            <a:gs pos="50000">
+            <a:gs pos="69000">
               <a:schemeClr val="phClr">
-                <a:satMod val="110000"/>
-                <a:lumMod val="100000"/>
-                <a:shade val="100000"/>
+                <a:shade val="86000"/>
+                <a:satMod val="130000"/>
+                <a:lumMod val="102000"/>
               </a:schemeClr>
             </a:gs>
             <a:gs pos="100000">
               <a:schemeClr val="phClr">
-                <a:lumMod val="99000"/>
-                <a:satMod val="120000"/>
-                <a:shade val="78000"/>
+                <a:shade val="72000"/>
+                <a:satMod val="130000"/>
+                <a:lumMod val="100000"/>
               </a:schemeClr>
             </a:gs>
           </a:gsLst>
@@ -4469,26 +6828,23 @@
         </a:gradFill>
       </a:fillStyleLst>
       <a:lnStyleLst>
-        <a:ln w="6350" cap="flat" cmpd="sng" algn="ctr">
-          <a:solidFill>
-            <a:schemeClr val="phClr"/>
-          </a:solidFill>
-          <a:prstDash val="solid"/>
-          <a:miter lim="800000"/>
-        </a:ln>
         <a:ln w="12700" cap="flat" cmpd="sng" algn="ctr">
           <a:solidFill>
             <a:schemeClr val="phClr"/>
           </a:solidFill>
           <a:prstDash val="solid"/>
-          <a:miter lim="800000"/>
         </a:ln>
         <a:ln w="19050" cap="flat" cmpd="sng" algn="ctr">
           <a:solidFill>
             <a:schemeClr val="phClr"/>
           </a:solidFill>
           <a:prstDash val="solid"/>
-          <a:miter lim="800000"/>
+        </a:ln>
+        <a:ln w="25400" cap="flat" cmpd="sng" algn="ctr">
+          <a:solidFill>
+            <a:schemeClr val="phClr"/>
+          </a:solidFill>
+          <a:prstDash val="solid"/>
         </a:ln>
       </a:lnStyleLst>
       <a:effectStyleLst>
@@ -4496,16 +6852,31 @@
           <a:effectLst/>
         </a:effectStyle>
         <a:effectStyle>
-          <a:effectLst/>
+          <a:effectLst>
+            <a:outerShdw blurRad="50800" dist="38100" dir="5400000" sy="96000" rotWithShape="0">
+              <a:srgbClr val="000000">
+                <a:alpha val="54000"/>
+              </a:srgbClr>
+            </a:outerShdw>
+          </a:effectLst>
         </a:effectStyle>
         <a:effectStyle>
           <a:effectLst>
-            <a:outerShdw blurRad="57150" dist="19050" dir="5400000" algn="ctr" rotWithShape="0">
+            <a:outerShdw blurRad="76200" dist="38100" dir="5400000" algn="ctr" rotWithShape="0">
               <a:srgbClr val="000000">
-                <a:alpha val="63000"/>
+                <a:alpha val="76000"/>
               </a:srgbClr>
             </a:outerShdw>
           </a:effectLst>
+          <a:scene3d>
+            <a:camera prst="orthographicFront">
+              <a:rot lat="0" lon="0" rev="0"/>
+            </a:camera>
+            <a:lightRig rig="balanced" dir="t"/>
+          </a:scene3d>
+          <a:sp3d prstMaterial="matte">
+            <a:bevelT w="25400" h="25400" prst="relaxedInset"/>
+          </a:sp3d>
         </a:effectStyle>
       </a:effectStyleLst>
       <a:bgFillStyleLst>
@@ -4518,33 +6889,23 @@
             <a:satMod val="170000"/>
           </a:schemeClr>
         </a:solidFill>
-        <a:gradFill rotWithShape="1">
-          <a:gsLst>
-            <a:gs pos="0">
+        <a:blipFill rotWithShape="1">
+          <a:blip xmlns:r="http://schemas.openxmlformats.org/officeDocument/2006/relationships" r:embed="rId1">
+            <a:duotone>
               <a:schemeClr val="phClr">
-                <a:tint val="93000"/>
-                <a:satMod val="150000"/>
-                <a:shade val="98000"/>
-                <a:lumMod val="102000"/>
+                <a:shade val="18000"/>
+                <a:satMod val="160000"/>
+                <a:lumMod val="28000"/>
               </a:schemeClr>
-            </a:gs>
-            <a:gs pos="50000">
               <a:schemeClr val="phClr">
-                <a:tint val="98000"/>
-                <a:satMod val="130000"/>
-                <a:shade val="90000"/>
-                <a:lumMod val="103000"/>
+                <a:tint val="95000"/>
+                <a:satMod val="160000"/>
+                <a:lumMod val="116000"/>
               </a:schemeClr>
-            </a:gs>
-            <a:gs pos="100000">
-              <a:schemeClr val="phClr">
-                <a:shade val="63000"/>
-                <a:satMod val="120000"/>
-              </a:schemeClr>
-            </a:gs>
-          </a:gsLst>
-          <a:lin ang="5400000" scaled="0"/>
-        </a:gradFill>
+            </a:duotone>
+          </a:blip>
+          <a:stretch/>
+        </a:blipFill>
       </a:bgFillStyleLst>
     </a:fmtScheme>
   </a:themeElements>
@@ -4552,7 +6913,7 @@
   <a:extraClrSchemeLst/>
   <a:extLst>
     <a:ext uri="{05A4C25C-085E-4340-85A3-A5531E510DB2}">
-      <thm15:themeFamily xmlns:thm15="http://schemas.microsoft.com/office/thememl/2012/main" name="Office Theme" id="{62F939B6-93AF-4DB8-9C6B-D6C7DFDC589F}" vid="{4A3C46E8-61CC-4603-A589-7422A47A8E4A}"/>
+      <thm15:themeFamily xmlns:thm15="http://schemas.microsoft.com/office/thememl/2012/main" name="Damask" id="{F9A299A0-33D0-4E0F-9F3F-7163E3744208}" vid="{746EEEEA-FB6A-406B-B510-531588D54811}"/>
     </a:ext>
   </a:extLst>
 </a:theme>
